--- a/slides/week8.pptx
+++ b/slides/week8.pptx
@@ -26,9 +26,10 @@
     <p:sldId id="354" r:id="rId20"/>
     <p:sldId id="355" r:id="rId21"/>
     <p:sldId id="356" r:id="rId22"/>
-    <p:sldId id="321" r:id="rId23"/>
-    <p:sldId id="343" r:id="rId24"/>
-    <p:sldId id="308" r:id="rId25"/>
+    <p:sldId id="357" r:id="rId23"/>
+    <p:sldId id="321" r:id="rId24"/>
+    <p:sldId id="343" r:id="rId25"/>
+    <p:sldId id="308" r:id="rId26"/>
   </p:sldIdLst>
   <p:sldSz cx="12192000" cy="6858000"/>
   <p:notesSz cx="6858000" cy="9144000"/>
@@ -12123,7 +12124,7 @@
         </p:spPr>
         <p:txBody>
           <a:bodyPr>
-            <a:normAutofit/>
+            <a:normAutofit fontScale="92500"/>
           </a:bodyPr>
           <a:lstStyle/>
           <a:p>
@@ -12185,7 +12186,7 @@
               <a:t>64MB</a:t>
             </a:r>
             <a:r>
-              <a:rPr lang="zh-CN" altLang="en-US" sz="2400">
+              <a:rPr lang="zh-CN" altLang="en-US" sz="2400" dirty="0">
                 <a:solidFill>
                   <a:srgbClr val="000000"/>
                 </a:solidFill>
@@ -12193,7 +12194,7 @@
               </a:rPr>
               <a:t>以上的物理页面时有一定概率出现错误</a:t>
             </a:r>
-            <a:endParaRPr lang="en-US" altLang="zh-CN" sz="2400">
+            <a:endParaRPr lang="en-US" altLang="zh-CN" sz="2400" dirty="0">
               <a:solidFill>
                 <a:srgbClr val="000000"/>
               </a:solidFill>
@@ -12244,25 +12245,25 @@
                 </a:solidFill>
                 <a:latin typeface="-apple-system"/>
               </a:rPr>
-              <a:t>如，实现基于平衡数据结构的</a:t>
-            </a:r>
-            <a:r>
-              <a:rPr lang="en-US" altLang="zh-CN" sz="2400" dirty="0">
-                <a:solidFill>
-                  <a:srgbClr val="000000"/>
-                </a:solidFill>
-                <a:latin typeface="-apple-system"/>
-              </a:rPr>
-              <a:t>best fit</a:t>
-            </a:r>
-            <a:r>
-              <a:rPr lang="zh-CN" altLang="en-US" sz="2400" dirty="0">
-                <a:solidFill>
-                  <a:srgbClr val="000000"/>
-                </a:solidFill>
-                <a:latin typeface="-apple-system"/>
-              </a:rPr>
-              <a:t>策略</a:t>
+              <a:t>如：</a:t>
+            </a:r>
+            <a:r>
+              <a:rPr lang="en-US" altLang="zh-CN" sz="2400" dirty="0" err="1">
+                <a:solidFill>
+                  <a:srgbClr val="000000"/>
+                </a:solidFill>
+                <a:latin typeface="-apple-system"/>
+              </a:rPr>
+              <a:t>kunth</a:t>
+            </a:r>
+            <a:r>
+              <a:rPr lang="zh-CN" altLang="en-US" sz="2400" dirty="0">
+                <a:solidFill>
+                  <a:srgbClr val="000000"/>
+                </a:solidFill>
+                <a:latin typeface="-apple-system"/>
+              </a:rPr>
+              <a:t>边界标记方法</a:t>
             </a:r>
             <a:endParaRPr lang="en-US" altLang="zh-CN" sz="2400" dirty="0">
               <a:solidFill>
@@ -12272,6 +12273,117 @@
             </a:endParaRPr>
           </a:p>
           <a:p>
+            <a:pPr lvl="1"/>
+            <a:r>
+              <a:rPr lang="zh-CN" altLang="en-US" sz="2400" dirty="0">
+                <a:solidFill>
+                  <a:srgbClr val="000000"/>
+                </a:solidFill>
+                <a:latin typeface="-apple-system"/>
+              </a:rPr>
+              <a:t>重新组织链表结构：隐式空闲链表</a:t>
+            </a:r>
+            <a:r>
+              <a:rPr lang="en-US" altLang="zh-CN" sz="2400" dirty="0">
+                <a:solidFill>
+                  <a:srgbClr val="000000"/>
+                </a:solidFill>
+                <a:latin typeface="-apple-system"/>
+              </a:rPr>
+              <a:t>/</a:t>
+            </a:r>
+            <a:r>
+              <a:rPr lang="zh-CN" altLang="en-US" sz="2400" dirty="0">
+                <a:solidFill>
+                  <a:srgbClr val="000000"/>
+                </a:solidFill>
+                <a:latin typeface="-apple-system"/>
+              </a:rPr>
+              <a:t>显式空闲链表；连接方式为</a:t>
+            </a:r>
+            <a:r>
+              <a:rPr lang="en-US" altLang="zh-CN" sz="2400" dirty="0">
+                <a:solidFill>
+                  <a:srgbClr val="000000"/>
+                </a:solidFill>
+                <a:latin typeface="-apple-system"/>
+              </a:rPr>
+              <a:t>LIFO/</a:t>
+            </a:r>
+            <a:r>
+              <a:rPr lang="zh-CN" altLang="en-US" sz="2400" dirty="0">
+                <a:solidFill>
+                  <a:srgbClr val="000000"/>
+                </a:solidFill>
+                <a:latin typeface="-apple-system"/>
+              </a:rPr>
+              <a:t>地址顺序</a:t>
+            </a:r>
+            <a:r>
+              <a:rPr lang="en-US" altLang="zh-CN" sz="2400" dirty="0">
+                <a:solidFill>
+                  <a:srgbClr val="000000"/>
+                </a:solidFill>
+                <a:latin typeface="-apple-system"/>
+              </a:rPr>
+              <a:t>/</a:t>
+            </a:r>
+            <a:r>
+              <a:rPr lang="zh-CN" altLang="en-US" sz="2400" dirty="0">
+                <a:solidFill>
+                  <a:srgbClr val="000000"/>
+                </a:solidFill>
+                <a:latin typeface="-apple-system"/>
+              </a:rPr>
+              <a:t>块大小顺序</a:t>
+            </a:r>
+            <a:r>
+              <a:rPr lang="en-US" altLang="zh-CN" sz="2400" dirty="0">
+                <a:solidFill>
+                  <a:srgbClr val="000000"/>
+                </a:solidFill>
+                <a:latin typeface="-apple-system"/>
+              </a:rPr>
+              <a:t>……</a:t>
+            </a:r>
+          </a:p>
+          <a:p>
+            <a:pPr lvl="1"/>
+            <a:r>
+              <a:rPr lang="zh-CN" altLang="en-US" sz="2400" dirty="0">
+                <a:solidFill>
+                  <a:srgbClr val="000000"/>
+                </a:solidFill>
+                <a:latin typeface="-apple-system"/>
+              </a:rPr>
+              <a:t>可能的探索方向：实现基于平衡数据结构的</a:t>
+            </a:r>
+            <a:r>
+              <a:rPr lang="en-US" altLang="zh-CN" sz="2400" dirty="0">
+                <a:solidFill>
+                  <a:srgbClr val="000000"/>
+                </a:solidFill>
+                <a:latin typeface="-apple-system"/>
+              </a:rPr>
+              <a:t>best fit</a:t>
+            </a:r>
+            <a:r>
+              <a:rPr lang="zh-CN" altLang="en-US" sz="2400" dirty="0">
+                <a:solidFill>
+                  <a:srgbClr val="000000"/>
+                </a:solidFill>
+                <a:latin typeface="-apple-system"/>
+              </a:rPr>
+              <a:t>策略</a:t>
+            </a:r>
+            <a:endParaRPr lang="en-US" altLang="zh-CN" sz="2400" dirty="0">
+              <a:solidFill>
+                <a:srgbClr val="000000"/>
+              </a:solidFill>
+              <a:latin typeface="-apple-system"/>
+            </a:endParaRPr>
+          </a:p>
+          <a:p>
             <a:r>
               <a:rPr lang="zh-CN" altLang="en-US" sz="2600" dirty="0">
                 <a:solidFill>
@@ -12323,7 +12435,7 @@
                 </a:solidFill>
                 <a:latin typeface="-apple-system"/>
               </a:rPr>
-              <a:t>linear allocator/TLSF</a:t>
+              <a:t>linear allocator/TLSF/</a:t>
             </a:r>
             <a:r>
               <a:rPr lang="zh-CN" altLang="en-US" sz="2600" dirty="0">
@@ -12332,7 +12444,7 @@
                 </a:solidFill>
                 <a:latin typeface="-apple-system"/>
               </a:rPr>
-              <a:t>算法</a:t>
+              <a:t>分离适配算法</a:t>
             </a:r>
             <a:endParaRPr lang="en-US" altLang="zh-CN" sz="2600" dirty="0">
               <a:solidFill>
@@ -12365,7 +12477,7 @@
     </p:spTree>
     <p:extLst>
       <p:ext uri="{BB962C8B-B14F-4D97-AF65-F5344CB8AC3E}">
-        <p14:creationId xmlns:p14="http://schemas.microsoft.com/office/powerpoint/2010/main" val="2727154037"/>
+        <p14:creationId xmlns:p14="http://schemas.microsoft.com/office/powerpoint/2010/main" val="2548974995"/>
       </p:ext>
     </p:extLst>
   </p:cSld>
@@ -12414,6 +12526,98 @@
           <a:lstStyle/>
           <a:p>
             <a:r>
+              <a:rPr lang="en-US" altLang="zh-CN" dirty="0" err="1"/>
+              <a:t>todo</a:t>
+            </a:r>
+            <a:r>
+              <a:rPr lang="en-US" altLang="zh-CN" dirty="0"/>
+              <a:t> list</a:t>
+            </a:r>
+            <a:endParaRPr lang="zh-CN" altLang="en-US" dirty="0"/>
+          </a:p>
+        </p:txBody>
+      </p:sp>
+      <p:pic>
+        <p:nvPicPr>
+          <p:cNvPr id="5" name="内容占位符 4">
+            <a:extLst>
+              <a:ext uri="{FF2B5EF4-FFF2-40B4-BE49-F238E27FC236}">
+                <a16:creationId xmlns:a16="http://schemas.microsoft.com/office/drawing/2014/main" id="{0748BF0D-B691-4401-9150-EE7C3E2A483A}"/>
+              </a:ext>
+            </a:extLst>
+          </p:cNvPr>
+          <p:cNvPicPr>
+            <a:picLocks noGrp="1" noChangeAspect="1"/>
+          </p:cNvPicPr>
+          <p:nvPr>
+            <p:ph idx="1"/>
+          </p:nvPr>
+        </p:nvPicPr>
+        <p:blipFill>
+          <a:blip r:embed="rId2"/>
+          <a:stretch>
+            <a:fillRect/>
+          </a:stretch>
+        </p:blipFill>
+        <p:spPr>
+          <a:xfrm>
+            <a:off x="1692135" y="2061836"/>
+            <a:ext cx="6904318" cy="3878916"/>
+          </a:xfrm>
+        </p:spPr>
+      </p:pic>
+    </p:spTree>
+    <p:extLst>
+      <p:ext uri="{BB962C8B-B14F-4D97-AF65-F5344CB8AC3E}">
+        <p14:creationId xmlns:p14="http://schemas.microsoft.com/office/powerpoint/2010/main" val="2727154037"/>
+      </p:ext>
+    </p:extLst>
+  </p:cSld>
+  <p:clrMapOvr>
+    <a:masterClrMapping/>
+  </p:clrMapOvr>
+</p:sld>
+</file>
+
+<file path=ppt/slides/slide24.xml><?xml version="1.0" encoding="utf-8"?>
+<p:sld xmlns:a="http://schemas.openxmlformats.org/drawingml/2006/main" xmlns:r="http://schemas.openxmlformats.org/officeDocument/2006/relationships" xmlns:p="http://schemas.openxmlformats.org/presentationml/2006/main">
+  <p:cSld>
+    <p:spTree>
+      <p:nvGrpSpPr>
+        <p:cNvPr id="1" name=""/>
+        <p:cNvGrpSpPr/>
+        <p:nvPr/>
+      </p:nvGrpSpPr>
+      <p:grpSpPr>
+        <a:xfrm>
+          <a:off x="0" y="0"/>
+          <a:ext cx="0" cy="0"/>
+          <a:chOff x="0" y="0"/>
+          <a:chExt cx="0" cy="0"/>
+        </a:xfrm>
+      </p:grpSpPr>
+      <p:sp>
+        <p:nvSpPr>
+          <p:cNvPr id="2" name="标题 1">
+            <a:extLst>
+              <a:ext uri="{FF2B5EF4-FFF2-40B4-BE49-F238E27FC236}">
+                <a16:creationId xmlns:a16="http://schemas.microsoft.com/office/drawing/2014/main" id="{788FCFBC-8C4F-4007-D87C-673F5E242D75}"/>
+              </a:ext>
+            </a:extLst>
+          </p:cNvPr>
+          <p:cNvSpPr>
+            <a:spLocks noGrp="1"/>
+          </p:cNvSpPr>
+          <p:nvPr>
+            <p:ph type="title"/>
+          </p:nvPr>
+        </p:nvSpPr>
+        <p:spPr/>
+        <p:txBody>
+          <a:bodyPr/>
+          <a:lstStyle/>
+          <a:p>
+            <a:r>
               <a:rPr lang="en-US" altLang="zh-CN" dirty="0"/>
               <a:t>reference</a:t>
             </a:r>
@@ -12497,6 +12701,35 @@
             </a:endParaRPr>
           </a:p>
           <a:p>
+            <a:r>
+              <a:rPr lang="en-US" altLang="zh-CN" sz="2600" dirty="0">
+                <a:solidFill>
+                  <a:srgbClr val="000000"/>
+                </a:solidFill>
+                <a:latin typeface="-apple-system"/>
+                <a:hlinkClick r:id="rId4"/>
+              </a:rPr>
+              <a:t>https://zhuanlan.zhihu.com/p/378352199</a:t>
+            </a:r>
+            <a:endParaRPr lang="en-US" altLang="zh-CN" sz="2600" dirty="0">
+              <a:solidFill>
+                <a:srgbClr val="000000"/>
+              </a:solidFill>
+              <a:latin typeface="-apple-system"/>
+            </a:endParaRPr>
+          </a:p>
+          <a:p>
+            <a:r>
+              <a:rPr lang="en-US" altLang="zh-CN" sz="2600" dirty="0">
+                <a:solidFill>
+                  <a:srgbClr val="000000"/>
+                </a:solidFill>
+                <a:latin typeface="-apple-system"/>
+              </a:rPr>
+              <a:t>CSAPP</a:t>
+            </a:r>
+          </a:p>
+          <a:p>
             <a:endParaRPr lang="en-US" altLang="zh-CN" sz="2600" dirty="0">
               <a:solidFill>
                 <a:srgbClr val="000000"/>
@@ -12528,7 +12761,7 @@
 </p:sld>
 </file>
 
-<file path=ppt/slides/slide24.xml><?xml version="1.0" encoding="utf-8"?>
+<file path=ppt/slides/slide25.xml><?xml version="1.0" encoding="utf-8"?>
 <p:sld xmlns:a="http://schemas.openxmlformats.org/drawingml/2006/main" xmlns:r="http://schemas.openxmlformats.org/officeDocument/2006/relationships" xmlns:p="http://schemas.openxmlformats.org/presentationml/2006/main">
   <p:cSld>
     <p:spTree>

--- a/slides/week8.pptx
+++ b/slides/week8.pptx
@@ -26,10 +26,17 @@
     <p:sldId id="354" r:id="rId20"/>
     <p:sldId id="355" r:id="rId21"/>
     <p:sldId id="356" r:id="rId22"/>
-    <p:sldId id="357" r:id="rId23"/>
+    <p:sldId id="358" r:id="rId23"/>
     <p:sldId id="321" r:id="rId24"/>
-    <p:sldId id="343" r:id="rId25"/>
-    <p:sldId id="308" r:id="rId26"/>
+    <p:sldId id="359" r:id="rId25"/>
+    <p:sldId id="360" r:id="rId26"/>
+    <p:sldId id="361" r:id="rId27"/>
+    <p:sldId id="363" r:id="rId28"/>
+    <p:sldId id="364" r:id="rId29"/>
+    <p:sldId id="365" r:id="rId30"/>
+    <p:sldId id="357" r:id="rId31"/>
+    <p:sldId id="343" r:id="rId32"/>
+    <p:sldId id="308" r:id="rId33"/>
   </p:sldIdLst>
   <p:sldSz cx="12192000" cy="6858000"/>
   <p:notesSz cx="6858000" cy="9144000"/>
@@ -882,7 +889,7 @@
             <a:fld id="{B61BEF0D-F0BB-DE4B-95CE-6DB70DBA9567}" type="datetimeFigureOut">
               <a:rPr lang="en-US" dirty="0"/>
               <a:pPr/>
-              <a:t>4/15/2023</a:t>
+              <a:t>4/16/2023</a:t>
             </a:fld>
             <a:endParaRPr lang="en-US" dirty="0"/>
           </a:p>
@@ -1130,7 +1137,7 @@
             <a:fld id="{B61BEF0D-F0BB-DE4B-95CE-6DB70DBA9567}" type="datetimeFigureOut">
               <a:rPr lang="en-US" dirty="0"/>
               <a:pPr/>
-              <a:t>4/15/2023</a:t>
+              <a:t>4/16/2023</a:t>
             </a:fld>
             <a:endParaRPr lang="en-US" dirty="0"/>
           </a:p>
@@ -1441,7 +1448,7 @@
             <a:fld id="{B61BEF0D-F0BB-DE4B-95CE-6DB70DBA9567}" type="datetimeFigureOut">
               <a:rPr lang="en-US" dirty="0"/>
               <a:pPr/>
-              <a:t>4/15/2023</a:t>
+              <a:t>4/16/2023</a:t>
             </a:fld>
             <a:endParaRPr lang="en-US" dirty="0"/>
           </a:p>
@@ -1771,7 +1778,7 @@
             <a:fld id="{B61BEF0D-F0BB-DE4B-95CE-6DB70DBA9567}" type="datetimeFigureOut">
               <a:rPr lang="en-US" dirty="0"/>
               <a:pPr/>
-              <a:t>4/15/2023</a:t>
+              <a:t>4/16/2023</a:t>
             </a:fld>
             <a:endParaRPr lang="en-US" dirty="0"/>
           </a:p>
@@ -2082,7 +2089,7 @@
             <a:fld id="{B61BEF0D-F0BB-DE4B-95CE-6DB70DBA9567}" type="datetimeFigureOut">
               <a:rPr lang="en-US" dirty="0"/>
               <a:pPr/>
-              <a:t>4/15/2023</a:t>
+              <a:t>4/16/2023</a:t>
             </a:fld>
             <a:endParaRPr lang="en-US" dirty="0"/>
           </a:p>
@@ -2472,7 +2479,7 @@
             <a:fld id="{B61BEF0D-F0BB-DE4B-95CE-6DB70DBA9567}" type="datetimeFigureOut">
               <a:rPr lang="en-US" dirty="0"/>
               <a:pPr/>
-              <a:t>4/15/2023</a:t>
+              <a:t>4/16/2023</a:t>
             </a:fld>
             <a:endParaRPr lang="en-US" dirty="0"/>
           </a:p>
@@ -2638,7 +2645,7 @@
           <a:p>
             <a:fld id="{55C6B4A9-1611-4792-9094-5F34BCA07E0B}" type="datetimeFigureOut">
               <a:rPr lang="en-US" dirty="0"/>
-              <a:t>4/15/2023</a:t>
+              <a:t>4/16/2023</a:t>
             </a:fld>
             <a:endParaRPr lang="en-US" dirty="0"/>
           </a:p>
@@ -2814,7 +2821,7 @@
             <a:fld id="{B61BEF0D-F0BB-DE4B-95CE-6DB70DBA9567}" type="datetimeFigureOut">
               <a:rPr lang="en-US" dirty="0"/>
               <a:pPr/>
-              <a:t>4/15/2023</a:t>
+              <a:t>4/16/2023</a:t>
             </a:fld>
             <a:endParaRPr lang="en-US" dirty="0"/>
           </a:p>
@@ -2980,7 +2987,7 @@
           <a:p>
             <a:fld id="{42A54C80-263E-416B-A8E0-580EDEADCBDC}" type="datetimeFigureOut">
               <a:rPr lang="en-US" dirty="0"/>
-              <a:t>4/15/2023</a:t>
+              <a:t>4/16/2023</a:t>
             </a:fld>
             <a:endParaRPr lang="en-US" dirty="0"/>
           </a:p>
@@ -3223,7 +3230,7 @@
             <a:fld id="{B61BEF0D-F0BB-DE4B-95CE-6DB70DBA9567}" type="datetimeFigureOut">
               <a:rPr lang="en-US" dirty="0"/>
               <a:pPr/>
-              <a:t>4/15/2023</a:t>
+              <a:t>4/16/2023</a:t>
             </a:fld>
             <a:endParaRPr lang="en-US" dirty="0"/>
           </a:p>
@@ -3451,7 +3458,7 @@
           <a:p>
             <a:fld id="{42A54C80-263E-416B-A8E0-580EDEADCBDC}" type="datetimeFigureOut">
               <a:rPr lang="en-US" dirty="0"/>
-              <a:t>4/15/2023</a:t>
+              <a:t>4/16/2023</a:t>
             </a:fld>
             <a:endParaRPr lang="en-US" dirty="0"/>
           </a:p>
@@ -3821,7 +3828,7 @@
             <a:fld id="{B61BEF0D-F0BB-DE4B-95CE-6DB70DBA9567}" type="datetimeFigureOut">
               <a:rPr lang="en-US" dirty="0"/>
               <a:pPr/>
-              <a:t>4/15/2023</a:t>
+              <a:t>4/16/2023</a:t>
             </a:fld>
             <a:endParaRPr lang="en-US" dirty="0"/>
           </a:p>
@@ -3941,7 +3948,7 @@
             <a:fld id="{B61BEF0D-F0BB-DE4B-95CE-6DB70DBA9567}" type="datetimeFigureOut">
               <a:rPr lang="en-US" dirty="0"/>
               <a:pPr/>
-              <a:t>4/15/2023</a:t>
+              <a:t>4/16/2023</a:t>
             </a:fld>
             <a:endParaRPr lang="en-US" dirty="0"/>
           </a:p>
@@ -4033,7 +4040,7 @@
             <a:fld id="{B61BEF0D-F0BB-DE4B-95CE-6DB70DBA9567}" type="datetimeFigureOut">
               <a:rPr lang="en-US" dirty="0"/>
               <a:pPr/>
-              <a:t>4/15/2023</a:t>
+              <a:t>4/16/2023</a:t>
             </a:fld>
             <a:endParaRPr lang="en-US" dirty="0"/>
           </a:p>
@@ -4284,7 +4291,7 @@
           <a:p>
             <a:fld id="{42A54C80-263E-416B-A8E0-580EDEADCBDC}" type="datetimeFigureOut">
               <a:rPr lang="en-US" dirty="0"/>
-              <a:t>4/15/2023</a:t>
+              <a:t>4/16/2023</a:t>
             </a:fld>
             <a:endParaRPr lang="en-US" dirty="0"/>
           </a:p>
@@ -4586,7 +4593,7 @@
             <a:fld id="{B61BEF0D-F0BB-DE4B-95CE-6DB70DBA9567}" type="datetimeFigureOut">
               <a:rPr lang="en-US" dirty="0"/>
               <a:pPr/>
-              <a:t>4/15/2023</a:t>
+              <a:t>4/16/2023</a:t>
             </a:fld>
             <a:endParaRPr lang="en-US" dirty="0"/>
           </a:p>
@@ -5284,7 +5291,7 @@
             <a:fld id="{B61BEF0D-F0BB-DE4B-95CE-6DB70DBA9567}" type="datetimeFigureOut">
               <a:rPr lang="en-US" dirty="0"/>
               <a:pPr/>
-              <a:t>4/15/2023</a:t>
+              <a:t>4/16/2023</a:t>
             </a:fld>
             <a:endParaRPr lang="en-US" dirty="0"/>
           </a:p>
@@ -8387,7 +8394,7 @@
         </p:spPr>
         <p:txBody>
           <a:bodyPr>
-            <a:normAutofit/>
+            <a:normAutofit lnSpcReduction="10000"/>
           </a:bodyPr>
           <a:lstStyle/>
           <a:p>
@@ -8504,7 +8511,7 @@
                 </a:solidFill>
                 <a:latin typeface="-apple-system"/>
               </a:rPr>
-              <a:t>其中，对于</a:t>
+              <a:t>每个内存块的头部记录内存块大小、</a:t>
             </a:r>
             <a:r>
               <a:rPr lang="en-US" altLang="zh-CN" sz="2400" dirty="0">
@@ -8513,7 +8520,7 @@
                 </a:solidFill>
                 <a:latin typeface="-apple-system"/>
               </a:rPr>
-              <a:t>best fit</a:t>
+              <a:t>next</a:t>
             </a:r>
             <a:r>
               <a:rPr lang="zh-CN" altLang="en-US" sz="2400" dirty="0">
@@ -8522,16 +8529,16 @@
                 </a:solidFill>
                 <a:latin typeface="-apple-system"/>
               </a:rPr>
-              <a:t>和</a:t>
-            </a:r>
-            <a:r>
-              <a:rPr lang="en-US" altLang="zh-CN" sz="2400" dirty="0">
-                <a:solidFill>
-                  <a:srgbClr val="000000"/>
-                </a:solidFill>
-                <a:latin typeface="-apple-system"/>
-              </a:rPr>
-              <a:t>worst fit</a:t>
+              <a:t>指针等信息，</a:t>
+            </a:r>
+            <a:r>
+              <a:rPr lang="en-US" altLang="zh-CN" sz="2400" dirty="0" err="1">
+                <a:solidFill>
+                  <a:srgbClr val="000000"/>
+                </a:solidFill>
+                <a:latin typeface="-apple-system"/>
+              </a:rPr>
+              <a:t>alloc</a:t>
             </a:r>
             <a:r>
               <a:rPr lang="zh-CN" altLang="en-US" sz="2400" dirty="0">
@@ -8540,25 +8547,7 @@
                 </a:solidFill>
                 <a:latin typeface="-apple-system"/>
               </a:rPr>
-              <a:t>，在</a:t>
-            </a:r>
-            <a:r>
-              <a:rPr lang="en-US" altLang="zh-CN" sz="2400" dirty="0" err="1">
-                <a:solidFill>
-                  <a:srgbClr val="000000"/>
-                </a:solidFill>
-                <a:latin typeface="-apple-system"/>
-              </a:rPr>
-              <a:t>dealloc</a:t>
-            </a:r>
-            <a:r>
-              <a:rPr lang="zh-CN" altLang="en-US" sz="2400" dirty="0">
-                <a:solidFill>
-                  <a:srgbClr val="000000"/>
-                </a:solidFill>
-                <a:latin typeface="-apple-system"/>
-              </a:rPr>
-              <a:t>时需要合并内存块</a:t>
+              <a:t>时需要空出来不能分配给用户</a:t>
             </a:r>
             <a:endParaRPr lang="en-US" altLang="zh-CN" sz="2400" dirty="0">
               <a:solidFill>
@@ -8569,51 +8558,51 @@
           </a:p>
           <a:p>
             <a:r>
+              <a:rPr lang="en-US" altLang="zh-CN" sz="2400" dirty="0" err="1">
+                <a:solidFill>
+                  <a:srgbClr val="000000"/>
+                </a:solidFill>
+                <a:latin typeface="-apple-system"/>
+              </a:rPr>
+              <a:t>dealloc</a:t>
+            </a:r>
+            <a:r>
               <a:rPr lang="zh-CN" altLang="en-US" sz="2400" dirty="0">
                 <a:solidFill>
                   <a:srgbClr val="000000"/>
                 </a:solidFill>
                 <a:latin typeface="-apple-system"/>
               </a:rPr>
-              <a:t>每个内存块的头部记录内存块大小、</a:t>
-            </a:r>
-            <a:r>
-              <a:rPr lang="en-US" altLang="zh-CN" sz="2400" dirty="0">
-                <a:solidFill>
-                  <a:srgbClr val="000000"/>
-                </a:solidFill>
-                <a:latin typeface="-apple-system"/>
-              </a:rPr>
-              <a:t>next</a:t>
-            </a:r>
-            <a:r>
-              <a:rPr lang="zh-CN" altLang="en-US" sz="2400" dirty="0">
-                <a:solidFill>
-                  <a:srgbClr val="000000"/>
-                </a:solidFill>
-                <a:latin typeface="-apple-system"/>
-              </a:rPr>
-              <a:t>指针和头部大小（处理地址对齐等问题），</a:t>
-            </a:r>
-            <a:r>
-              <a:rPr lang="en-US" altLang="zh-CN" sz="2400" dirty="0" err="1">
-                <a:solidFill>
-                  <a:srgbClr val="000000"/>
-                </a:solidFill>
-                <a:latin typeface="-apple-system"/>
-              </a:rPr>
-              <a:t>alloc</a:t>
-            </a:r>
-            <a:r>
-              <a:rPr lang="zh-CN" altLang="en-US" sz="2400" dirty="0">
-                <a:solidFill>
-                  <a:srgbClr val="000000"/>
-                </a:solidFill>
-                <a:latin typeface="-apple-system"/>
-              </a:rPr>
-              <a:t>时需要空出来不能分配给用户</a:t>
+              <a:t>时注意合并内存块</a:t>
             </a:r>
             <a:endParaRPr lang="en-US" altLang="zh-CN" sz="2400" dirty="0">
+              <a:solidFill>
+                <a:srgbClr val="000000"/>
+              </a:solidFill>
+              <a:latin typeface="-apple-system"/>
+            </a:endParaRPr>
+          </a:p>
+          <a:p>
+            <a:pPr lvl="1"/>
+            <a:r>
+              <a:rPr lang="en-US" altLang="zh-CN" sz="2200" dirty="0">
+                <a:solidFill>
+                  <a:srgbClr val="000000"/>
+                </a:solidFill>
+                <a:latin typeface="-apple-system"/>
+              </a:rPr>
+              <a:t>First fit</a:t>
+            </a:r>
+            <a:r>
+              <a:rPr lang="zh-CN" altLang="en-US" sz="2200" dirty="0">
+                <a:solidFill>
+                  <a:srgbClr val="000000"/>
+                </a:solidFill>
+                <a:latin typeface="-apple-system"/>
+              </a:rPr>
+              <a:t>实现为了不合并内存块的版本</a:t>
+            </a:r>
+            <a:endParaRPr lang="en-US" altLang="zh-CN" sz="2200" dirty="0">
               <a:solidFill>
                 <a:srgbClr val="000000"/>
               </a:solidFill>
@@ -11066,6 +11055,23 @@
               <a:latin typeface="-apple-system"/>
             </a:endParaRPr>
           </a:p>
+          <a:p>
+            <a:r>
+              <a:rPr lang="zh-CN" altLang="en-US" sz="2600" dirty="0">
+                <a:solidFill>
+                  <a:srgbClr val="000000"/>
+                </a:solidFill>
+                <a:latin typeface="-apple-system"/>
+              </a:rPr>
+              <a:t>改进上述算法，提高运行效率</a:t>
+            </a:r>
+            <a:endParaRPr lang="en-US" altLang="zh-CN" sz="2600" dirty="0">
+              <a:solidFill>
+                <a:srgbClr val="000000"/>
+              </a:solidFill>
+              <a:latin typeface="-apple-system"/>
+            </a:endParaRPr>
+          </a:p>
         </p:txBody>
       </p:sp>
     </p:spTree>
@@ -12089,14 +12095,9 @@
           <a:lstStyle/>
           <a:p>
             <a:r>
-              <a:rPr lang="en-US" altLang="zh-CN" dirty="0" err="1"/>
-              <a:t>todo</a:t>
-            </a:r>
-            <a:r>
-              <a:rPr lang="en-US" altLang="zh-CN" dirty="0"/>
-              <a:t> list</a:t>
-            </a:r>
-            <a:endParaRPr lang="zh-CN" altLang="en-US" dirty="0"/>
+              <a:rPr lang="zh-CN" altLang="en-US" dirty="0"/>
+              <a:t>性能优化</a:t>
+            </a:r>
           </a:p>
         </p:txBody>
       </p:sp>
@@ -12118,83 +12119,44 @@
         </p:nvSpPr>
         <p:spPr>
           <a:xfrm>
-            <a:off x="677334" y="1611949"/>
-            <a:ext cx="8933010" cy="4779707"/>
+            <a:off x="677334" y="1486981"/>
+            <a:ext cx="8686122" cy="5051942"/>
           </a:xfrm>
         </p:spPr>
         <p:txBody>
           <a:bodyPr>
-            <a:normAutofit fontScale="92500"/>
+            <a:normAutofit/>
           </a:bodyPr>
           <a:lstStyle/>
           <a:p>
             <a:r>
-              <a:rPr lang="zh-CN" altLang="en-US" sz="2600" dirty="0">
-                <a:solidFill>
-                  <a:srgbClr val="000000"/>
-                </a:solidFill>
-                <a:latin typeface="-apple-system"/>
-              </a:rPr>
-              <a:t>修复测试中发现的现有</a:t>
-            </a:r>
-            <a:r>
-              <a:rPr lang="en-US" altLang="zh-CN" sz="2600" dirty="0" err="1">
-                <a:solidFill>
-                  <a:srgbClr val="000000"/>
-                </a:solidFill>
-                <a:latin typeface="-apple-system"/>
-              </a:rPr>
-              <a:t>arceos</a:t>
-            </a:r>
-            <a:r>
-              <a:rPr lang="zh-CN" altLang="en-US" sz="2600" dirty="0">
-                <a:solidFill>
-                  <a:srgbClr val="000000"/>
-                </a:solidFill>
-                <a:latin typeface="-apple-system"/>
-              </a:rPr>
-              <a:t>框架的一些</a:t>
-            </a:r>
-            <a:r>
-              <a:rPr lang="en-US" altLang="zh-CN" sz="2600" dirty="0">
-                <a:solidFill>
-                  <a:srgbClr val="000000"/>
-                </a:solidFill>
-                <a:latin typeface="-apple-system"/>
-              </a:rPr>
-              <a:t>bug</a:t>
-            </a:r>
-          </a:p>
-          <a:p>
-            <a:pPr lvl="1"/>
-            <a:r>
-              <a:rPr lang="zh-CN" altLang="en-US" sz="2400" dirty="0">
-                <a:solidFill>
-                  <a:srgbClr val="000000"/>
-                </a:solidFill>
-                <a:latin typeface="-apple-system"/>
-              </a:rPr>
-              <a:t>如，一次申请</a:t>
-            </a:r>
-            <a:r>
-              <a:rPr lang="en-US" altLang="zh-CN" sz="2400" dirty="0">
-                <a:solidFill>
-                  <a:srgbClr val="000000"/>
-                </a:solidFill>
-                <a:latin typeface="-apple-system"/>
-              </a:rPr>
-              <a:t>64MB</a:t>
-            </a:r>
-            <a:r>
-              <a:rPr lang="zh-CN" altLang="en-US" sz="2400" dirty="0">
-                <a:solidFill>
-                  <a:srgbClr val="000000"/>
-                </a:solidFill>
-                <a:latin typeface="-apple-system"/>
-              </a:rPr>
-              <a:t>以上的物理页面时有一定概率出现错误</a:t>
-            </a:r>
-            <a:endParaRPr lang="en-US" altLang="zh-CN" sz="2400" dirty="0">
+              <a:rPr lang="zh-CN" altLang="en-US" sz="2800" dirty="0">
+                <a:solidFill>
+                  <a:srgbClr val="000000"/>
+                </a:solidFill>
+                <a:latin typeface="-apple-system"/>
+              </a:rPr>
+              <a:t>核心思想：优化</a:t>
+            </a:r>
+            <a:r>
+              <a:rPr lang="en-US" altLang="zh-CN" sz="2800" dirty="0" err="1">
+                <a:solidFill>
+                  <a:srgbClr val="000000"/>
+                </a:solidFill>
+                <a:latin typeface="-apple-system"/>
+              </a:rPr>
+              <a:t>dealloc</a:t>
+            </a:r>
+            <a:r>
+              <a:rPr lang="zh-CN" altLang="en-US" sz="2800" dirty="0">
+                <a:solidFill>
+                  <a:srgbClr val="000000"/>
+                </a:solidFill>
+                <a:latin typeface="-apple-system"/>
+              </a:rPr>
+              <a:t>时合并内存块所需的遍历整个链表的过程</a:t>
+            </a:r>
+            <a:endParaRPr lang="en-US" altLang="zh-CN" sz="2800" dirty="0">
               <a:solidFill>
                 <a:srgbClr val="000000"/>
               </a:solidFill>
@@ -12202,6 +12164,7 @@
             </a:endParaRPr>
           </a:p>
           <a:p>
+            <a:pPr lvl="1"/>
             <a:r>
               <a:rPr lang="zh-CN" altLang="en-US" sz="2600" dirty="0">
                 <a:solidFill>
@@ -12209,7 +12172,7 @@
                 </a:solidFill>
                 <a:latin typeface="-apple-system"/>
               </a:rPr>
-              <a:t>改进</a:t>
+              <a:t>需要遍历链表的原因：现有的链表结构不能直接找到前</a:t>
             </a:r>
             <a:r>
               <a:rPr lang="en-US" altLang="zh-CN" sz="2600" dirty="0">
@@ -12218,7 +12181,7 @@
                 </a:solidFill>
                 <a:latin typeface="-apple-system"/>
               </a:rPr>
-              <a:t>best/worst/first fit</a:t>
+              <a:t>/</a:t>
             </a:r>
             <a:r>
               <a:rPr lang="zh-CN" altLang="en-US" sz="2600" dirty="0">
@@ -12227,7 +12190,7 @@
                 </a:solidFill>
                 <a:latin typeface="-apple-system"/>
               </a:rPr>
-              <a:t>的查找策略，使其无需每次遍历整个链表；</a:t>
+              <a:t>后一个块并直接从链表中删除</a:t>
             </a:r>
             <a:endParaRPr lang="en-US" altLang="zh-CN" sz="2600" dirty="0">
               <a:solidFill>
@@ -12239,177 +12202,13 @@
           <a:p>
             <a:pPr lvl="1"/>
             <a:r>
-              <a:rPr lang="zh-CN" altLang="en-US" sz="2400" dirty="0">
-                <a:solidFill>
-                  <a:srgbClr val="000000"/>
-                </a:solidFill>
-                <a:latin typeface="-apple-system"/>
-              </a:rPr>
-              <a:t>如：</a:t>
-            </a:r>
-            <a:r>
-              <a:rPr lang="en-US" altLang="zh-CN" sz="2400" dirty="0" err="1">
-                <a:solidFill>
-                  <a:srgbClr val="000000"/>
-                </a:solidFill>
-                <a:latin typeface="-apple-system"/>
-              </a:rPr>
-              <a:t>kunth</a:t>
-            </a:r>
-            <a:r>
-              <a:rPr lang="zh-CN" altLang="en-US" sz="2400" dirty="0">
-                <a:solidFill>
-                  <a:srgbClr val="000000"/>
-                </a:solidFill>
-                <a:latin typeface="-apple-system"/>
-              </a:rPr>
-              <a:t>边界标记方法</a:t>
-            </a:r>
-            <a:endParaRPr lang="en-US" altLang="zh-CN" sz="2400" dirty="0">
-              <a:solidFill>
-                <a:srgbClr val="000000"/>
-              </a:solidFill>
-              <a:latin typeface="-apple-system"/>
-            </a:endParaRPr>
-          </a:p>
-          <a:p>
-            <a:pPr lvl="1"/>
-            <a:r>
-              <a:rPr lang="zh-CN" altLang="en-US" sz="2400" dirty="0">
-                <a:solidFill>
-                  <a:srgbClr val="000000"/>
-                </a:solidFill>
-                <a:latin typeface="-apple-system"/>
-              </a:rPr>
-              <a:t>重新组织链表结构：隐式空闲链表</a:t>
-            </a:r>
-            <a:r>
-              <a:rPr lang="en-US" altLang="zh-CN" sz="2400" dirty="0">
-                <a:solidFill>
-                  <a:srgbClr val="000000"/>
-                </a:solidFill>
-                <a:latin typeface="-apple-system"/>
-              </a:rPr>
-              <a:t>/</a:t>
-            </a:r>
-            <a:r>
-              <a:rPr lang="zh-CN" altLang="en-US" sz="2400" dirty="0">
-                <a:solidFill>
-                  <a:srgbClr val="000000"/>
-                </a:solidFill>
-                <a:latin typeface="-apple-system"/>
-              </a:rPr>
-              <a:t>显式空闲链表；连接方式为</a:t>
-            </a:r>
-            <a:r>
-              <a:rPr lang="en-US" altLang="zh-CN" sz="2400" dirty="0">
-                <a:solidFill>
-                  <a:srgbClr val="000000"/>
-                </a:solidFill>
-                <a:latin typeface="-apple-system"/>
-              </a:rPr>
-              <a:t>LIFO/</a:t>
-            </a:r>
-            <a:r>
-              <a:rPr lang="zh-CN" altLang="en-US" sz="2400" dirty="0">
-                <a:solidFill>
-                  <a:srgbClr val="000000"/>
-                </a:solidFill>
-                <a:latin typeface="-apple-system"/>
-              </a:rPr>
-              <a:t>地址顺序</a:t>
-            </a:r>
-            <a:r>
-              <a:rPr lang="en-US" altLang="zh-CN" sz="2400" dirty="0">
-                <a:solidFill>
-                  <a:srgbClr val="000000"/>
-                </a:solidFill>
-                <a:latin typeface="-apple-system"/>
-              </a:rPr>
-              <a:t>/</a:t>
-            </a:r>
-            <a:r>
-              <a:rPr lang="zh-CN" altLang="en-US" sz="2400" dirty="0">
-                <a:solidFill>
-                  <a:srgbClr val="000000"/>
-                </a:solidFill>
-                <a:latin typeface="-apple-system"/>
-              </a:rPr>
-              <a:t>块大小顺序</a:t>
-            </a:r>
-            <a:r>
-              <a:rPr lang="en-US" altLang="zh-CN" sz="2400" dirty="0">
-                <a:solidFill>
-                  <a:srgbClr val="000000"/>
-                </a:solidFill>
-                <a:latin typeface="-apple-system"/>
-              </a:rPr>
-              <a:t>……</a:t>
-            </a:r>
-          </a:p>
-          <a:p>
-            <a:pPr lvl="1"/>
-            <a:r>
-              <a:rPr lang="zh-CN" altLang="en-US" sz="2400" dirty="0">
-                <a:solidFill>
-                  <a:srgbClr val="000000"/>
-                </a:solidFill>
-                <a:latin typeface="-apple-system"/>
-              </a:rPr>
-              <a:t>可能的探索方向：实现基于平衡数据结构的</a:t>
-            </a:r>
-            <a:r>
-              <a:rPr lang="en-US" altLang="zh-CN" sz="2400" dirty="0">
-                <a:solidFill>
-                  <a:srgbClr val="000000"/>
-                </a:solidFill>
-                <a:latin typeface="-apple-system"/>
-              </a:rPr>
-              <a:t>best fit</a:t>
-            </a:r>
-            <a:r>
-              <a:rPr lang="zh-CN" altLang="en-US" sz="2400" dirty="0">
-                <a:solidFill>
-                  <a:srgbClr val="000000"/>
-                </a:solidFill>
-                <a:latin typeface="-apple-system"/>
-              </a:rPr>
-              <a:t>策略</a:t>
-            </a:r>
-            <a:endParaRPr lang="en-US" altLang="zh-CN" sz="2400" dirty="0">
-              <a:solidFill>
-                <a:srgbClr val="000000"/>
-              </a:solidFill>
-              <a:latin typeface="-apple-system"/>
-            </a:endParaRPr>
-          </a:p>
-          <a:p>
-            <a:r>
               <a:rPr lang="zh-CN" altLang="en-US" sz="2600" dirty="0">
                 <a:solidFill>
                   <a:srgbClr val="000000"/>
                 </a:solidFill>
                 <a:latin typeface="-apple-system"/>
               </a:rPr>
-              <a:t>改进现有的</a:t>
-            </a:r>
-            <a:r>
-              <a:rPr lang="en-US" altLang="zh-CN" sz="2600" dirty="0">
-                <a:solidFill>
-                  <a:srgbClr val="000000"/>
-                </a:solidFill>
-                <a:latin typeface="-apple-system"/>
-              </a:rPr>
-              <a:t>buddy</a:t>
-            </a:r>
-            <a:r>
-              <a:rPr lang="zh-CN" altLang="en-US" sz="2600" dirty="0">
-                <a:solidFill>
-                  <a:srgbClr val="000000"/>
-                </a:solidFill>
-                <a:latin typeface="-apple-system"/>
-              </a:rPr>
-              <a:t>算法以提高其效率</a:t>
+              <a:t>改进：双向链表</a:t>
             </a:r>
             <a:endParaRPr lang="en-US" altLang="zh-CN" sz="2600" dirty="0">
               <a:solidFill>
@@ -12419,6 +12218,7 @@
             </a:endParaRPr>
           </a:p>
           <a:p>
+            <a:pPr lvl="1"/>
             <a:r>
               <a:rPr lang="zh-CN" altLang="en-US" sz="2600" dirty="0">
                 <a:solidFill>
@@ -12426,25 +12226,7 @@
                 </a:solidFill>
                 <a:latin typeface="-apple-system"/>
               </a:rPr>
-              <a:t>实现</a:t>
-            </a:r>
-            <a:r>
-              <a:rPr lang="en-US" altLang="zh-CN" sz="2600" dirty="0">
-                <a:solidFill>
-                  <a:srgbClr val="000000"/>
-                </a:solidFill>
-                <a:latin typeface="-apple-system"/>
-              </a:rPr>
-              <a:t>linear allocator/TLSF/</a:t>
-            </a:r>
-            <a:r>
-              <a:rPr lang="zh-CN" altLang="en-US" sz="2600" dirty="0">
-                <a:solidFill>
-                  <a:srgbClr val="000000"/>
-                </a:solidFill>
-                <a:latin typeface="-apple-system"/>
-              </a:rPr>
-              <a:t>分离适配算法</a:t>
+              <a:t>如何获取相邻块的大小，以及是否空闲等信息？</a:t>
             </a:r>
             <a:endParaRPr lang="en-US" altLang="zh-CN" sz="2600" dirty="0">
               <a:solidFill>
@@ -12454,21 +12236,46 @@
             </a:endParaRPr>
           </a:p>
           <a:p>
-            <a:r>
-              <a:rPr lang="en-US" altLang="zh-CN" sz="2600" b="0" i="0" dirty="0">
-                <a:solidFill>
-                  <a:srgbClr val="000000"/>
-                </a:solidFill>
-                <a:effectLst/>
-                <a:latin typeface="-apple-system"/>
-              </a:rPr>
-              <a:t>……</a:t>
-            </a:r>
-            <a:endParaRPr lang="en-US" altLang="zh-CN" sz="2800" b="0" i="0" dirty="0">
+            <a:pPr lvl="1"/>
+            <a:r>
+              <a:rPr lang="zh-CN" altLang="en-US" sz="2600" dirty="0">
+                <a:solidFill>
+                  <a:srgbClr val="000000"/>
+                </a:solidFill>
+                <a:latin typeface="-apple-system"/>
+              </a:rPr>
+              <a:t>采用</a:t>
+            </a:r>
+            <a:r>
+              <a:rPr lang="en-US" altLang="zh-CN" sz="2600" dirty="0">
+                <a:solidFill>
+                  <a:srgbClr val="000000"/>
+                </a:solidFill>
+                <a:latin typeface="-apple-system"/>
+              </a:rPr>
+              <a:t>Knuth</a:t>
+            </a:r>
+            <a:r>
+              <a:rPr lang="zh-CN" altLang="en-US" sz="2600" dirty="0">
+                <a:solidFill>
+                  <a:srgbClr val="000000"/>
+                </a:solidFill>
+                <a:latin typeface="-apple-system"/>
+              </a:rPr>
+              <a:t>边界标记方法</a:t>
+            </a:r>
+            <a:endParaRPr lang="en-US" altLang="zh-CN" sz="2600" dirty="0">
               <a:solidFill>
                 <a:srgbClr val="000000"/>
               </a:solidFill>
-              <a:effectLst/>
+              <a:latin typeface="-apple-system"/>
+            </a:endParaRPr>
+          </a:p>
+          <a:p>
+            <a:endParaRPr lang="en-US" altLang="zh-CN" sz="2800" dirty="0">
+              <a:solidFill>
+                <a:srgbClr val="000000"/>
+              </a:solidFill>
               <a:latin typeface="-apple-system"/>
             </a:endParaRPr>
           </a:p>
@@ -12477,7 +12284,7 @@
     </p:spTree>
     <p:extLst>
       <p:ext uri="{BB962C8B-B14F-4D97-AF65-F5344CB8AC3E}">
-        <p14:creationId xmlns:p14="http://schemas.microsoft.com/office/powerpoint/2010/main" val="2548974995"/>
+        <p14:creationId xmlns:p14="http://schemas.microsoft.com/office/powerpoint/2010/main" val="2133374091"/>
       </p:ext>
     </p:extLst>
   </p:cSld>
@@ -12526,14 +12333,13 @@
           <a:lstStyle/>
           <a:p>
             <a:r>
-              <a:rPr lang="en-US" altLang="zh-CN" dirty="0" err="1"/>
-              <a:t>todo</a:t>
-            </a:r>
-            <a:r>
               <a:rPr lang="en-US" altLang="zh-CN" dirty="0"/>
-              <a:t> list</a:t>
-            </a:r>
-            <a:endParaRPr lang="zh-CN" altLang="en-US" dirty="0"/>
+              <a:t>Knuth</a:t>
+            </a:r>
+            <a:r>
+              <a:rPr lang="zh-CN" altLang="en-US" dirty="0"/>
+              <a:t>边界标记方法</a:t>
+            </a:r>
           </a:p>
         </p:txBody>
       </p:sp>
@@ -12618,10 +12424,9 @@
           <a:lstStyle/>
           <a:p>
             <a:r>
-              <a:rPr lang="en-US" altLang="zh-CN" dirty="0"/>
-              <a:t>reference</a:t>
-            </a:r>
-            <a:endParaRPr lang="zh-CN" altLang="en-US" dirty="0"/>
+              <a:rPr lang="zh-CN" altLang="en-US" dirty="0"/>
+              <a:t>性能优化</a:t>
+            </a:r>
           </a:p>
         </p:txBody>
       </p:sp>
@@ -12643,8 +12448,8 @@
         </p:nvSpPr>
         <p:spPr>
           <a:xfrm>
-            <a:off x="677334" y="1611949"/>
-            <a:ext cx="9225618" cy="4779707"/>
+            <a:off x="677334" y="1486981"/>
+            <a:ext cx="8686122" cy="5051942"/>
           </a:xfrm>
         </p:spPr>
         <p:txBody>
@@ -12654,26 +12459,58 @@
           <a:lstStyle/>
           <a:p>
             <a:r>
+              <a:rPr lang="en-US" altLang="zh-CN" sz="2800" dirty="0" err="1">
+                <a:solidFill>
+                  <a:srgbClr val="000000"/>
+                </a:solidFill>
+                <a:latin typeface="-apple-system"/>
+              </a:rPr>
+              <a:t>alloc</a:t>
+            </a:r>
+            <a:r>
+              <a:rPr lang="zh-CN" altLang="en-US" sz="2800" dirty="0">
+                <a:solidFill>
+                  <a:srgbClr val="000000"/>
+                </a:solidFill>
+                <a:latin typeface="-apple-system"/>
+              </a:rPr>
+              <a:t>：仍需遍历整个链表，以找到大小适合的内存块</a:t>
+            </a:r>
+            <a:endParaRPr lang="en-US" altLang="zh-CN" sz="2800" dirty="0">
+              <a:solidFill>
+                <a:srgbClr val="000000"/>
+              </a:solidFill>
+              <a:latin typeface="-apple-system"/>
+            </a:endParaRPr>
+          </a:p>
+          <a:p>
+            <a:pPr lvl="1"/>
+            <a:r>
+              <a:rPr lang="zh-CN" altLang="en-US" sz="2600" dirty="0">
+                <a:solidFill>
+                  <a:srgbClr val="000000"/>
+                </a:solidFill>
+                <a:latin typeface="-apple-system"/>
+              </a:rPr>
+              <a:t>仍可能达到</a:t>
+            </a:r>
+            <a:r>
               <a:rPr lang="en-US" altLang="zh-CN" sz="2600" dirty="0">
                 <a:solidFill>
                   <a:srgbClr val="000000"/>
                 </a:solidFill>
                 <a:latin typeface="-apple-system"/>
-                <a:hlinkClick r:id="rId2"/>
-              </a:rPr>
-              <a:t>https://blog.csdn.net/liushengxi_root/article/details/88377620</a:t>
-            </a:r>
-          </a:p>
-          <a:p>
-            <a:r>
-              <a:rPr lang="en-US" altLang="zh-CN" sz="2600" dirty="0">
-                <a:solidFill>
-                  <a:srgbClr val="000000"/>
-                </a:solidFill>
-                <a:latin typeface="-apple-system"/>
-                <a:hlinkClick r:id="rId2"/>
-              </a:rPr>
-              <a:t>https://zhuanlan.zhihu.com/p/369972058</a:t>
+              </a:rPr>
+              <a:t>O(n)</a:t>
+            </a:r>
+            <a:r>
+              <a:rPr lang="zh-CN" altLang="en-US" sz="2600" dirty="0">
+                <a:solidFill>
+                  <a:srgbClr val="000000"/>
+                </a:solidFill>
+                <a:latin typeface="-apple-system"/>
+              </a:rPr>
+              <a:t>的时间复杂度，可以考虑进一步优化</a:t>
             </a:r>
             <a:endParaRPr lang="en-US" altLang="zh-CN" sz="2600" dirty="0">
               <a:solidFill>
@@ -12684,14 +12521,43 @@
           </a:p>
           <a:p>
             <a:r>
-              <a:rPr lang="en-US" altLang="zh-CN" sz="2600" dirty="0">
-                <a:solidFill>
-                  <a:srgbClr val="000000"/>
-                </a:solidFill>
-                <a:latin typeface="-apple-system"/>
-                <a:hlinkClick r:id="rId3"/>
-              </a:rPr>
-              <a:t>https://blog.csdn.net/qq_40270370/article/details/86417560</a:t>
+              <a:rPr lang="en-US" altLang="zh-CN" sz="2800" dirty="0" err="1">
+                <a:solidFill>
+                  <a:srgbClr val="000000"/>
+                </a:solidFill>
+                <a:latin typeface="-apple-system"/>
+              </a:rPr>
+              <a:t>dealloc</a:t>
+            </a:r>
+            <a:r>
+              <a:rPr lang="zh-CN" altLang="en-US" sz="2800" dirty="0">
+                <a:solidFill>
+                  <a:srgbClr val="000000"/>
+                </a:solidFill>
+                <a:latin typeface="-apple-system"/>
+              </a:rPr>
+              <a:t>：直接插入空闲块并合并，时间复杂度严格</a:t>
+            </a:r>
+            <a:r>
+              <a:rPr lang="en-US" altLang="zh-CN" sz="2800" dirty="0">
+                <a:solidFill>
+                  <a:srgbClr val="000000"/>
+                </a:solidFill>
+                <a:latin typeface="-apple-system"/>
+              </a:rPr>
+              <a:t>O(1)</a:t>
+            </a:r>
+          </a:p>
+          <a:p>
+            <a:pPr lvl="1"/>
+            <a:r>
+              <a:rPr lang="zh-CN" altLang="en-US" sz="2600" dirty="0">
+                <a:solidFill>
+                  <a:srgbClr val="000000"/>
+                </a:solidFill>
+                <a:latin typeface="-apple-system"/>
+              </a:rPr>
+              <a:t>因此所有策略均实现为支持空闲块合并即可</a:t>
             </a:r>
             <a:endParaRPr lang="en-US" altLang="zh-CN" sz="2600" dirty="0">
               <a:solidFill>
@@ -12700,58 +12566,12 @@
               <a:latin typeface="-apple-system"/>
             </a:endParaRPr>
           </a:p>
-          <a:p>
-            <a:r>
-              <a:rPr lang="en-US" altLang="zh-CN" sz="2600" dirty="0">
-                <a:solidFill>
-                  <a:srgbClr val="000000"/>
-                </a:solidFill>
-                <a:latin typeface="-apple-system"/>
-                <a:hlinkClick r:id="rId4"/>
-              </a:rPr>
-              <a:t>https://zhuanlan.zhihu.com/p/378352199</a:t>
-            </a:r>
-            <a:endParaRPr lang="en-US" altLang="zh-CN" sz="2600" dirty="0">
-              <a:solidFill>
-                <a:srgbClr val="000000"/>
-              </a:solidFill>
-              <a:latin typeface="-apple-system"/>
-            </a:endParaRPr>
-          </a:p>
-          <a:p>
-            <a:r>
-              <a:rPr lang="en-US" altLang="zh-CN" sz="2600" dirty="0">
-                <a:solidFill>
-                  <a:srgbClr val="000000"/>
-                </a:solidFill>
-                <a:latin typeface="-apple-system"/>
-              </a:rPr>
-              <a:t>CSAPP</a:t>
-            </a:r>
-          </a:p>
-          <a:p>
-            <a:endParaRPr lang="en-US" altLang="zh-CN" sz="2600" dirty="0">
-              <a:solidFill>
-                <a:srgbClr val="000000"/>
-              </a:solidFill>
-              <a:latin typeface="-apple-system"/>
-            </a:endParaRPr>
-          </a:p>
-          <a:p>
-            <a:endParaRPr lang="en-US" altLang="zh-CN" sz="2800" b="0" i="0" dirty="0">
-              <a:solidFill>
-                <a:srgbClr val="000000"/>
-              </a:solidFill>
-              <a:effectLst/>
-              <a:latin typeface="-apple-system"/>
-            </a:endParaRPr>
-          </a:p>
         </p:txBody>
       </p:sp>
     </p:spTree>
     <p:extLst>
       <p:ext uri="{BB962C8B-B14F-4D97-AF65-F5344CB8AC3E}">
-        <p14:creationId xmlns:p14="http://schemas.microsoft.com/office/powerpoint/2010/main" val="3344151936"/>
+        <p14:creationId xmlns:p14="http://schemas.microsoft.com/office/powerpoint/2010/main" val="3771611747"/>
       </p:ext>
     </p:extLst>
   </p:cSld>
@@ -12780,10 +12600,10 @@
       </p:grpSpPr>
       <p:sp>
         <p:nvSpPr>
-          <p:cNvPr id="4" name="标题 3">
+          <p:cNvPr id="2" name="标题 1">
             <a:extLst>
               <a:ext uri="{FF2B5EF4-FFF2-40B4-BE49-F238E27FC236}">
-                <a16:creationId xmlns:a16="http://schemas.microsoft.com/office/drawing/2014/main" id="{F359100A-24FC-44E7-88AA-52A6703855A8}"/>
+                <a16:creationId xmlns:a16="http://schemas.microsoft.com/office/drawing/2014/main" id="{788FCFBC-8C4F-4007-D87C-673F5E242D75}"/>
               </a:ext>
             </a:extLst>
           </p:cNvPr>
@@ -12800,19 +12620,26 @@
           <a:lstStyle/>
           <a:p>
             <a:r>
+              <a:rPr lang="zh-CN" altLang="en-US" dirty="0"/>
+              <a:t>性能优化</a:t>
+            </a:r>
+            <a:r>
               <a:rPr lang="en-US" altLang="zh-CN" dirty="0"/>
-              <a:t>THANKS</a:t>
-            </a:r>
-            <a:endParaRPr lang="zh-CN" altLang="en-US" dirty="0"/>
+              <a:t>——</a:t>
+            </a:r>
+            <a:r>
+              <a:rPr lang="zh-CN" altLang="en-US" dirty="0"/>
+              <a:t>测试结果</a:t>
+            </a:r>
           </a:p>
         </p:txBody>
       </p:sp>
       <p:sp>
         <p:nvSpPr>
-          <p:cNvPr id="5" name="文本占位符 4">
+          <p:cNvPr id="3" name="内容占位符 2">
             <a:extLst>
               <a:ext uri="{FF2B5EF4-FFF2-40B4-BE49-F238E27FC236}">
-                <a16:creationId xmlns:a16="http://schemas.microsoft.com/office/drawing/2014/main" id="{FABA55AC-8DE0-D7A1-C93D-A61BE34D1CE4}"/>
+                <a16:creationId xmlns:a16="http://schemas.microsoft.com/office/drawing/2014/main" id="{52F62A12-D4E0-4C0C-C0A0-B87454FA9007}"/>
               </a:ext>
             </a:extLst>
           </p:cNvPr>
@@ -12820,7 +12647,419 @@
             <a:spLocks noGrp="1"/>
           </p:cNvSpPr>
           <p:nvPr>
-            <p:ph type="body" idx="1"/>
+            <p:ph idx="1"/>
+          </p:nvPr>
+        </p:nvSpPr>
+        <p:spPr>
+          <a:xfrm>
+            <a:off x="677334" y="1486981"/>
+            <a:ext cx="8686122" cy="5051942"/>
+          </a:xfrm>
+        </p:spPr>
+        <p:txBody>
+          <a:bodyPr>
+            <a:normAutofit/>
+          </a:bodyPr>
+          <a:lstStyle/>
+          <a:p>
+            <a:r>
+              <a:rPr lang="zh-CN" altLang="en-US" sz="2800" dirty="0">
+                <a:solidFill>
+                  <a:srgbClr val="000000"/>
+                </a:solidFill>
+                <a:latin typeface="-apple-system"/>
+              </a:rPr>
+              <a:t>（</a:t>
+            </a:r>
+            <a:r>
+              <a:rPr lang="en-US" altLang="zh-CN" sz="2800" dirty="0">
+                <a:solidFill>
+                  <a:srgbClr val="000000"/>
+                </a:solidFill>
+                <a:latin typeface="-apple-system"/>
+              </a:rPr>
+              <a:t>1</a:t>
+            </a:r>
+            <a:r>
+              <a:rPr lang="zh-CN" altLang="en-US" sz="2800" dirty="0">
+                <a:solidFill>
+                  <a:srgbClr val="000000"/>
+                </a:solidFill>
+                <a:latin typeface="-apple-system"/>
+              </a:rPr>
+              <a:t>）</a:t>
+            </a:r>
+            <a:r>
+              <a:rPr lang="en-US" altLang="zh-CN" sz="2800" dirty="0" err="1">
+                <a:solidFill>
+                  <a:srgbClr val="000000"/>
+                </a:solidFill>
+                <a:latin typeface="-apple-system"/>
+              </a:rPr>
+              <a:t>test_vec</a:t>
+            </a:r>
+            <a:endParaRPr lang="en-US" altLang="zh-CN" sz="2800" dirty="0">
+              <a:solidFill>
+                <a:srgbClr val="000000"/>
+              </a:solidFill>
+              <a:latin typeface="-apple-system"/>
+            </a:endParaRPr>
+          </a:p>
+          <a:p>
+            <a:endParaRPr lang="en-US" altLang="zh-CN" sz="2800" dirty="0">
+              <a:solidFill>
+                <a:srgbClr val="000000"/>
+              </a:solidFill>
+              <a:latin typeface="-apple-system"/>
+            </a:endParaRPr>
+          </a:p>
+        </p:txBody>
+      </p:sp>
+      <p:graphicFrame>
+        <p:nvGraphicFramePr>
+          <p:cNvPr id="4" name="表格 4">
+            <a:extLst>
+              <a:ext uri="{FF2B5EF4-FFF2-40B4-BE49-F238E27FC236}">
+                <a16:creationId xmlns:a16="http://schemas.microsoft.com/office/drawing/2014/main" id="{DC2944DC-8E5B-4064-88C5-754005E33FC3}"/>
+              </a:ext>
+            </a:extLst>
+          </p:cNvPr>
+          <p:cNvGraphicFramePr>
+            <a:graphicFrameLocks noGrp="1"/>
+          </p:cNvGraphicFramePr>
+          <p:nvPr>
+            <p:extLst>
+              <p:ext uri="{D42A27DB-BD31-4B8C-83A1-F6EECF244321}">
+                <p14:modId xmlns:p14="http://schemas.microsoft.com/office/powerpoint/2010/main" val="3563951484"/>
+              </p:ext>
+            </p:extLst>
+          </p:nvPr>
+        </p:nvGraphicFramePr>
+        <p:xfrm>
+          <a:off x="956395" y="2735840"/>
+          <a:ext cx="8128000" cy="1112520"/>
+        </p:xfrm>
+        <a:graphic>
+          <a:graphicData uri="http://schemas.openxmlformats.org/drawingml/2006/table">
+            <a:tbl>
+              <a:tblPr firstRow="1" bandRow="1">
+                <a:tableStyleId>{5C22544A-7EE6-4342-B048-85BDC9FD1C3A}</a:tableStyleId>
+              </a:tblPr>
+              <a:tblGrid>
+                <a:gridCol w="1625600">
+                  <a:extLst>
+                    <a:ext uri="{9D8B030D-6E8A-4147-A177-3AD203B41FA5}">
+                      <a16:colId xmlns:a16="http://schemas.microsoft.com/office/drawing/2014/main" val="386874602"/>
+                    </a:ext>
+                  </a:extLst>
+                </a:gridCol>
+                <a:gridCol w="1625600">
+                  <a:extLst>
+                    <a:ext uri="{9D8B030D-6E8A-4147-A177-3AD203B41FA5}">
+                      <a16:colId xmlns:a16="http://schemas.microsoft.com/office/drawing/2014/main" val="3275644345"/>
+                    </a:ext>
+                  </a:extLst>
+                </a:gridCol>
+                <a:gridCol w="1625600">
+                  <a:extLst>
+                    <a:ext uri="{9D8B030D-6E8A-4147-A177-3AD203B41FA5}">
+                      <a16:colId xmlns:a16="http://schemas.microsoft.com/office/drawing/2014/main" val="1992142855"/>
+                    </a:ext>
+                  </a:extLst>
+                </a:gridCol>
+                <a:gridCol w="1625600">
+                  <a:extLst>
+                    <a:ext uri="{9D8B030D-6E8A-4147-A177-3AD203B41FA5}">
+                      <a16:colId xmlns:a16="http://schemas.microsoft.com/office/drawing/2014/main" val="1988106812"/>
+                    </a:ext>
+                  </a:extLst>
+                </a:gridCol>
+                <a:gridCol w="1625600">
+                  <a:extLst>
+                    <a:ext uri="{9D8B030D-6E8A-4147-A177-3AD203B41FA5}">
+                      <a16:colId xmlns:a16="http://schemas.microsoft.com/office/drawing/2014/main" val="3489129996"/>
+                    </a:ext>
+                  </a:extLst>
+                </a:gridCol>
+              </a:tblGrid>
+              <a:tr h="370840">
+                <a:tc>
+                  <a:txBody>
+                    <a:bodyPr/>
+                    <a:lstStyle/>
+                    <a:p>
+                      <a:r>
+                        <a:rPr lang="en-US" altLang="zh-CN" dirty="0"/>
+                        <a:t>N=</a:t>
+                      </a:r>
+                      <a:endParaRPr lang="zh-CN" altLang="en-US" dirty="0"/>
+                    </a:p>
+                  </a:txBody>
+                  <a:tcPr/>
+                </a:tc>
+                <a:tc>
+                  <a:txBody>
+                    <a:bodyPr/>
+                    <a:lstStyle/>
+                    <a:p>
+                      <a:r>
+                        <a:rPr lang="zh-CN" altLang="en-US" dirty="0"/>
+                        <a:t>理论内存</a:t>
+                      </a:r>
+                    </a:p>
+                  </a:txBody>
+                  <a:tcPr/>
+                </a:tc>
+                <a:tc>
+                  <a:txBody>
+                    <a:bodyPr/>
+                    <a:lstStyle/>
+                    <a:p>
+                      <a:r>
+                        <a:rPr lang="en-US" altLang="zh-CN" dirty="0"/>
+                        <a:t>First fit</a:t>
+                      </a:r>
+                      <a:endParaRPr lang="zh-CN" altLang="en-US" dirty="0"/>
+                    </a:p>
+                  </a:txBody>
+                  <a:tcPr/>
+                </a:tc>
+                <a:tc>
+                  <a:txBody>
+                    <a:bodyPr/>
+                    <a:lstStyle/>
+                    <a:p>
+                      <a:r>
+                        <a:rPr lang="en-US" altLang="zh-CN" dirty="0"/>
+                        <a:t>Best fit</a:t>
+                      </a:r>
+                      <a:endParaRPr lang="zh-CN" altLang="en-US" dirty="0"/>
+                    </a:p>
+                  </a:txBody>
+                  <a:tcPr/>
+                </a:tc>
+                <a:tc>
+                  <a:txBody>
+                    <a:bodyPr/>
+                    <a:lstStyle/>
+                    <a:p>
+                      <a:r>
+                        <a:rPr lang="en-US" altLang="zh-CN" dirty="0"/>
+                        <a:t>Worst fit</a:t>
+                      </a:r>
+                      <a:endParaRPr lang="zh-CN" altLang="en-US" dirty="0"/>
+                    </a:p>
+                  </a:txBody>
+                  <a:tcPr/>
+                </a:tc>
+                <a:extLst>
+                  <a:ext uri="{0D108BD9-81ED-4DB2-BD59-A6C34878D82A}">
+                    <a16:rowId xmlns:a16="http://schemas.microsoft.com/office/drawing/2014/main" val="4254079681"/>
+                  </a:ext>
+                </a:extLst>
+              </a:tr>
+              <a:tr h="370840">
+                <a:tc>
+                  <a:txBody>
+                    <a:bodyPr/>
+                    <a:lstStyle/>
+                    <a:p>
+                      <a:r>
+                        <a:rPr lang="en-US" altLang="zh-CN" dirty="0"/>
+                        <a:t>1000000</a:t>
+                      </a:r>
+                      <a:endParaRPr lang="zh-CN" altLang="en-US" dirty="0"/>
+                    </a:p>
+                  </a:txBody>
+                  <a:tcPr/>
+                </a:tc>
+                <a:tc>
+                  <a:txBody>
+                    <a:bodyPr/>
+                    <a:lstStyle/>
+                    <a:p>
+                      <a:r>
+                        <a:rPr lang="en-US" altLang="zh-CN" dirty="0"/>
+                        <a:t>8MB</a:t>
+                      </a:r>
+                      <a:endParaRPr lang="zh-CN" altLang="en-US" dirty="0"/>
+                    </a:p>
+                  </a:txBody>
+                  <a:tcPr/>
+                </a:tc>
+                <a:tc>
+                  <a:txBody>
+                    <a:bodyPr/>
+                    <a:lstStyle/>
+                    <a:p>
+                      <a:r>
+                        <a:rPr lang="en-US" altLang="zh-CN" dirty="0"/>
+                        <a:t>0.09s/16MB</a:t>
+                      </a:r>
+                      <a:endParaRPr lang="zh-CN" altLang="en-US" dirty="0"/>
+                    </a:p>
+                  </a:txBody>
+                  <a:tcPr/>
+                </a:tc>
+                <a:tc>
+                  <a:txBody>
+                    <a:bodyPr/>
+                    <a:lstStyle/>
+                    <a:p>
+                      <a:r>
+                        <a:rPr lang="en-US" altLang="zh-CN" dirty="0"/>
+                        <a:t>0.09s/16MB</a:t>
+                      </a:r>
+                      <a:endParaRPr lang="zh-CN" altLang="en-US" dirty="0"/>
+                    </a:p>
+                  </a:txBody>
+                  <a:tcPr/>
+                </a:tc>
+                <a:tc>
+                  <a:txBody>
+                    <a:bodyPr/>
+                    <a:lstStyle/>
+                    <a:p>
+                      <a:r>
+                        <a:rPr lang="en-US" altLang="zh-CN" dirty="0"/>
+                        <a:t>0.08s/16MB</a:t>
+                      </a:r>
+                      <a:endParaRPr lang="zh-CN" altLang="en-US" dirty="0"/>
+                    </a:p>
+                  </a:txBody>
+                  <a:tcPr/>
+                </a:tc>
+                <a:extLst>
+                  <a:ext uri="{0D108BD9-81ED-4DB2-BD59-A6C34878D82A}">
+                    <a16:rowId xmlns:a16="http://schemas.microsoft.com/office/drawing/2014/main" val="4012100716"/>
+                  </a:ext>
+                </a:extLst>
+              </a:tr>
+              <a:tr h="370840">
+                <a:tc>
+                  <a:txBody>
+                    <a:bodyPr/>
+                    <a:lstStyle/>
+                    <a:p>
+                      <a:r>
+                        <a:rPr lang="en-US" altLang="zh-CN" dirty="0"/>
+                        <a:t>3000000</a:t>
+                      </a:r>
+                      <a:endParaRPr lang="zh-CN" altLang="en-US" dirty="0"/>
+                    </a:p>
+                  </a:txBody>
+                  <a:tcPr/>
+                </a:tc>
+                <a:tc>
+                  <a:txBody>
+                    <a:bodyPr/>
+                    <a:lstStyle/>
+                    <a:p>
+                      <a:r>
+                        <a:rPr lang="en-US" altLang="zh-CN" dirty="0"/>
+                        <a:t>24MB</a:t>
+                      </a:r>
+                      <a:endParaRPr lang="zh-CN" altLang="en-US" dirty="0"/>
+                    </a:p>
+                  </a:txBody>
+                  <a:tcPr/>
+                </a:tc>
+                <a:tc>
+                  <a:txBody>
+                    <a:bodyPr/>
+                    <a:lstStyle/>
+                    <a:p>
+                      <a:r>
+                        <a:rPr lang="en-US" altLang="zh-CN" dirty="0"/>
+                        <a:t>0.16s/64MB</a:t>
+                      </a:r>
+                      <a:endParaRPr lang="zh-CN" altLang="en-US" dirty="0"/>
+                    </a:p>
+                  </a:txBody>
+                  <a:tcPr/>
+                </a:tc>
+                <a:tc>
+                  <a:txBody>
+                    <a:bodyPr/>
+                    <a:lstStyle/>
+                    <a:p>
+                      <a:r>
+                        <a:rPr lang="en-US" altLang="zh-CN" dirty="0"/>
+                        <a:t>0.17s/64MB</a:t>
+                      </a:r>
+                      <a:endParaRPr lang="zh-CN" altLang="en-US" dirty="0"/>
+                    </a:p>
+                  </a:txBody>
+                  <a:tcPr/>
+                </a:tc>
+                <a:tc>
+                  <a:txBody>
+                    <a:bodyPr/>
+                    <a:lstStyle/>
+                    <a:p>
+                      <a:r>
+                        <a:rPr lang="en-US" altLang="zh-CN" dirty="0"/>
+                        <a:t>0.16s/64MB</a:t>
+                      </a:r>
+                      <a:endParaRPr lang="zh-CN" altLang="en-US" dirty="0"/>
+                    </a:p>
+                  </a:txBody>
+                  <a:tcPr/>
+                </a:tc>
+                <a:extLst>
+                  <a:ext uri="{0D108BD9-81ED-4DB2-BD59-A6C34878D82A}">
+                    <a16:rowId xmlns:a16="http://schemas.microsoft.com/office/drawing/2014/main" val="1451883973"/>
+                  </a:ext>
+                </a:extLst>
+              </a:tr>
+            </a:tbl>
+          </a:graphicData>
+        </a:graphic>
+      </p:graphicFrame>
+    </p:spTree>
+    <p:extLst>
+      <p:ext uri="{BB962C8B-B14F-4D97-AF65-F5344CB8AC3E}">
+        <p14:creationId xmlns:p14="http://schemas.microsoft.com/office/powerpoint/2010/main" val="1343029481"/>
+      </p:ext>
+    </p:extLst>
+  </p:cSld>
+  <p:clrMapOvr>
+    <a:masterClrMapping/>
+  </p:clrMapOvr>
+</p:sld>
+</file>
+
+<file path=ppt/slides/slide26.xml><?xml version="1.0" encoding="utf-8"?>
+<p:sld xmlns:a="http://schemas.openxmlformats.org/drawingml/2006/main" xmlns:r="http://schemas.openxmlformats.org/officeDocument/2006/relationships" xmlns:p="http://schemas.openxmlformats.org/presentationml/2006/main">
+  <p:cSld>
+    <p:spTree>
+      <p:nvGrpSpPr>
+        <p:cNvPr id="1" name=""/>
+        <p:cNvGrpSpPr/>
+        <p:nvPr/>
+      </p:nvGrpSpPr>
+      <p:grpSpPr>
+        <a:xfrm>
+          <a:off x="0" y="0"/>
+          <a:ext cx="0" cy="0"/>
+          <a:chOff x="0" y="0"/>
+          <a:chExt cx="0" cy="0"/>
+        </a:xfrm>
+      </p:grpSpPr>
+      <p:sp>
+        <p:nvSpPr>
+          <p:cNvPr id="2" name="标题 1">
+            <a:extLst>
+              <a:ext uri="{FF2B5EF4-FFF2-40B4-BE49-F238E27FC236}">
+                <a16:creationId xmlns:a16="http://schemas.microsoft.com/office/drawing/2014/main" id="{788FCFBC-8C4F-4007-D87C-673F5E242D75}"/>
+              </a:ext>
+            </a:extLst>
+          </p:cNvPr>
+          <p:cNvSpPr>
+            <a:spLocks noGrp="1"/>
+          </p:cNvSpPr>
+          <p:nvPr>
+            <p:ph type="title"/>
           </p:nvPr>
         </p:nvSpPr>
         <p:spPr/>
@@ -12828,14 +13067,1590 @@
           <a:bodyPr/>
           <a:lstStyle/>
           <a:p>
-            <a:endParaRPr lang="zh-CN" altLang="en-US" dirty="0"/>
+            <a:r>
+              <a:rPr lang="zh-CN" altLang="en-US" dirty="0"/>
+              <a:t>性能优化</a:t>
+            </a:r>
+            <a:r>
+              <a:rPr lang="en-US" altLang="zh-CN" dirty="0"/>
+              <a:t>——</a:t>
+            </a:r>
+            <a:r>
+              <a:rPr lang="zh-CN" altLang="en-US" dirty="0"/>
+              <a:t>测试结果</a:t>
+            </a:r>
+          </a:p>
+        </p:txBody>
+      </p:sp>
+      <p:sp>
+        <p:nvSpPr>
+          <p:cNvPr id="3" name="内容占位符 2">
+            <a:extLst>
+              <a:ext uri="{FF2B5EF4-FFF2-40B4-BE49-F238E27FC236}">
+                <a16:creationId xmlns:a16="http://schemas.microsoft.com/office/drawing/2014/main" id="{52F62A12-D4E0-4C0C-C0A0-B87454FA9007}"/>
+              </a:ext>
+            </a:extLst>
+          </p:cNvPr>
+          <p:cNvSpPr>
+            <a:spLocks noGrp="1"/>
+          </p:cNvSpPr>
+          <p:nvPr>
+            <p:ph idx="1"/>
+          </p:nvPr>
+        </p:nvSpPr>
+        <p:spPr>
+          <a:xfrm>
+            <a:off x="677334" y="1486981"/>
+            <a:ext cx="8686122" cy="5051942"/>
+          </a:xfrm>
+        </p:spPr>
+        <p:txBody>
+          <a:bodyPr>
+            <a:normAutofit/>
+          </a:bodyPr>
+          <a:lstStyle/>
+          <a:p>
+            <a:r>
+              <a:rPr lang="zh-CN" altLang="en-US" sz="2800" dirty="0">
+                <a:solidFill>
+                  <a:srgbClr val="000000"/>
+                </a:solidFill>
+                <a:latin typeface="-apple-system"/>
+              </a:rPr>
+              <a:t>（</a:t>
+            </a:r>
+            <a:r>
+              <a:rPr lang="en-US" altLang="zh-CN" sz="2800" dirty="0">
+                <a:solidFill>
+                  <a:srgbClr val="000000"/>
+                </a:solidFill>
+                <a:latin typeface="-apple-system"/>
+              </a:rPr>
+              <a:t>2</a:t>
+            </a:r>
+            <a:r>
+              <a:rPr lang="zh-CN" altLang="en-US" sz="2800" dirty="0">
+                <a:solidFill>
+                  <a:srgbClr val="000000"/>
+                </a:solidFill>
+                <a:latin typeface="-apple-system"/>
+              </a:rPr>
+              <a:t>）</a:t>
+            </a:r>
+            <a:r>
+              <a:rPr lang="en-US" altLang="zh-CN" sz="2800" dirty="0">
+                <a:solidFill>
+                  <a:srgbClr val="000000"/>
+                </a:solidFill>
+                <a:latin typeface="-apple-system"/>
+              </a:rPr>
+              <a:t>test_vec_2</a:t>
+            </a:r>
+          </a:p>
+          <a:p>
+            <a:endParaRPr lang="en-US" altLang="zh-CN" sz="2800" dirty="0">
+              <a:solidFill>
+                <a:srgbClr val="000000"/>
+              </a:solidFill>
+              <a:latin typeface="-apple-system"/>
+            </a:endParaRPr>
+          </a:p>
+        </p:txBody>
+      </p:sp>
+      <p:graphicFrame>
+        <p:nvGraphicFramePr>
+          <p:cNvPr id="5" name="表格 4">
+            <a:extLst>
+              <a:ext uri="{FF2B5EF4-FFF2-40B4-BE49-F238E27FC236}">
+                <a16:creationId xmlns:a16="http://schemas.microsoft.com/office/drawing/2014/main" id="{D35B247D-FC95-4854-BFF8-5ACC69CEAB97}"/>
+              </a:ext>
+            </a:extLst>
+          </p:cNvPr>
+          <p:cNvGraphicFramePr>
+            <a:graphicFrameLocks noGrp="1"/>
+          </p:cNvGraphicFramePr>
+          <p:nvPr>
+            <p:extLst>
+              <p:ext uri="{D42A27DB-BD31-4B8C-83A1-F6EECF244321}">
+                <p14:modId xmlns:p14="http://schemas.microsoft.com/office/powerpoint/2010/main" val="2141071859"/>
+              </p:ext>
+            </p:extLst>
+          </p:nvPr>
+        </p:nvGraphicFramePr>
+        <p:xfrm>
+          <a:off x="1017016" y="3187700"/>
+          <a:ext cx="8858504" cy="1112520"/>
+        </p:xfrm>
+        <a:graphic>
+          <a:graphicData uri="http://schemas.openxmlformats.org/drawingml/2006/table">
+            <a:tbl>
+              <a:tblPr firstRow="1" bandRow="1">
+                <a:tableStyleId>{5C22544A-7EE6-4342-B048-85BDC9FD1C3A}</a:tableStyleId>
+              </a:tblPr>
+              <a:tblGrid>
+                <a:gridCol w="1502624">
+                  <a:extLst>
+                    <a:ext uri="{9D8B030D-6E8A-4147-A177-3AD203B41FA5}">
+                      <a16:colId xmlns:a16="http://schemas.microsoft.com/office/drawing/2014/main" val="386874602"/>
+                    </a:ext>
+                  </a:extLst>
+                </a:gridCol>
+                <a:gridCol w="1156035">
+                  <a:extLst>
+                    <a:ext uri="{9D8B030D-6E8A-4147-A177-3AD203B41FA5}">
+                      <a16:colId xmlns:a16="http://schemas.microsoft.com/office/drawing/2014/main" val="77369717"/>
+                    </a:ext>
+                  </a:extLst>
+                </a:gridCol>
+                <a:gridCol w="1265658">
+                  <a:extLst>
+                    <a:ext uri="{9D8B030D-6E8A-4147-A177-3AD203B41FA5}">
+                      <a16:colId xmlns:a16="http://schemas.microsoft.com/office/drawing/2014/main" val="3275644345"/>
+                    </a:ext>
+                  </a:extLst>
+                </a:gridCol>
+                <a:gridCol w="1614463">
+                  <a:extLst>
+                    <a:ext uri="{9D8B030D-6E8A-4147-A177-3AD203B41FA5}">
+                      <a16:colId xmlns:a16="http://schemas.microsoft.com/office/drawing/2014/main" val="1992142855"/>
+                    </a:ext>
+                  </a:extLst>
+                </a:gridCol>
+                <a:gridCol w="1637228">
+                  <a:extLst>
+                    <a:ext uri="{9D8B030D-6E8A-4147-A177-3AD203B41FA5}">
+                      <a16:colId xmlns:a16="http://schemas.microsoft.com/office/drawing/2014/main" val="1988106812"/>
+                    </a:ext>
+                  </a:extLst>
+                </a:gridCol>
+                <a:gridCol w="1682496">
+                  <a:extLst>
+                    <a:ext uri="{9D8B030D-6E8A-4147-A177-3AD203B41FA5}">
+                      <a16:colId xmlns:a16="http://schemas.microsoft.com/office/drawing/2014/main" val="3489129996"/>
+                    </a:ext>
+                  </a:extLst>
+                </a:gridCol>
+              </a:tblGrid>
+              <a:tr h="370840">
+                <a:tc>
+                  <a:txBody>
+                    <a:bodyPr/>
+                    <a:lstStyle/>
+                    <a:p>
+                      <a:r>
+                        <a:rPr lang="en-US" altLang="zh-CN" dirty="0"/>
+                        <a:t>N=</a:t>
+                      </a:r>
+                      <a:endParaRPr lang="zh-CN" altLang="en-US" dirty="0"/>
+                    </a:p>
+                  </a:txBody>
+                  <a:tcPr/>
+                </a:tc>
+                <a:tc>
+                  <a:txBody>
+                    <a:bodyPr/>
+                    <a:lstStyle/>
+                    <a:p>
+                      <a:r>
+                        <a:rPr lang="en-US" altLang="zh-CN" dirty="0"/>
+                        <a:t>M=</a:t>
+                      </a:r>
+                      <a:endParaRPr lang="zh-CN" altLang="en-US" dirty="0"/>
+                    </a:p>
+                  </a:txBody>
+                  <a:tcPr/>
+                </a:tc>
+                <a:tc>
+                  <a:txBody>
+                    <a:bodyPr/>
+                    <a:lstStyle/>
+                    <a:p>
+                      <a:r>
+                        <a:rPr lang="zh-CN" altLang="en-US" dirty="0"/>
+                        <a:t>理论内存</a:t>
+                      </a:r>
+                    </a:p>
+                  </a:txBody>
+                  <a:tcPr/>
+                </a:tc>
+                <a:tc>
+                  <a:txBody>
+                    <a:bodyPr/>
+                    <a:lstStyle/>
+                    <a:p>
+                      <a:r>
+                        <a:rPr lang="en-US" altLang="zh-CN" dirty="0"/>
+                        <a:t>First fit</a:t>
+                      </a:r>
+                      <a:endParaRPr lang="zh-CN" altLang="en-US" dirty="0"/>
+                    </a:p>
+                  </a:txBody>
+                  <a:tcPr/>
+                </a:tc>
+                <a:tc>
+                  <a:txBody>
+                    <a:bodyPr/>
+                    <a:lstStyle/>
+                    <a:p>
+                      <a:r>
+                        <a:rPr lang="en-US" altLang="zh-CN" dirty="0"/>
+                        <a:t>Best fit</a:t>
+                      </a:r>
+                      <a:endParaRPr lang="zh-CN" altLang="en-US" dirty="0"/>
+                    </a:p>
+                  </a:txBody>
+                  <a:tcPr/>
+                </a:tc>
+                <a:tc>
+                  <a:txBody>
+                    <a:bodyPr/>
+                    <a:lstStyle/>
+                    <a:p>
+                      <a:r>
+                        <a:rPr lang="en-US" altLang="zh-CN" dirty="0"/>
+                        <a:t>Worst fit</a:t>
+                      </a:r>
+                      <a:endParaRPr lang="zh-CN" altLang="en-US" dirty="0"/>
+                    </a:p>
+                  </a:txBody>
+                  <a:tcPr/>
+                </a:tc>
+                <a:extLst>
+                  <a:ext uri="{0D108BD9-81ED-4DB2-BD59-A6C34878D82A}">
+                    <a16:rowId xmlns:a16="http://schemas.microsoft.com/office/drawing/2014/main" val="4254079681"/>
+                  </a:ext>
+                </a:extLst>
+              </a:tr>
+              <a:tr h="370840">
+                <a:tc>
+                  <a:txBody>
+                    <a:bodyPr/>
+                    <a:lstStyle/>
+                    <a:p>
+                      <a:r>
+                        <a:rPr lang="en-US" altLang="zh-CN" dirty="0"/>
+                        <a:t>30000</a:t>
+                      </a:r>
+                      <a:endParaRPr lang="zh-CN" altLang="en-US" dirty="0"/>
+                    </a:p>
+                  </a:txBody>
+                  <a:tcPr/>
+                </a:tc>
+                <a:tc>
+                  <a:txBody>
+                    <a:bodyPr/>
+                    <a:lstStyle/>
+                    <a:p>
+                      <a:r>
+                        <a:rPr lang="en-US" altLang="zh-CN" dirty="0"/>
+                        <a:t>64</a:t>
+                      </a:r>
+                      <a:endParaRPr lang="zh-CN" altLang="en-US" dirty="0"/>
+                    </a:p>
+                  </a:txBody>
+                  <a:tcPr/>
+                </a:tc>
+                <a:tc>
+                  <a:txBody>
+                    <a:bodyPr/>
+                    <a:lstStyle/>
+                    <a:p>
+                      <a:r>
+                        <a:rPr lang="en-US" altLang="zh-CN" dirty="0"/>
+                        <a:t>15MB</a:t>
+                      </a:r>
+                      <a:endParaRPr lang="zh-CN" altLang="en-US" dirty="0"/>
+                    </a:p>
+                  </a:txBody>
+                  <a:tcPr/>
+                </a:tc>
+                <a:tc>
+                  <a:txBody>
+                    <a:bodyPr/>
+                    <a:lstStyle/>
+                    <a:p>
+                      <a:r>
+                        <a:rPr lang="en-US" altLang="zh-CN" dirty="0"/>
+                        <a:t>0.39s/19.5MB</a:t>
+                      </a:r>
+                      <a:endParaRPr lang="zh-CN" altLang="en-US" dirty="0"/>
+                    </a:p>
+                  </a:txBody>
+                  <a:tcPr/>
+                </a:tc>
+                <a:tc>
+                  <a:txBody>
+                    <a:bodyPr/>
+                    <a:lstStyle/>
+                    <a:p>
+                      <a:r>
+                        <a:rPr lang="en-US" altLang="zh-CN" dirty="0"/>
+                        <a:t>0.42s/19.5MB</a:t>
+                      </a:r>
+                      <a:endParaRPr lang="zh-CN" altLang="en-US" dirty="0"/>
+                    </a:p>
+                  </a:txBody>
+                  <a:tcPr/>
+                </a:tc>
+                <a:tc>
+                  <a:txBody>
+                    <a:bodyPr/>
+                    <a:lstStyle/>
+                    <a:p>
+                      <a:r>
+                        <a:rPr lang="en-US" altLang="zh-CN" dirty="0"/>
+                        <a:t>0.41s/19.5MB</a:t>
+                      </a:r>
+                      <a:endParaRPr lang="zh-CN" altLang="en-US" dirty="0"/>
+                    </a:p>
+                  </a:txBody>
+                  <a:tcPr/>
+                </a:tc>
+                <a:extLst>
+                  <a:ext uri="{0D108BD9-81ED-4DB2-BD59-A6C34878D82A}">
+                    <a16:rowId xmlns:a16="http://schemas.microsoft.com/office/drawing/2014/main" val="968130592"/>
+                  </a:ext>
+                </a:extLst>
+              </a:tr>
+              <a:tr h="370840">
+                <a:tc>
+                  <a:txBody>
+                    <a:bodyPr/>
+                    <a:lstStyle/>
+                    <a:p>
+                      <a:r>
+                        <a:rPr lang="en-US" altLang="zh-CN" dirty="0"/>
+                        <a:t>7500</a:t>
+                      </a:r>
+                      <a:endParaRPr lang="zh-CN" altLang="en-US" dirty="0"/>
+                    </a:p>
+                  </a:txBody>
+                  <a:tcPr/>
+                </a:tc>
+                <a:tc>
+                  <a:txBody>
+                    <a:bodyPr/>
+                    <a:lstStyle/>
+                    <a:p>
+                      <a:r>
+                        <a:rPr lang="en-US" altLang="zh-CN" dirty="0"/>
+                        <a:t>520</a:t>
+                      </a:r>
+                      <a:endParaRPr lang="zh-CN" altLang="en-US" dirty="0"/>
+                    </a:p>
+                  </a:txBody>
+                  <a:tcPr/>
+                </a:tc>
+                <a:tc>
+                  <a:txBody>
+                    <a:bodyPr/>
+                    <a:lstStyle/>
+                    <a:p>
+                      <a:r>
+                        <a:rPr lang="en-US" altLang="zh-CN" dirty="0"/>
+                        <a:t>30MB</a:t>
+                      </a:r>
+                      <a:endParaRPr lang="zh-CN" altLang="en-US" dirty="0"/>
+                    </a:p>
+                  </a:txBody>
+                  <a:tcPr/>
+                </a:tc>
+                <a:tc>
+                  <a:txBody>
+                    <a:bodyPr/>
+                    <a:lstStyle/>
+                    <a:p>
+                      <a:r>
+                        <a:rPr lang="en-US" altLang="zh-CN" dirty="0"/>
+                        <a:t>0.64s/34.2MB</a:t>
+                      </a:r>
+                      <a:endParaRPr lang="zh-CN" altLang="en-US" dirty="0"/>
+                    </a:p>
+                  </a:txBody>
+                  <a:tcPr/>
+                </a:tc>
+                <a:tc>
+                  <a:txBody>
+                    <a:bodyPr/>
+                    <a:lstStyle/>
+                    <a:p>
+                      <a:r>
+                        <a:rPr lang="en-US" altLang="zh-CN" dirty="0"/>
+                        <a:t>0.67s/34.2MB</a:t>
+                      </a:r>
+                      <a:endParaRPr lang="zh-CN" altLang="en-US" dirty="0"/>
+                    </a:p>
+                  </a:txBody>
+                  <a:tcPr/>
+                </a:tc>
+                <a:tc>
+                  <a:txBody>
+                    <a:bodyPr/>
+                    <a:lstStyle/>
+                    <a:p>
+                      <a:r>
+                        <a:rPr lang="en-US" altLang="zh-CN" dirty="0"/>
+                        <a:t>0.66s/34.2MB</a:t>
+                      </a:r>
+                      <a:endParaRPr lang="zh-CN" altLang="en-US" dirty="0"/>
+                    </a:p>
+                  </a:txBody>
+                  <a:tcPr/>
+                </a:tc>
+                <a:extLst>
+                  <a:ext uri="{0D108BD9-81ED-4DB2-BD59-A6C34878D82A}">
+                    <a16:rowId xmlns:a16="http://schemas.microsoft.com/office/drawing/2014/main" val="4065102980"/>
+                  </a:ext>
+                </a:extLst>
+              </a:tr>
+            </a:tbl>
+          </a:graphicData>
+        </a:graphic>
+      </p:graphicFrame>
+    </p:spTree>
+    <p:extLst>
+      <p:ext uri="{BB962C8B-B14F-4D97-AF65-F5344CB8AC3E}">
+        <p14:creationId xmlns:p14="http://schemas.microsoft.com/office/powerpoint/2010/main" val="3565351534"/>
+      </p:ext>
+    </p:extLst>
+  </p:cSld>
+  <p:clrMapOvr>
+    <a:masterClrMapping/>
+  </p:clrMapOvr>
+</p:sld>
+</file>
+
+<file path=ppt/slides/slide27.xml><?xml version="1.0" encoding="utf-8"?>
+<p:sld xmlns:a="http://schemas.openxmlformats.org/drawingml/2006/main" xmlns:r="http://schemas.openxmlformats.org/officeDocument/2006/relationships" xmlns:p="http://schemas.openxmlformats.org/presentationml/2006/main">
+  <p:cSld>
+    <p:spTree>
+      <p:nvGrpSpPr>
+        <p:cNvPr id="1" name=""/>
+        <p:cNvGrpSpPr/>
+        <p:nvPr/>
+      </p:nvGrpSpPr>
+      <p:grpSpPr>
+        <a:xfrm>
+          <a:off x="0" y="0"/>
+          <a:ext cx="0" cy="0"/>
+          <a:chOff x="0" y="0"/>
+          <a:chExt cx="0" cy="0"/>
+        </a:xfrm>
+      </p:grpSpPr>
+      <p:sp>
+        <p:nvSpPr>
+          <p:cNvPr id="2" name="标题 1">
+            <a:extLst>
+              <a:ext uri="{FF2B5EF4-FFF2-40B4-BE49-F238E27FC236}">
+                <a16:creationId xmlns:a16="http://schemas.microsoft.com/office/drawing/2014/main" id="{788FCFBC-8C4F-4007-D87C-673F5E242D75}"/>
+              </a:ext>
+            </a:extLst>
+          </p:cNvPr>
+          <p:cNvSpPr>
+            <a:spLocks noGrp="1"/>
+          </p:cNvSpPr>
+          <p:nvPr>
+            <p:ph type="title"/>
+          </p:nvPr>
+        </p:nvSpPr>
+        <p:spPr/>
+        <p:txBody>
+          <a:bodyPr/>
+          <a:lstStyle/>
+          <a:p>
+            <a:r>
+              <a:rPr lang="zh-CN" altLang="en-US" dirty="0"/>
+              <a:t>性能优化</a:t>
+            </a:r>
+            <a:r>
+              <a:rPr lang="en-US" altLang="zh-CN" dirty="0"/>
+              <a:t>——</a:t>
+            </a:r>
+            <a:r>
+              <a:rPr lang="zh-CN" altLang="en-US" dirty="0"/>
+              <a:t>测试结果</a:t>
+            </a:r>
+          </a:p>
+        </p:txBody>
+      </p:sp>
+      <p:sp>
+        <p:nvSpPr>
+          <p:cNvPr id="3" name="内容占位符 2">
+            <a:extLst>
+              <a:ext uri="{FF2B5EF4-FFF2-40B4-BE49-F238E27FC236}">
+                <a16:creationId xmlns:a16="http://schemas.microsoft.com/office/drawing/2014/main" id="{52F62A12-D4E0-4C0C-C0A0-B87454FA9007}"/>
+              </a:ext>
+            </a:extLst>
+          </p:cNvPr>
+          <p:cNvSpPr>
+            <a:spLocks noGrp="1"/>
+          </p:cNvSpPr>
+          <p:nvPr>
+            <p:ph idx="1"/>
+          </p:nvPr>
+        </p:nvSpPr>
+        <p:spPr>
+          <a:xfrm>
+            <a:off x="677334" y="1486981"/>
+            <a:ext cx="8686122" cy="5051942"/>
+          </a:xfrm>
+        </p:spPr>
+        <p:txBody>
+          <a:bodyPr>
+            <a:normAutofit/>
+          </a:bodyPr>
+          <a:lstStyle/>
+          <a:p>
+            <a:r>
+              <a:rPr lang="zh-CN" altLang="en-US" sz="2800" dirty="0">
+                <a:solidFill>
+                  <a:srgbClr val="000000"/>
+                </a:solidFill>
+                <a:latin typeface="-apple-system"/>
+              </a:rPr>
+              <a:t>（</a:t>
+            </a:r>
+            <a:r>
+              <a:rPr lang="en-US" altLang="zh-CN" sz="2800" dirty="0">
+                <a:solidFill>
+                  <a:srgbClr val="000000"/>
+                </a:solidFill>
+                <a:latin typeface="-apple-system"/>
+              </a:rPr>
+              <a:t>3</a:t>
+            </a:r>
+            <a:r>
+              <a:rPr lang="zh-CN" altLang="en-US" sz="2800" dirty="0">
+                <a:solidFill>
+                  <a:srgbClr val="000000"/>
+                </a:solidFill>
+                <a:latin typeface="-apple-system"/>
+              </a:rPr>
+              <a:t>）多个</a:t>
+            </a:r>
+            <a:r>
+              <a:rPr lang="en-US" altLang="zh-CN" sz="2800" dirty="0">
+                <a:solidFill>
+                  <a:srgbClr val="000000"/>
+                </a:solidFill>
+                <a:latin typeface="-apple-system"/>
+              </a:rPr>
+              <a:t>test_vec_2</a:t>
+            </a:r>
+            <a:r>
+              <a:rPr lang="zh-CN" altLang="en-US" sz="2800" dirty="0">
+                <a:solidFill>
+                  <a:srgbClr val="000000"/>
+                </a:solidFill>
+                <a:latin typeface="-apple-system"/>
+              </a:rPr>
+              <a:t>组合</a:t>
+            </a:r>
+            <a:endParaRPr lang="en-US" altLang="zh-CN" sz="2800" dirty="0">
+              <a:solidFill>
+                <a:srgbClr val="000000"/>
+              </a:solidFill>
+              <a:latin typeface="-apple-system"/>
+            </a:endParaRPr>
+          </a:p>
+          <a:p>
+            <a:endParaRPr lang="en-US" altLang="zh-CN" sz="2800" dirty="0">
+              <a:solidFill>
+                <a:srgbClr val="000000"/>
+              </a:solidFill>
+              <a:latin typeface="-apple-system"/>
+            </a:endParaRPr>
+          </a:p>
+        </p:txBody>
+      </p:sp>
+      <p:graphicFrame>
+        <p:nvGraphicFramePr>
+          <p:cNvPr id="6" name="表格 4">
+            <a:extLst>
+              <a:ext uri="{FF2B5EF4-FFF2-40B4-BE49-F238E27FC236}">
+                <a16:creationId xmlns:a16="http://schemas.microsoft.com/office/drawing/2014/main" id="{FE325AE2-3959-4A18-8531-BFEA7927C4B7}"/>
+              </a:ext>
+            </a:extLst>
+          </p:cNvPr>
+          <p:cNvGraphicFramePr>
+            <a:graphicFrameLocks noGrp="1"/>
+          </p:cNvGraphicFramePr>
+          <p:nvPr>
+            <p:extLst>
+              <p:ext uri="{D42A27DB-BD31-4B8C-83A1-F6EECF244321}">
+                <p14:modId xmlns:p14="http://schemas.microsoft.com/office/powerpoint/2010/main" val="2081974832"/>
+              </p:ext>
+            </p:extLst>
+          </p:nvPr>
+        </p:nvGraphicFramePr>
+        <p:xfrm>
+          <a:off x="887646" y="2718281"/>
+          <a:ext cx="9032240" cy="1010920"/>
+        </p:xfrm>
+        <a:graphic>
+          <a:graphicData uri="http://schemas.openxmlformats.org/drawingml/2006/table">
+            <a:tbl>
+              <a:tblPr firstRow="1" bandRow="1">
+                <a:tableStyleId>{5C22544A-7EE6-4342-B048-85BDC9FD1C3A}</a:tableStyleId>
+              </a:tblPr>
+              <a:tblGrid>
+                <a:gridCol w="939800">
+                  <a:extLst>
+                    <a:ext uri="{9D8B030D-6E8A-4147-A177-3AD203B41FA5}">
+                      <a16:colId xmlns:a16="http://schemas.microsoft.com/office/drawing/2014/main" val="386874602"/>
+                    </a:ext>
+                  </a:extLst>
+                </a:gridCol>
+                <a:gridCol w="850392">
+                  <a:extLst>
+                    <a:ext uri="{9D8B030D-6E8A-4147-A177-3AD203B41FA5}">
+                      <a16:colId xmlns:a16="http://schemas.microsoft.com/office/drawing/2014/main" val="77369717"/>
+                    </a:ext>
+                  </a:extLst>
+                </a:gridCol>
+                <a:gridCol w="905256">
+                  <a:extLst>
+                    <a:ext uri="{9D8B030D-6E8A-4147-A177-3AD203B41FA5}">
+                      <a16:colId xmlns:a16="http://schemas.microsoft.com/office/drawing/2014/main" val="219768344"/>
+                    </a:ext>
+                  </a:extLst>
+                </a:gridCol>
+                <a:gridCol w="795528">
+                  <a:extLst>
+                    <a:ext uri="{9D8B030D-6E8A-4147-A177-3AD203B41FA5}">
+                      <a16:colId xmlns:a16="http://schemas.microsoft.com/office/drawing/2014/main" val="217871878"/>
+                    </a:ext>
+                  </a:extLst>
+                </a:gridCol>
+                <a:gridCol w="905256">
+                  <a:extLst>
+                    <a:ext uri="{9D8B030D-6E8A-4147-A177-3AD203B41FA5}">
+                      <a16:colId xmlns:a16="http://schemas.microsoft.com/office/drawing/2014/main" val="3275644345"/>
+                    </a:ext>
+                  </a:extLst>
+                </a:gridCol>
+                <a:gridCol w="1499616">
+                  <a:extLst>
+                    <a:ext uri="{9D8B030D-6E8A-4147-A177-3AD203B41FA5}">
+                      <a16:colId xmlns:a16="http://schemas.microsoft.com/office/drawing/2014/main" val="1992142855"/>
+                    </a:ext>
+                  </a:extLst>
+                </a:gridCol>
+                <a:gridCol w="1581912">
+                  <a:extLst>
+                    <a:ext uri="{9D8B030D-6E8A-4147-A177-3AD203B41FA5}">
+                      <a16:colId xmlns:a16="http://schemas.microsoft.com/office/drawing/2014/main" val="1988106812"/>
+                    </a:ext>
+                  </a:extLst>
+                </a:gridCol>
+                <a:gridCol w="1554480">
+                  <a:extLst>
+                    <a:ext uri="{9D8B030D-6E8A-4147-A177-3AD203B41FA5}">
+                      <a16:colId xmlns:a16="http://schemas.microsoft.com/office/drawing/2014/main" val="3489129996"/>
+                    </a:ext>
+                  </a:extLst>
+                </a:gridCol>
+              </a:tblGrid>
+              <a:tr h="370840">
+                <a:tc>
+                  <a:txBody>
+                    <a:bodyPr/>
+                    <a:lstStyle/>
+                    <a:p>
+                      <a:r>
+                        <a:rPr lang="en-US" altLang="zh-CN" dirty="0"/>
+                        <a:t>N1=</a:t>
+                      </a:r>
+                      <a:endParaRPr lang="zh-CN" altLang="en-US" dirty="0"/>
+                    </a:p>
+                  </a:txBody>
+                  <a:tcPr/>
+                </a:tc>
+                <a:tc>
+                  <a:txBody>
+                    <a:bodyPr/>
+                    <a:lstStyle/>
+                    <a:p>
+                      <a:r>
+                        <a:rPr lang="en-US" altLang="zh-CN" dirty="0"/>
+                        <a:t>M1=</a:t>
+                      </a:r>
+                      <a:endParaRPr lang="zh-CN" altLang="en-US" dirty="0"/>
+                    </a:p>
+                  </a:txBody>
+                  <a:tcPr/>
+                </a:tc>
+                <a:tc>
+                  <a:txBody>
+                    <a:bodyPr/>
+                    <a:lstStyle/>
+                    <a:p>
+                      <a:r>
+                        <a:rPr lang="en-US" altLang="zh-CN" dirty="0"/>
+                        <a:t>N2=</a:t>
+                      </a:r>
+                      <a:endParaRPr lang="zh-CN" altLang="en-US" dirty="0"/>
+                    </a:p>
+                  </a:txBody>
+                  <a:tcPr/>
+                </a:tc>
+                <a:tc>
+                  <a:txBody>
+                    <a:bodyPr/>
+                    <a:lstStyle/>
+                    <a:p>
+                      <a:r>
+                        <a:rPr lang="en-US" altLang="zh-CN" dirty="0"/>
+                        <a:t>M2=</a:t>
+                      </a:r>
+                      <a:endParaRPr lang="zh-CN" altLang="en-US" dirty="0"/>
+                    </a:p>
+                  </a:txBody>
+                  <a:tcPr/>
+                </a:tc>
+                <a:tc>
+                  <a:txBody>
+                    <a:bodyPr/>
+                    <a:lstStyle/>
+                    <a:p>
+                      <a:r>
+                        <a:rPr lang="zh-CN" altLang="en-US" dirty="0"/>
+                        <a:t>理论内存</a:t>
+                      </a:r>
+                    </a:p>
+                  </a:txBody>
+                  <a:tcPr/>
+                </a:tc>
+                <a:tc>
+                  <a:txBody>
+                    <a:bodyPr/>
+                    <a:lstStyle/>
+                    <a:p>
+                      <a:r>
+                        <a:rPr lang="en-US" altLang="zh-CN" dirty="0"/>
+                        <a:t>First fit</a:t>
+                      </a:r>
+                      <a:endParaRPr lang="zh-CN" altLang="en-US" dirty="0"/>
+                    </a:p>
+                  </a:txBody>
+                  <a:tcPr/>
+                </a:tc>
+                <a:tc>
+                  <a:txBody>
+                    <a:bodyPr/>
+                    <a:lstStyle/>
+                    <a:p>
+                      <a:r>
+                        <a:rPr lang="en-US" altLang="zh-CN" dirty="0"/>
+                        <a:t>Best fit</a:t>
+                      </a:r>
+                      <a:endParaRPr lang="zh-CN" altLang="en-US" dirty="0"/>
+                    </a:p>
+                  </a:txBody>
+                  <a:tcPr/>
+                </a:tc>
+                <a:tc>
+                  <a:txBody>
+                    <a:bodyPr/>
+                    <a:lstStyle/>
+                    <a:p>
+                      <a:r>
+                        <a:rPr lang="en-US" altLang="zh-CN" dirty="0"/>
+                        <a:t>Worst fit</a:t>
+                      </a:r>
+                      <a:endParaRPr lang="zh-CN" altLang="en-US" dirty="0"/>
+                    </a:p>
+                  </a:txBody>
+                  <a:tcPr/>
+                </a:tc>
+                <a:extLst>
+                  <a:ext uri="{0D108BD9-81ED-4DB2-BD59-A6C34878D82A}">
+                    <a16:rowId xmlns:a16="http://schemas.microsoft.com/office/drawing/2014/main" val="4254079681"/>
+                  </a:ext>
+                </a:extLst>
+              </a:tr>
+              <a:tr h="370840">
+                <a:tc>
+                  <a:txBody>
+                    <a:bodyPr/>
+                    <a:lstStyle/>
+                    <a:p>
+                      <a:r>
+                        <a:rPr lang="en-US" altLang="zh-CN" dirty="0"/>
+                        <a:t>30000</a:t>
+                      </a:r>
+                      <a:endParaRPr lang="zh-CN" altLang="en-US" dirty="0"/>
+                    </a:p>
+                  </a:txBody>
+                  <a:tcPr/>
+                </a:tc>
+                <a:tc>
+                  <a:txBody>
+                    <a:bodyPr/>
+                    <a:lstStyle/>
+                    <a:p>
+                      <a:r>
+                        <a:rPr lang="en-US" altLang="zh-CN" dirty="0"/>
+                        <a:t>64</a:t>
+                      </a:r>
+                      <a:endParaRPr lang="zh-CN" altLang="en-US" dirty="0"/>
+                    </a:p>
+                  </a:txBody>
+                  <a:tcPr/>
+                </a:tc>
+                <a:tc>
+                  <a:txBody>
+                    <a:bodyPr/>
+                    <a:lstStyle/>
+                    <a:p>
+                      <a:r>
+                        <a:rPr lang="en-US" altLang="zh-CN" dirty="0"/>
+                        <a:t>7500</a:t>
+                      </a:r>
+                      <a:endParaRPr lang="zh-CN" altLang="en-US" dirty="0"/>
+                    </a:p>
+                  </a:txBody>
+                  <a:tcPr/>
+                </a:tc>
+                <a:tc>
+                  <a:txBody>
+                    <a:bodyPr/>
+                    <a:lstStyle/>
+                    <a:p>
+                      <a:r>
+                        <a:rPr lang="en-US" altLang="zh-CN" dirty="0"/>
+                        <a:t>520</a:t>
+                      </a:r>
+                      <a:endParaRPr lang="zh-CN" altLang="en-US" dirty="0"/>
+                    </a:p>
+                  </a:txBody>
+                  <a:tcPr/>
+                </a:tc>
+                <a:tc>
+                  <a:txBody>
+                    <a:bodyPr/>
+                    <a:lstStyle/>
+                    <a:p>
+                      <a:r>
+                        <a:rPr lang="en-US" altLang="zh-CN" dirty="0"/>
+                        <a:t>30MB</a:t>
+                      </a:r>
+                      <a:endParaRPr lang="zh-CN" altLang="en-US" dirty="0"/>
+                    </a:p>
+                  </a:txBody>
+                  <a:tcPr/>
+                </a:tc>
+                <a:tc>
+                  <a:txBody>
+                    <a:bodyPr/>
+                    <a:lstStyle/>
+                    <a:p>
+                      <a:r>
+                        <a:rPr lang="en-US" altLang="zh-CN" dirty="0"/>
+                        <a:t>0.96s/34.2MB</a:t>
+                      </a:r>
+                      <a:endParaRPr lang="zh-CN" altLang="en-US" dirty="0"/>
+                    </a:p>
+                  </a:txBody>
+                  <a:tcPr/>
+                </a:tc>
+                <a:tc>
+                  <a:txBody>
+                    <a:bodyPr/>
+                    <a:lstStyle/>
+                    <a:p>
+                      <a:r>
+                        <a:rPr lang="en-US" altLang="zh-CN" dirty="0"/>
+                        <a:t>0.98s/34.2MB</a:t>
+                      </a:r>
+                      <a:endParaRPr lang="zh-CN" altLang="en-US" dirty="0"/>
+                    </a:p>
+                  </a:txBody>
+                  <a:tcPr/>
+                </a:tc>
+                <a:tc>
+                  <a:txBody>
+                    <a:bodyPr/>
+                    <a:lstStyle/>
+                    <a:p>
+                      <a:r>
+                        <a:rPr lang="en-US" altLang="zh-CN" dirty="0"/>
+                        <a:t>0.99s/34.2MB</a:t>
+                      </a:r>
+                      <a:endParaRPr lang="zh-CN" altLang="en-US" dirty="0"/>
+                    </a:p>
+                  </a:txBody>
+                  <a:tcPr/>
+                </a:tc>
+                <a:extLst>
+                  <a:ext uri="{0D108BD9-81ED-4DB2-BD59-A6C34878D82A}">
+                    <a16:rowId xmlns:a16="http://schemas.microsoft.com/office/drawing/2014/main" val="1451883973"/>
+                  </a:ext>
+                </a:extLst>
+              </a:tr>
+            </a:tbl>
+          </a:graphicData>
+        </a:graphic>
+      </p:graphicFrame>
+    </p:spTree>
+    <p:extLst>
+      <p:ext uri="{BB962C8B-B14F-4D97-AF65-F5344CB8AC3E}">
+        <p14:creationId xmlns:p14="http://schemas.microsoft.com/office/powerpoint/2010/main" val="38955433"/>
+      </p:ext>
+    </p:extLst>
+  </p:cSld>
+  <p:clrMapOvr>
+    <a:masterClrMapping/>
+  </p:clrMapOvr>
+</p:sld>
+</file>
+
+<file path=ppt/slides/slide28.xml><?xml version="1.0" encoding="utf-8"?>
+<p:sld xmlns:a="http://schemas.openxmlformats.org/drawingml/2006/main" xmlns:r="http://schemas.openxmlformats.org/officeDocument/2006/relationships" xmlns:p="http://schemas.openxmlformats.org/presentationml/2006/main">
+  <p:cSld>
+    <p:spTree>
+      <p:nvGrpSpPr>
+        <p:cNvPr id="1" name=""/>
+        <p:cNvGrpSpPr/>
+        <p:nvPr/>
+      </p:nvGrpSpPr>
+      <p:grpSpPr>
+        <a:xfrm>
+          <a:off x="0" y="0"/>
+          <a:ext cx="0" cy="0"/>
+          <a:chOff x="0" y="0"/>
+          <a:chExt cx="0" cy="0"/>
+        </a:xfrm>
+      </p:grpSpPr>
+      <p:sp>
+        <p:nvSpPr>
+          <p:cNvPr id="2" name="标题 1">
+            <a:extLst>
+              <a:ext uri="{FF2B5EF4-FFF2-40B4-BE49-F238E27FC236}">
+                <a16:creationId xmlns:a16="http://schemas.microsoft.com/office/drawing/2014/main" id="{788FCFBC-8C4F-4007-D87C-673F5E242D75}"/>
+              </a:ext>
+            </a:extLst>
+          </p:cNvPr>
+          <p:cNvSpPr>
+            <a:spLocks noGrp="1"/>
+          </p:cNvSpPr>
+          <p:nvPr>
+            <p:ph type="title"/>
+          </p:nvPr>
+        </p:nvSpPr>
+        <p:spPr/>
+        <p:txBody>
+          <a:bodyPr/>
+          <a:lstStyle/>
+          <a:p>
+            <a:r>
+              <a:rPr lang="zh-CN" altLang="en-US" dirty="0"/>
+              <a:t>性能优化</a:t>
+            </a:r>
+            <a:r>
+              <a:rPr lang="en-US" altLang="zh-CN" dirty="0"/>
+              <a:t>——</a:t>
+            </a:r>
+            <a:r>
+              <a:rPr lang="zh-CN" altLang="en-US" dirty="0"/>
+              <a:t>测试结果</a:t>
+            </a:r>
+          </a:p>
+        </p:txBody>
+      </p:sp>
+      <p:sp>
+        <p:nvSpPr>
+          <p:cNvPr id="3" name="内容占位符 2">
+            <a:extLst>
+              <a:ext uri="{FF2B5EF4-FFF2-40B4-BE49-F238E27FC236}">
+                <a16:creationId xmlns:a16="http://schemas.microsoft.com/office/drawing/2014/main" id="{52F62A12-D4E0-4C0C-C0A0-B87454FA9007}"/>
+              </a:ext>
+            </a:extLst>
+          </p:cNvPr>
+          <p:cNvSpPr>
+            <a:spLocks noGrp="1"/>
+          </p:cNvSpPr>
+          <p:nvPr>
+            <p:ph idx="1"/>
+          </p:nvPr>
+        </p:nvSpPr>
+        <p:spPr>
+          <a:xfrm>
+            <a:off x="677334" y="1486981"/>
+            <a:ext cx="8686122" cy="5051942"/>
+          </a:xfrm>
+        </p:spPr>
+        <p:txBody>
+          <a:bodyPr>
+            <a:normAutofit/>
+          </a:bodyPr>
+          <a:lstStyle/>
+          <a:p>
+            <a:r>
+              <a:rPr lang="zh-CN" altLang="en-US" sz="2800" dirty="0">
+                <a:solidFill>
+                  <a:srgbClr val="000000"/>
+                </a:solidFill>
+                <a:latin typeface="-apple-system"/>
+              </a:rPr>
+              <a:t>（</a:t>
+            </a:r>
+            <a:r>
+              <a:rPr lang="en-US" altLang="zh-CN" sz="2800" dirty="0">
+                <a:solidFill>
+                  <a:srgbClr val="000000"/>
+                </a:solidFill>
+                <a:latin typeface="-apple-system"/>
+              </a:rPr>
+              <a:t>4</a:t>
+            </a:r>
+            <a:r>
+              <a:rPr lang="zh-CN" altLang="en-US" sz="2800" dirty="0">
+                <a:solidFill>
+                  <a:srgbClr val="000000"/>
+                </a:solidFill>
+                <a:latin typeface="-apple-system"/>
+              </a:rPr>
+              <a:t>）</a:t>
+            </a:r>
+            <a:r>
+              <a:rPr lang="en-US" altLang="zh-CN" sz="2800" dirty="0" err="1">
+                <a:solidFill>
+                  <a:srgbClr val="000000"/>
+                </a:solidFill>
+                <a:latin typeface="-apple-system"/>
+              </a:rPr>
+              <a:t>test_btree_map</a:t>
+            </a:r>
+            <a:endParaRPr lang="en-US" altLang="zh-CN" sz="2800" dirty="0">
+              <a:solidFill>
+                <a:srgbClr val="000000"/>
+              </a:solidFill>
+              <a:latin typeface="-apple-system"/>
+            </a:endParaRPr>
+          </a:p>
+          <a:p>
+            <a:endParaRPr lang="en-US" altLang="zh-CN" sz="2800" dirty="0">
+              <a:solidFill>
+                <a:srgbClr val="000000"/>
+              </a:solidFill>
+              <a:latin typeface="-apple-system"/>
+            </a:endParaRPr>
+          </a:p>
+        </p:txBody>
+      </p:sp>
+      <p:graphicFrame>
+        <p:nvGraphicFramePr>
+          <p:cNvPr id="5" name="表格 4">
+            <a:extLst>
+              <a:ext uri="{FF2B5EF4-FFF2-40B4-BE49-F238E27FC236}">
+                <a16:creationId xmlns:a16="http://schemas.microsoft.com/office/drawing/2014/main" id="{E7DB8513-9979-4F0C-A6A6-4A8D09878CFC}"/>
+              </a:ext>
+            </a:extLst>
+          </p:cNvPr>
+          <p:cNvGraphicFramePr>
+            <a:graphicFrameLocks noGrp="1"/>
+          </p:cNvGraphicFramePr>
+          <p:nvPr>
+            <p:extLst>
+              <p:ext uri="{D42A27DB-BD31-4B8C-83A1-F6EECF244321}">
+                <p14:modId xmlns:p14="http://schemas.microsoft.com/office/powerpoint/2010/main" val="4156303798"/>
+              </p:ext>
+            </p:extLst>
+          </p:nvPr>
+        </p:nvGraphicFramePr>
+        <p:xfrm>
+          <a:off x="1703832" y="2807781"/>
+          <a:ext cx="6096000" cy="1112520"/>
+        </p:xfrm>
+        <a:graphic>
+          <a:graphicData uri="http://schemas.openxmlformats.org/drawingml/2006/table">
+            <a:tbl>
+              <a:tblPr firstRow="1" bandRow="1">
+                <a:tableStyleId>{5C22544A-7EE6-4342-B048-85BDC9FD1C3A}</a:tableStyleId>
+              </a:tblPr>
+              <a:tblGrid>
+                <a:gridCol w="1027478">
+                  <a:extLst>
+                    <a:ext uri="{9D8B030D-6E8A-4147-A177-3AD203B41FA5}">
+                      <a16:colId xmlns:a16="http://schemas.microsoft.com/office/drawing/2014/main" val="386874602"/>
+                    </a:ext>
+                  </a:extLst>
+                </a:gridCol>
+                <a:gridCol w="1639522">
+                  <a:extLst>
+                    <a:ext uri="{9D8B030D-6E8A-4147-A177-3AD203B41FA5}">
+                      <a16:colId xmlns:a16="http://schemas.microsoft.com/office/drawing/2014/main" val="1992142855"/>
+                    </a:ext>
+                  </a:extLst>
+                </a:gridCol>
+                <a:gridCol w="1729496">
+                  <a:extLst>
+                    <a:ext uri="{9D8B030D-6E8A-4147-A177-3AD203B41FA5}">
+                      <a16:colId xmlns:a16="http://schemas.microsoft.com/office/drawing/2014/main" val="1988106812"/>
+                    </a:ext>
+                  </a:extLst>
+                </a:gridCol>
+                <a:gridCol w="1699504">
+                  <a:extLst>
+                    <a:ext uri="{9D8B030D-6E8A-4147-A177-3AD203B41FA5}">
+                      <a16:colId xmlns:a16="http://schemas.microsoft.com/office/drawing/2014/main" val="3489129996"/>
+                    </a:ext>
+                  </a:extLst>
+                </a:gridCol>
+              </a:tblGrid>
+              <a:tr h="370840">
+                <a:tc>
+                  <a:txBody>
+                    <a:bodyPr/>
+                    <a:lstStyle/>
+                    <a:p>
+                      <a:r>
+                        <a:rPr lang="en-US" altLang="zh-CN" dirty="0"/>
+                        <a:t>N=</a:t>
+                      </a:r>
+                      <a:endParaRPr lang="zh-CN" altLang="en-US" dirty="0"/>
+                    </a:p>
+                  </a:txBody>
+                  <a:tcPr/>
+                </a:tc>
+                <a:tc>
+                  <a:txBody>
+                    <a:bodyPr/>
+                    <a:lstStyle/>
+                    <a:p>
+                      <a:r>
+                        <a:rPr lang="en-US" altLang="zh-CN" dirty="0"/>
+                        <a:t>First fit</a:t>
+                      </a:r>
+                      <a:endParaRPr lang="zh-CN" altLang="en-US" dirty="0"/>
+                    </a:p>
+                  </a:txBody>
+                  <a:tcPr/>
+                </a:tc>
+                <a:tc>
+                  <a:txBody>
+                    <a:bodyPr/>
+                    <a:lstStyle/>
+                    <a:p>
+                      <a:r>
+                        <a:rPr lang="en-US" altLang="zh-CN" dirty="0"/>
+                        <a:t>Best fit</a:t>
+                      </a:r>
+                      <a:endParaRPr lang="zh-CN" altLang="en-US" dirty="0"/>
+                    </a:p>
+                  </a:txBody>
+                  <a:tcPr/>
+                </a:tc>
+                <a:tc>
+                  <a:txBody>
+                    <a:bodyPr/>
+                    <a:lstStyle/>
+                    <a:p>
+                      <a:r>
+                        <a:rPr lang="en-US" altLang="zh-CN" dirty="0"/>
+                        <a:t>Worst fit</a:t>
+                      </a:r>
+                      <a:endParaRPr lang="zh-CN" altLang="en-US" dirty="0"/>
+                    </a:p>
+                  </a:txBody>
+                  <a:tcPr/>
+                </a:tc>
+                <a:extLst>
+                  <a:ext uri="{0D108BD9-81ED-4DB2-BD59-A6C34878D82A}">
+                    <a16:rowId xmlns:a16="http://schemas.microsoft.com/office/drawing/2014/main" val="4254079681"/>
+                  </a:ext>
+                </a:extLst>
+              </a:tr>
+              <a:tr h="370840">
+                <a:tc>
+                  <a:txBody>
+                    <a:bodyPr/>
+                    <a:lstStyle/>
+                    <a:p>
+                      <a:r>
+                        <a:rPr lang="en-US" altLang="zh-CN" dirty="0"/>
+                        <a:t>20000</a:t>
+                      </a:r>
+                      <a:endParaRPr lang="zh-CN" altLang="en-US" dirty="0"/>
+                    </a:p>
+                  </a:txBody>
+                  <a:tcPr/>
+                </a:tc>
+                <a:tc>
+                  <a:txBody>
+                    <a:bodyPr/>
+                    <a:lstStyle/>
+                    <a:p>
+                      <a:r>
+                        <a:rPr lang="en-US" altLang="zh-CN" dirty="0"/>
+                        <a:t>0.14s/3.8MB</a:t>
+                      </a:r>
+                      <a:endParaRPr lang="zh-CN" altLang="en-US" dirty="0"/>
+                    </a:p>
+                  </a:txBody>
+                  <a:tcPr/>
+                </a:tc>
+                <a:tc>
+                  <a:txBody>
+                    <a:bodyPr/>
+                    <a:lstStyle/>
+                    <a:p>
+                      <a:r>
+                        <a:rPr lang="en-US" altLang="zh-CN" dirty="0"/>
+                        <a:t>0.13s/3.7MB</a:t>
+                      </a:r>
+                      <a:endParaRPr lang="zh-CN" altLang="en-US" dirty="0"/>
+                    </a:p>
+                  </a:txBody>
+                  <a:tcPr/>
+                </a:tc>
+                <a:tc>
+                  <a:txBody>
+                    <a:bodyPr/>
+                    <a:lstStyle/>
+                    <a:p>
+                      <a:r>
+                        <a:rPr lang="en-US" altLang="zh-CN" dirty="0"/>
+                        <a:t>3.33s/4.2MB</a:t>
+                      </a:r>
+                      <a:endParaRPr lang="zh-CN" altLang="en-US" dirty="0"/>
+                    </a:p>
+                  </a:txBody>
+                  <a:tcPr/>
+                </a:tc>
+                <a:extLst>
+                  <a:ext uri="{0D108BD9-81ED-4DB2-BD59-A6C34878D82A}">
+                    <a16:rowId xmlns:a16="http://schemas.microsoft.com/office/drawing/2014/main" val="4012100716"/>
+                  </a:ext>
+                </a:extLst>
+              </a:tr>
+              <a:tr h="370840">
+                <a:tc>
+                  <a:txBody>
+                    <a:bodyPr/>
+                    <a:lstStyle/>
+                    <a:p>
+                      <a:r>
+                        <a:rPr lang="en-US" altLang="zh-CN" dirty="0"/>
+                        <a:t>50000</a:t>
+                      </a:r>
+                      <a:endParaRPr lang="zh-CN" altLang="en-US" dirty="0"/>
+                    </a:p>
+                  </a:txBody>
+                  <a:tcPr/>
+                </a:tc>
+                <a:tc>
+                  <a:txBody>
+                    <a:bodyPr/>
+                    <a:lstStyle/>
+                    <a:p>
+                      <a:r>
+                        <a:rPr lang="en-US" altLang="zh-CN" dirty="0"/>
+                        <a:t>0.46s/5.6MB</a:t>
+                      </a:r>
+                      <a:endParaRPr lang="zh-CN" altLang="en-US" dirty="0"/>
+                    </a:p>
+                  </a:txBody>
+                  <a:tcPr/>
+                </a:tc>
+                <a:tc>
+                  <a:txBody>
+                    <a:bodyPr/>
+                    <a:lstStyle/>
+                    <a:p>
+                      <a:r>
+                        <a:rPr lang="en-US" altLang="zh-CN" dirty="0"/>
+                        <a:t>0.33s/5.3MB</a:t>
+                      </a:r>
+                      <a:endParaRPr lang="zh-CN" altLang="en-US" dirty="0"/>
+                    </a:p>
+                  </a:txBody>
+                  <a:tcPr/>
+                </a:tc>
+                <a:tc>
+                  <a:txBody>
+                    <a:bodyPr/>
+                    <a:lstStyle/>
+                    <a:p>
+                      <a:r>
+                        <a:rPr lang="en-US" altLang="zh-CN" dirty="0"/>
+                        <a:t>31.07s/6.6MB</a:t>
+                      </a:r>
+                      <a:endParaRPr lang="zh-CN" altLang="en-US" dirty="0"/>
+                    </a:p>
+                  </a:txBody>
+                  <a:tcPr/>
+                </a:tc>
+                <a:extLst>
+                  <a:ext uri="{0D108BD9-81ED-4DB2-BD59-A6C34878D82A}">
+                    <a16:rowId xmlns:a16="http://schemas.microsoft.com/office/drawing/2014/main" val="1451883973"/>
+                  </a:ext>
+                </a:extLst>
+              </a:tr>
+            </a:tbl>
+          </a:graphicData>
+        </a:graphic>
+      </p:graphicFrame>
+    </p:spTree>
+    <p:extLst>
+      <p:ext uri="{BB962C8B-B14F-4D97-AF65-F5344CB8AC3E}">
+        <p14:creationId xmlns:p14="http://schemas.microsoft.com/office/powerpoint/2010/main" val="415767330"/>
+      </p:ext>
+    </p:extLst>
+  </p:cSld>
+  <p:clrMapOvr>
+    <a:masterClrMapping/>
+  </p:clrMapOvr>
+</p:sld>
+</file>
+
+<file path=ppt/slides/slide29.xml><?xml version="1.0" encoding="utf-8"?>
+<p:sld xmlns:a="http://schemas.openxmlformats.org/drawingml/2006/main" xmlns:r="http://schemas.openxmlformats.org/officeDocument/2006/relationships" xmlns:p="http://schemas.openxmlformats.org/presentationml/2006/main">
+  <p:cSld>
+    <p:spTree>
+      <p:nvGrpSpPr>
+        <p:cNvPr id="1" name=""/>
+        <p:cNvGrpSpPr/>
+        <p:nvPr/>
+      </p:nvGrpSpPr>
+      <p:grpSpPr>
+        <a:xfrm>
+          <a:off x="0" y="0"/>
+          <a:ext cx="0" cy="0"/>
+          <a:chOff x="0" y="0"/>
+          <a:chExt cx="0" cy="0"/>
+        </a:xfrm>
+      </p:grpSpPr>
+      <p:sp>
+        <p:nvSpPr>
+          <p:cNvPr id="2" name="标题 1">
+            <a:extLst>
+              <a:ext uri="{FF2B5EF4-FFF2-40B4-BE49-F238E27FC236}">
+                <a16:creationId xmlns:a16="http://schemas.microsoft.com/office/drawing/2014/main" id="{788FCFBC-8C4F-4007-D87C-673F5E242D75}"/>
+              </a:ext>
+            </a:extLst>
+          </p:cNvPr>
+          <p:cNvSpPr>
+            <a:spLocks noGrp="1"/>
+          </p:cNvSpPr>
+          <p:nvPr>
+            <p:ph type="title"/>
+          </p:nvPr>
+        </p:nvSpPr>
+        <p:spPr/>
+        <p:txBody>
+          <a:bodyPr/>
+          <a:lstStyle/>
+          <a:p>
+            <a:r>
+              <a:rPr lang="zh-CN" altLang="en-US" dirty="0"/>
+              <a:t>总结</a:t>
+            </a:r>
+          </a:p>
+        </p:txBody>
+      </p:sp>
+      <p:sp>
+        <p:nvSpPr>
+          <p:cNvPr id="3" name="内容占位符 2">
+            <a:extLst>
+              <a:ext uri="{FF2B5EF4-FFF2-40B4-BE49-F238E27FC236}">
+                <a16:creationId xmlns:a16="http://schemas.microsoft.com/office/drawing/2014/main" id="{52F62A12-D4E0-4C0C-C0A0-B87454FA9007}"/>
+              </a:ext>
+            </a:extLst>
+          </p:cNvPr>
+          <p:cNvSpPr>
+            <a:spLocks noGrp="1"/>
+          </p:cNvSpPr>
+          <p:nvPr>
+            <p:ph idx="1"/>
+          </p:nvPr>
+        </p:nvSpPr>
+        <p:spPr>
+          <a:xfrm>
+            <a:off x="677334" y="1486981"/>
+            <a:ext cx="8686122" cy="5051942"/>
+          </a:xfrm>
+        </p:spPr>
+        <p:txBody>
+          <a:bodyPr>
+            <a:normAutofit/>
+          </a:bodyPr>
+          <a:lstStyle/>
+          <a:p>
+            <a:r>
+              <a:rPr lang="zh-CN" altLang="en-US" sz="2400" dirty="0">
+                <a:solidFill>
+                  <a:srgbClr val="000000"/>
+                </a:solidFill>
+                <a:latin typeface="-apple-system"/>
+              </a:rPr>
+              <a:t>经过优化的</a:t>
+            </a:r>
+            <a:r>
+              <a:rPr lang="en-US" altLang="zh-CN" sz="2400" dirty="0">
+                <a:solidFill>
+                  <a:srgbClr val="000000"/>
+                </a:solidFill>
+                <a:latin typeface="-apple-system"/>
+              </a:rPr>
+              <a:t>first fit</a:t>
+            </a:r>
+            <a:r>
+              <a:rPr lang="zh-CN" altLang="en-US" sz="2400" dirty="0">
+                <a:solidFill>
+                  <a:srgbClr val="000000"/>
+                </a:solidFill>
+                <a:latin typeface="-apple-system"/>
+              </a:rPr>
+              <a:t>与</a:t>
+            </a:r>
+            <a:r>
+              <a:rPr lang="en-US" altLang="zh-CN" sz="2400" dirty="0">
+                <a:solidFill>
+                  <a:srgbClr val="000000"/>
+                </a:solidFill>
+                <a:latin typeface="-apple-system"/>
+              </a:rPr>
+              <a:t>best fit</a:t>
+            </a:r>
+            <a:r>
+              <a:rPr lang="zh-CN" altLang="en-US" sz="2400" dirty="0">
+                <a:solidFill>
+                  <a:srgbClr val="000000"/>
+                </a:solidFill>
+                <a:latin typeface="-apple-system"/>
+              </a:rPr>
+              <a:t>在通常的应用场合下基本可达到较高的运行效率，且与优化前的性能开销基本相当</a:t>
+            </a:r>
+            <a:endParaRPr lang="en-US" altLang="zh-CN" sz="2400" dirty="0">
+              <a:solidFill>
+                <a:srgbClr val="000000"/>
+              </a:solidFill>
+              <a:latin typeface="-apple-system"/>
+            </a:endParaRPr>
+          </a:p>
+          <a:p>
+            <a:r>
+              <a:rPr lang="en-US" altLang="zh-CN" sz="2400" dirty="0">
+                <a:solidFill>
+                  <a:srgbClr val="000000"/>
+                </a:solidFill>
+                <a:latin typeface="-apple-system"/>
+              </a:rPr>
+              <a:t>worst fit</a:t>
+            </a:r>
+            <a:r>
+              <a:rPr lang="zh-CN" altLang="en-US" sz="2400" dirty="0">
+                <a:solidFill>
+                  <a:srgbClr val="000000"/>
+                </a:solidFill>
+                <a:latin typeface="-apple-system"/>
+              </a:rPr>
+              <a:t>在无规律</a:t>
+            </a:r>
+            <a:r>
+              <a:rPr lang="en-US" altLang="zh-CN" sz="2400" dirty="0" err="1">
+                <a:solidFill>
+                  <a:srgbClr val="000000"/>
+                </a:solidFill>
+                <a:latin typeface="-apple-system"/>
+              </a:rPr>
+              <a:t>alloc</a:t>
+            </a:r>
+            <a:r>
+              <a:rPr lang="zh-CN" altLang="en-US" sz="2400" dirty="0">
+                <a:solidFill>
+                  <a:srgbClr val="000000"/>
+                </a:solidFill>
+                <a:latin typeface="-apple-system"/>
+              </a:rPr>
+              <a:t>与</a:t>
+            </a:r>
+            <a:r>
+              <a:rPr lang="en-US" altLang="zh-CN" sz="2400" dirty="0" err="1">
+                <a:solidFill>
+                  <a:srgbClr val="000000"/>
+                </a:solidFill>
+                <a:latin typeface="-apple-system"/>
+              </a:rPr>
+              <a:t>dealloc</a:t>
+            </a:r>
+            <a:r>
+              <a:rPr lang="zh-CN" altLang="en-US" sz="2400" dirty="0">
+                <a:solidFill>
+                  <a:srgbClr val="000000"/>
+                </a:solidFill>
+                <a:latin typeface="-apple-system"/>
+              </a:rPr>
+              <a:t>交替的场合下效率相对较低，但相比优化前仍有明显提升</a:t>
+            </a:r>
+            <a:endParaRPr lang="en-US" altLang="zh-CN" sz="2400" dirty="0">
+              <a:solidFill>
+                <a:srgbClr val="000000"/>
+              </a:solidFill>
+              <a:latin typeface="-apple-system"/>
+            </a:endParaRPr>
+          </a:p>
+          <a:p>
+            <a:r>
+              <a:rPr lang="zh-CN" altLang="en-US" sz="2400" dirty="0">
+                <a:solidFill>
+                  <a:srgbClr val="000000"/>
+                </a:solidFill>
+                <a:latin typeface="-apple-system"/>
+              </a:rPr>
+              <a:t>问题：是否存在应用场景能将当前实现的</a:t>
+            </a:r>
+            <a:r>
+              <a:rPr lang="en-US" altLang="zh-CN" sz="2400" dirty="0">
+                <a:solidFill>
+                  <a:srgbClr val="000000"/>
+                </a:solidFill>
+                <a:latin typeface="-apple-system"/>
+              </a:rPr>
+              <a:t>first fit</a:t>
+            </a:r>
+            <a:r>
+              <a:rPr lang="zh-CN" altLang="en-US" sz="2400" dirty="0">
+                <a:solidFill>
+                  <a:srgbClr val="000000"/>
+                </a:solidFill>
+                <a:latin typeface="-apple-system"/>
+              </a:rPr>
+              <a:t>与</a:t>
+            </a:r>
+            <a:r>
+              <a:rPr lang="en-US" altLang="zh-CN" sz="2400" dirty="0">
+                <a:solidFill>
+                  <a:srgbClr val="000000"/>
+                </a:solidFill>
+                <a:latin typeface="-apple-system"/>
+              </a:rPr>
+              <a:t>best fit</a:t>
+            </a:r>
+            <a:r>
+              <a:rPr lang="zh-CN" altLang="en-US" sz="2400" dirty="0">
+                <a:solidFill>
+                  <a:srgbClr val="000000"/>
+                </a:solidFill>
+                <a:latin typeface="-apple-system"/>
+              </a:rPr>
+              <a:t>复杂度卡至平方级？</a:t>
+            </a:r>
+            <a:endParaRPr lang="en-US" altLang="zh-CN" sz="2400" dirty="0">
+              <a:solidFill>
+                <a:srgbClr val="000000"/>
+              </a:solidFill>
+              <a:latin typeface="-apple-system"/>
+            </a:endParaRPr>
           </a:p>
         </p:txBody>
       </p:sp>
     </p:spTree>
     <p:extLst>
       <p:ext uri="{BB962C8B-B14F-4D97-AF65-F5344CB8AC3E}">
-        <p14:creationId xmlns:p14="http://schemas.microsoft.com/office/powerpoint/2010/main" val="399591132"/>
+        <p14:creationId xmlns:p14="http://schemas.microsoft.com/office/powerpoint/2010/main" val="2468040168"/>
       </p:ext>
     </p:extLst>
   </p:cSld>
@@ -13144,6 +14959,542 @@
     <p:extLst>
       <p:ext uri="{BB962C8B-B14F-4D97-AF65-F5344CB8AC3E}">
         <p14:creationId xmlns:p14="http://schemas.microsoft.com/office/powerpoint/2010/main" val="2636732004"/>
+      </p:ext>
+    </p:extLst>
+  </p:cSld>
+  <p:clrMapOvr>
+    <a:masterClrMapping/>
+  </p:clrMapOvr>
+</p:sld>
+</file>
+
+<file path=ppt/slides/slide30.xml><?xml version="1.0" encoding="utf-8"?>
+<p:sld xmlns:a="http://schemas.openxmlformats.org/drawingml/2006/main" xmlns:r="http://schemas.openxmlformats.org/officeDocument/2006/relationships" xmlns:p="http://schemas.openxmlformats.org/presentationml/2006/main">
+  <p:cSld>
+    <p:spTree>
+      <p:nvGrpSpPr>
+        <p:cNvPr id="1" name=""/>
+        <p:cNvGrpSpPr/>
+        <p:nvPr/>
+      </p:nvGrpSpPr>
+      <p:grpSpPr>
+        <a:xfrm>
+          <a:off x="0" y="0"/>
+          <a:ext cx="0" cy="0"/>
+          <a:chOff x="0" y="0"/>
+          <a:chExt cx="0" cy="0"/>
+        </a:xfrm>
+      </p:grpSpPr>
+      <p:sp>
+        <p:nvSpPr>
+          <p:cNvPr id="2" name="标题 1">
+            <a:extLst>
+              <a:ext uri="{FF2B5EF4-FFF2-40B4-BE49-F238E27FC236}">
+                <a16:creationId xmlns:a16="http://schemas.microsoft.com/office/drawing/2014/main" id="{788FCFBC-8C4F-4007-D87C-673F5E242D75}"/>
+              </a:ext>
+            </a:extLst>
+          </p:cNvPr>
+          <p:cNvSpPr>
+            <a:spLocks noGrp="1"/>
+          </p:cNvSpPr>
+          <p:nvPr>
+            <p:ph type="title"/>
+          </p:nvPr>
+        </p:nvSpPr>
+        <p:spPr/>
+        <p:txBody>
+          <a:bodyPr/>
+          <a:lstStyle/>
+          <a:p>
+            <a:r>
+              <a:rPr lang="en-US" altLang="zh-CN" dirty="0" err="1"/>
+              <a:t>todo</a:t>
+            </a:r>
+            <a:r>
+              <a:rPr lang="en-US" altLang="zh-CN" dirty="0"/>
+              <a:t> list</a:t>
+            </a:r>
+            <a:endParaRPr lang="zh-CN" altLang="en-US" dirty="0"/>
+          </a:p>
+        </p:txBody>
+      </p:sp>
+      <p:sp>
+        <p:nvSpPr>
+          <p:cNvPr id="3" name="内容占位符 2">
+            <a:extLst>
+              <a:ext uri="{FF2B5EF4-FFF2-40B4-BE49-F238E27FC236}">
+                <a16:creationId xmlns:a16="http://schemas.microsoft.com/office/drawing/2014/main" id="{52F62A12-D4E0-4C0C-C0A0-B87454FA9007}"/>
+              </a:ext>
+            </a:extLst>
+          </p:cNvPr>
+          <p:cNvSpPr>
+            <a:spLocks noGrp="1"/>
+          </p:cNvSpPr>
+          <p:nvPr>
+            <p:ph idx="1"/>
+          </p:nvPr>
+        </p:nvSpPr>
+        <p:spPr>
+          <a:xfrm>
+            <a:off x="677334" y="1611949"/>
+            <a:ext cx="8933010" cy="4779707"/>
+          </a:xfrm>
+        </p:spPr>
+        <p:txBody>
+          <a:bodyPr>
+            <a:normAutofit/>
+          </a:bodyPr>
+          <a:lstStyle/>
+          <a:p>
+            <a:r>
+              <a:rPr lang="zh-CN" altLang="en-US" sz="2600" dirty="0">
+                <a:solidFill>
+                  <a:srgbClr val="000000"/>
+                </a:solidFill>
+                <a:latin typeface="-apple-system"/>
+              </a:rPr>
+              <a:t>进一步改进</a:t>
+            </a:r>
+            <a:r>
+              <a:rPr lang="en-US" altLang="zh-CN" sz="2600" dirty="0">
+                <a:solidFill>
+                  <a:srgbClr val="000000"/>
+                </a:solidFill>
+                <a:latin typeface="-apple-system"/>
+              </a:rPr>
+              <a:t>best/worst/first fit</a:t>
+            </a:r>
+            <a:r>
+              <a:rPr lang="zh-CN" altLang="en-US" sz="2600" dirty="0">
+                <a:solidFill>
+                  <a:srgbClr val="000000"/>
+                </a:solidFill>
+                <a:latin typeface="-apple-system"/>
+              </a:rPr>
+              <a:t>的查找策略，使其在</a:t>
+            </a:r>
+            <a:r>
+              <a:rPr lang="en-US" altLang="zh-CN" sz="2600" dirty="0" err="1">
+                <a:solidFill>
+                  <a:srgbClr val="000000"/>
+                </a:solidFill>
+                <a:latin typeface="-apple-system"/>
+              </a:rPr>
+              <a:t>alloc</a:t>
+            </a:r>
+            <a:r>
+              <a:rPr lang="zh-CN" altLang="en-US" sz="2600" dirty="0">
+                <a:solidFill>
+                  <a:srgbClr val="000000"/>
+                </a:solidFill>
+                <a:latin typeface="-apple-system"/>
+              </a:rPr>
+              <a:t>时无需每次遍历整个链表；</a:t>
+            </a:r>
+            <a:endParaRPr lang="en-US" altLang="zh-CN" sz="2600" dirty="0">
+              <a:solidFill>
+                <a:srgbClr val="000000"/>
+              </a:solidFill>
+              <a:latin typeface="-apple-system"/>
+            </a:endParaRPr>
+          </a:p>
+          <a:p>
+            <a:pPr lvl="1"/>
+            <a:r>
+              <a:rPr lang="zh-CN" altLang="en-US" sz="2400" dirty="0">
+                <a:solidFill>
+                  <a:srgbClr val="000000"/>
+                </a:solidFill>
+                <a:latin typeface="-apple-system"/>
+              </a:rPr>
+              <a:t>可能的探索方向：实现基于平衡数据结构的</a:t>
+            </a:r>
+            <a:r>
+              <a:rPr lang="en-US" altLang="zh-CN" sz="2400" dirty="0">
+                <a:solidFill>
+                  <a:srgbClr val="000000"/>
+                </a:solidFill>
+                <a:latin typeface="-apple-system"/>
+              </a:rPr>
+              <a:t>best fit</a:t>
+            </a:r>
+            <a:r>
+              <a:rPr lang="zh-CN" altLang="en-US" sz="2400" dirty="0">
+                <a:solidFill>
+                  <a:srgbClr val="000000"/>
+                </a:solidFill>
+                <a:latin typeface="-apple-system"/>
+              </a:rPr>
+              <a:t>策略</a:t>
+            </a:r>
+            <a:endParaRPr lang="en-US" altLang="zh-CN" sz="2400" dirty="0">
+              <a:solidFill>
+                <a:srgbClr val="000000"/>
+              </a:solidFill>
+              <a:latin typeface="-apple-system"/>
+            </a:endParaRPr>
+          </a:p>
+          <a:p>
+            <a:r>
+              <a:rPr lang="zh-CN" altLang="en-US" sz="2600" dirty="0">
+                <a:solidFill>
+                  <a:srgbClr val="000000"/>
+                </a:solidFill>
+                <a:latin typeface="-apple-system"/>
+              </a:rPr>
+              <a:t>改进现有的</a:t>
+            </a:r>
+            <a:r>
+              <a:rPr lang="en-US" altLang="zh-CN" sz="2600" dirty="0">
+                <a:solidFill>
+                  <a:srgbClr val="000000"/>
+                </a:solidFill>
+                <a:latin typeface="-apple-system"/>
+              </a:rPr>
+              <a:t>buddy</a:t>
+            </a:r>
+            <a:r>
+              <a:rPr lang="zh-CN" altLang="en-US" sz="2600" dirty="0">
+                <a:solidFill>
+                  <a:srgbClr val="000000"/>
+                </a:solidFill>
+                <a:latin typeface="-apple-system"/>
+              </a:rPr>
+              <a:t>算法以提高其效率</a:t>
+            </a:r>
+            <a:endParaRPr lang="en-US" altLang="zh-CN" sz="2600" dirty="0">
+              <a:solidFill>
+                <a:srgbClr val="000000"/>
+              </a:solidFill>
+              <a:latin typeface="-apple-system"/>
+            </a:endParaRPr>
+          </a:p>
+          <a:p>
+            <a:r>
+              <a:rPr lang="zh-CN" altLang="en-US" sz="2600" dirty="0">
+                <a:solidFill>
+                  <a:srgbClr val="000000"/>
+                </a:solidFill>
+                <a:latin typeface="-apple-system"/>
+              </a:rPr>
+              <a:t>实现</a:t>
+            </a:r>
+            <a:r>
+              <a:rPr lang="en-US" altLang="zh-CN" sz="2600" dirty="0">
+                <a:solidFill>
+                  <a:srgbClr val="000000"/>
+                </a:solidFill>
+                <a:latin typeface="-apple-system"/>
+              </a:rPr>
+              <a:t>linear allocator/TLSF/</a:t>
+            </a:r>
+            <a:r>
+              <a:rPr lang="zh-CN" altLang="en-US" sz="2600" dirty="0">
+                <a:solidFill>
+                  <a:srgbClr val="000000"/>
+                </a:solidFill>
+                <a:latin typeface="-apple-system"/>
+              </a:rPr>
+              <a:t>分离适配算法</a:t>
+            </a:r>
+            <a:endParaRPr lang="en-US" altLang="zh-CN" sz="2600" dirty="0">
+              <a:solidFill>
+                <a:srgbClr val="000000"/>
+              </a:solidFill>
+              <a:latin typeface="-apple-system"/>
+            </a:endParaRPr>
+          </a:p>
+          <a:p>
+            <a:r>
+              <a:rPr lang="en-US" altLang="zh-CN" sz="2600" b="0" i="0" dirty="0">
+                <a:solidFill>
+                  <a:srgbClr val="000000"/>
+                </a:solidFill>
+                <a:effectLst/>
+                <a:latin typeface="-apple-system"/>
+              </a:rPr>
+              <a:t>……</a:t>
+            </a:r>
+            <a:endParaRPr lang="en-US" altLang="zh-CN" sz="2800" b="0" i="0" dirty="0">
+              <a:solidFill>
+                <a:srgbClr val="000000"/>
+              </a:solidFill>
+              <a:effectLst/>
+              <a:latin typeface="-apple-system"/>
+            </a:endParaRPr>
+          </a:p>
+        </p:txBody>
+      </p:sp>
+    </p:spTree>
+    <p:extLst>
+      <p:ext uri="{BB962C8B-B14F-4D97-AF65-F5344CB8AC3E}">
+        <p14:creationId xmlns:p14="http://schemas.microsoft.com/office/powerpoint/2010/main" val="2548974995"/>
+      </p:ext>
+    </p:extLst>
+  </p:cSld>
+  <p:clrMapOvr>
+    <a:masterClrMapping/>
+  </p:clrMapOvr>
+</p:sld>
+</file>
+
+<file path=ppt/slides/slide31.xml><?xml version="1.0" encoding="utf-8"?>
+<p:sld xmlns:a="http://schemas.openxmlformats.org/drawingml/2006/main" xmlns:r="http://schemas.openxmlformats.org/officeDocument/2006/relationships" xmlns:p="http://schemas.openxmlformats.org/presentationml/2006/main">
+  <p:cSld>
+    <p:spTree>
+      <p:nvGrpSpPr>
+        <p:cNvPr id="1" name=""/>
+        <p:cNvGrpSpPr/>
+        <p:nvPr/>
+      </p:nvGrpSpPr>
+      <p:grpSpPr>
+        <a:xfrm>
+          <a:off x="0" y="0"/>
+          <a:ext cx="0" cy="0"/>
+          <a:chOff x="0" y="0"/>
+          <a:chExt cx="0" cy="0"/>
+        </a:xfrm>
+      </p:grpSpPr>
+      <p:sp>
+        <p:nvSpPr>
+          <p:cNvPr id="2" name="标题 1">
+            <a:extLst>
+              <a:ext uri="{FF2B5EF4-FFF2-40B4-BE49-F238E27FC236}">
+                <a16:creationId xmlns:a16="http://schemas.microsoft.com/office/drawing/2014/main" id="{788FCFBC-8C4F-4007-D87C-673F5E242D75}"/>
+              </a:ext>
+            </a:extLst>
+          </p:cNvPr>
+          <p:cNvSpPr>
+            <a:spLocks noGrp="1"/>
+          </p:cNvSpPr>
+          <p:nvPr>
+            <p:ph type="title"/>
+          </p:nvPr>
+        </p:nvSpPr>
+        <p:spPr/>
+        <p:txBody>
+          <a:bodyPr/>
+          <a:lstStyle/>
+          <a:p>
+            <a:r>
+              <a:rPr lang="en-US" altLang="zh-CN" dirty="0"/>
+              <a:t>reference</a:t>
+            </a:r>
+            <a:endParaRPr lang="zh-CN" altLang="en-US" dirty="0"/>
+          </a:p>
+        </p:txBody>
+      </p:sp>
+      <p:sp>
+        <p:nvSpPr>
+          <p:cNvPr id="3" name="内容占位符 2">
+            <a:extLst>
+              <a:ext uri="{FF2B5EF4-FFF2-40B4-BE49-F238E27FC236}">
+                <a16:creationId xmlns:a16="http://schemas.microsoft.com/office/drawing/2014/main" id="{52F62A12-D4E0-4C0C-C0A0-B87454FA9007}"/>
+              </a:ext>
+            </a:extLst>
+          </p:cNvPr>
+          <p:cNvSpPr>
+            <a:spLocks noGrp="1"/>
+          </p:cNvSpPr>
+          <p:nvPr>
+            <p:ph idx="1"/>
+          </p:nvPr>
+        </p:nvSpPr>
+        <p:spPr>
+          <a:xfrm>
+            <a:off x="677334" y="1611949"/>
+            <a:ext cx="9225618" cy="4779707"/>
+          </a:xfrm>
+        </p:spPr>
+        <p:txBody>
+          <a:bodyPr>
+            <a:normAutofit/>
+          </a:bodyPr>
+          <a:lstStyle/>
+          <a:p>
+            <a:r>
+              <a:rPr lang="en-US" altLang="zh-CN" sz="2600" dirty="0">
+                <a:solidFill>
+                  <a:srgbClr val="000000"/>
+                </a:solidFill>
+                <a:latin typeface="-apple-system"/>
+                <a:hlinkClick r:id="rId2"/>
+              </a:rPr>
+              <a:t>https://blog.csdn.net/liushengxi_root/article/details/88377620</a:t>
+            </a:r>
+          </a:p>
+          <a:p>
+            <a:r>
+              <a:rPr lang="en-US" altLang="zh-CN" sz="2600" dirty="0">
+                <a:solidFill>
+                  <a:srgbClr val="000000"/>
+                </a:solidFill>
+                <a:latin typeface="-apple-system"/>
+                <a:hlinkClick r:id="rId2"/>
+              </a:rPr>
+              <a:t>https://zhuanlan.zhihu.com/p/369972058</a:t>
+            </a:r>
+            <a:endParaRPr lang="en-US" altLang="zh-CN" sz="2600" dirty="0">
+              <a:solidFill>
+                <a:srgbClr val="000000"/>
+              </a:solidFill>
+              <a:latin typeface="-apple-system"/>
+            </a:endParaRPr>
+          </a:p>
+          <a:p>
+            <a:r>
+              <a:rPr lang="en-US" altLang="zh-CN" sz="2600" dirty="0">
+                <a:solidFill>
+                  <a:srgbClr val="000000"/>
+                </a:solidFill>
+                <a:latin typeface="-apple-system"/>
+                <a:hlinkClick r:id="rId3"/>
+              </a:rPr>
+              <a:t>https://blog.csdn.net/qq_40270370/article/details/86417560</a:t>
+            </a:r>
+            <a:endParaRPr lang="en-US" altLang="zh-CN" sz="2600" dirty="0">
+              <a:solidFill>
+                <a:srgbClr val="000000"/>
+              </a:solidFill>
+              <a:latin typeface="-apple-system"/>
+            </a:endParaRPr>
+          </a:p>
+          <a:p>
+            <a:r>
+              <a:rPr lang="en-US" altLang="zh-CN" sz="2600" dirty="0">
+                <a:solidFill>
+                  <a:srgbClr val="000000"/>
+                </a:solidFill>
+                <a:latin typeface="-apple-system"/>
+                <a:hlinkClick r:id="rId4"/>
+              </a:rPr>
+              <a:t>https://zhuanlan.zhihu.com/p/378352199</a:t>
+            </a:r>
+            <a:endParaRPr lang="en-US" altLang="zh-CN" sz="2600" dirty="0">
+              <a:solidFill>
+                <a:srgbClr val="000000"/>
+              </a:solidFill>
+              <a:latin typeface="-apple-system"/>
+            </a:endParaRPr>
+          </a:p>
+          <a:p>
+            <a:r>
+              <a:rPr lang="en-US" altLang="zh-CN" sz="2600" dirty="0">
+                <a:solidFill>
+                  <a:srgbClr val="000000"/>
+                </a:solidFill>
+                <a:latin typeface="-apple-system"/>
+              </a:rPr>
+              <a:t>CSAPP</a:t>
+            </a:r>
+          </a:p>
+          <a:p>
+            <a:endParaRPr lang="en-US" altLang="zh-CN" sz="2600" dirty="0">
+              <a:solidFill>
+                <a:srgbClr val="000000"/>
+              </a:solidFill>
+              <a:latin typeface="-apple-system"/>
+            </a:endParaRPr>
+          </a:p>
+          <a:p>
+            <a:endParaRPr lang="en-US" altLang="zh-CN" sz="2800" b="0" i="0" dirty="0">
+              <a:solidFill>
+                <a:srgbClr val="000000"/>
+              </a:solidFill>
+              <a:effectLst/>
+              <a:latin typeface="-apple-system"/>
+            </a:endParaRPr>
+          </a:p>
+        </p:txBody>
+      </p:sp>
+    </p:spTree>
+    <p:extLst>
+      <p:ext uri="{BB962C8B-B14F-4D97-AF65-F5344CB8AC3E}">
+        <p14:creationId xmlns:p14="http://schemas.microsoft.com/office/powerpoint/2010/main" val="3344151936"/>
+      </p:ext>
+    </p:extLst>
+  </p:cSld>
+  <p:clrMapOvr>
+    <a:masterClrMapping/>
+  </p:clrMapOvr>
+</p:sld>
+</file>
+
+<file path=ppt/slides/slide32.xml><?xml version="1.0" encoding="utf-8"?>
+<p:sld xmlns:a="http://schemas.openxmlformats.org/drawingml/2006/main" xmlns:r="http://schemas.openxmlformats.org/officeDocument/2006/relationships" xmlns:p="http://schemas.openxmlformats.org/presentationml/2006/main">
+  <p:cSld>
+    <p:spTree>
+      <p:nvGrpSpPr>
+        <p:cNvPr id="1" name=""/>
+        <p:cNvGrpSpPr/>
+        <p:nvPr/>
+      </p:nvGrpSpPr>
+      <p:grpSpPr>
+        <a:xfrm>
+          <a:off x="0" y="0"/>
+          <a:ext cx="0" cy="0"/>
+          <a:chOff x="0" y="0"/>
+          <a:chExt cx="0" cy="0"/>
+        </a:xfrm>
+      </p:grpSpPr>
+      <p:sp>
+        <p:nvSpPr>
+          <p:cNvPr id="4" name="标题 3">
+            <a:extLst>
+              <a:ext uri="{FF2B5EF4-FFF2-40B4-BE49-F238E27FC236}">
+                <a16:creationId xmlns:a16="http://schemas.microsoft.com/office/drawing/2014/main" id="{F359100A-24FC-44E7-88AA-52A6703855A8}"/>
+              </a:ext>
+            </a:extLst>
+          </p:cNvPr>
+          <p:cNvSpPr>
+            <a:spLocks noGrp="1"/>
+          </p:cNvSpPr>
+          <p:nvPr>
+            <p:ph type="title"/>
+          </p:nvPr>
+        </p:nvSpPr>
+        <p:spPr/>
+        <p:txBody>
+          <a:bodyPr/>
+          <a:lstStyle/>
+          <a:p>
+            <a:r>
+              <a:rPr lang="en-US" altLang="zh-CN" dirty="0"/>
+              <a:t>THANKS</a:t>
+            </a:r>
+            <a:endParaRPr lang="zh-CN" altLang="en-US" dirty="0"/>
+          </a:p>
+        </p:txBody>
+      </p:sp>
+      <p:sp>
+        <p:nvSpPr>
+          <p:cNvPr id="5" name="文本占位符 4">
+            <a:extLst>
+              <a:ext uri="{FF2B5EF4-FFF2-40B4-BE49-F238E27FC236}">
+                <a16:creationId xmlns:a16="http://schemas.microsoft.com/office/drawing/2014/main" id="{FABA55AC-8DE0-D7A1-C93D-A61BE34D1CE4}"/>
+              </a:ext>
+            </a:extLst>
+          </p:cNvPr>
+          <p:cNvSpPr>
+            <a:spLocks noGrp="1"/>
+          </p:cNvSpPr>
+          <p:nvPr>
+            <p:ph type="body" idx="1"/>
+          </p:nvPr>
+        </p:nvSpPr>
+        <p:spPr/>
+        <p:txBody>
+          <a:bodyPr/>
+          <a:lstStyle/>
+          <a:p>
+            <a:endParaRPr lang="zh-CN" altLang="en-US" dirty="0"/>
+          </a:p>
+        </p:txBody>
+      </p:sp>
+    </p:spTree>
+    <p:extLst>
+      <p:ext uri="{BB962C8B-B14F-4D97-AF65-F5344CB8AC3E}">
+        <p14:creationId xmlns:p14="http://schemas.microsoft.com/office/powerpoint/2010/main" val="399591132"/>
       </p:ext>
     </p:extLst>
   </p:cSld>

--- a/slides/week8.pptx
+++ b/slides/week8.pptx
@@ -14645,8 +14645,154 @@
               <a:latin typeface="-apple-system"/>
             </a:endParaRPr>
           </a:p>
+          <a:p>
+            <a:endParaRPr lang="en-US" altLang="zh-CN" sz="2400" dirty="0">
+              <a:solidFill>
+                <a:srgbClr val="000000"/>
+              </a:solidFill>
+              <a:latin typeface="-apple-system"/>
+            </a:endParaRPr>
+          </a:p>
+          <a:p>
+            <a:r>
+              <a:rPr lang="zh-CN" altLang="en-US" sz="2400" dirty="0">
+                <a:solidFill>
+                  <a:srgbClr val="000000"/>
+                </a:solidFill>
+                <a:latin typeface="-apple-system"/>
+              </a:rPr>
+              <a:t>使用</a:t>
+            </a:r>
+            <a:r>
+              <a:rPr lang="en-US" altLang="zh-CN" sz="2400" dirty="0">
+                <a:solidFill>
+                  <a:srgbClr val="000000"/>
+                </a:solidFill>
+                <a:latin typeface="-apple-system"/>
+              </a:rPr>
+              <a:t>best fit</a:t>
+            </a:r>
+            <a:r>
+              <a:rPr lang="zh-CN" altLang="en-US" sz="2400" dirty="0">
+                <a:solidFill>
+                  <a:srgbClr val="000000"/>
+                </a:solidFill>
+                <a:latin typeface="-apple-system"/>
+              </a:rPr>
+              <a:t>进行如下测试：</a:t>
+            </a:r>
+            <a:endParaRPr lang="en-US" altLang="zh-CN" sz="2400" dirty="0">
+              <a:solidFill>
+                <a:srgbClr val="000000"/>
+              </a:solidFill>
+              <a:latin typeface="-apple-system"/>
+            </a:endParaRPr>
+          </a:p>
+          <a:p>
+            <a:r>
+              <a:rPr lang="zh-CN" altLang="en-US" sz="2400" dirty="0">
+                <a:solidFill>
+                  <a:srgbClr val="000000"/>
+                </a:solidFill>
+                <a:latin typeface="-apple-system"/>
+              </a:rPr>
+              <a:t>总计耗时</a:t>
+            </a:r>
+            <a:r>
+              <a:rPr lang="en-US" altLang="zh-CN" sz="2400" dirty="0">
+                <a:solidFill>
+                  <a:srgbClr val="000000"/>
+                </a:solidFill>
+                <a:latin typeface="-apple-system"/>
+              </a:rPr>
+              <a:t>1.69s</a:t>
+            </a:r>
+          </a:p>
+          <a:p>
+            <a:r>
+              <a:rPr lang="zh-CN" altLang="en-US" sz="2400" dirty="0">
+                <a:solidFill>
+                  <a:srgbClr val="000000"/>
+                </a:solidFill>
+                <a:latin typeface="-apple-system"/>
+              </a:rPr>
+              <a:t>但直接在本机编写运行类似的</a:t>
+            </a:r>
+            <a:r>
+              <a:rPr lang="en-US" altLang="zh-CN" sz="2400" dirty="0" err="1">
+                <a:solidFill>
+                  <a:srgbClr val="000000"/>
+                </a:solidFill>
+                <a:latin typeface="-apple-system"/>
+              </a:rPr>
+              <a:t>c++</a:t>
+            </a:r>
+            <a:r>
+              <a:rPr lang="zh-CN" altLang="en-US" sz="2400" dirty="0">
+                <a:solidFill>
+                  <a:srgbClr val="000000"/>
+                </a:solidFill>
+                <a:latin typeface="-apple-system"/>
+              </a:rPr>
+              <a:t>程序只需</a:t>
+            </a:r>
+            <a:r>
+              <a:rPr lang="en-US" altLang="zh-CN" sz="2400" dirty="0">
+                <a:solidFill>
+                  <a:srgbClr val="000000"/>
+                </a:solidFill>
+                <a:latin typeface="-apple-system"/>
+              </a:rPr>
+              <a:t>0.18s</a:t>
+            </a:r>
+            <a:r>
+              <a:rPr lang="zh-CN" altLang="en-US" sz="2400" dirty="0">
+                <a:solidFill>
+                  <a:srgbClr val="000000"/>
+                </a:solidFill>
+                <a:latin typeface="-apple-system"/>
+              </a:rPr>
+              <a:t>，说明当前算法还有很大提升空间</a:t>
+            </a:r>
+            <a:endParaRPr lang="en-US" altLang="zh-CN" sz="2400" dirty="0">
+              <a:solidFill>
+                <a:srgbClr val="000000"/>
+              </a:solidFill>
+              <a:latin typeface="-apple-system"/>
+            </a:endParaRPr>
+          </a:p>
         </p:txBody>
       </p:sp>
+      <p:pic>
+        <p:nvPicPr>
+          <p:cNvPr id="5" name="图片 4">
+            <a:extLst>
+              <a:ext uri="{FF2B5EF4-FFF2-40B4-BE49-F238E27FC236}">
+                <a16:creationId xmlns:a16="http://schemas.microsoft.com/office/drawing/2014/main" id="{9DD42684-4C4E-4FA5-9FC5-8F69B7962082}"/>
+              </a:ext>
+            </a:extLst>
+          </p:cNvPr>
+          <p:cNvPicPr>
+            <a:picLocks noChangeAspect="1"/>
+          </p:cNvPicPr>
+          <p:nvPr/>
+        </p:nvPicPr>
+        <p:blipFill>
+          <a:blip r:embed="rId2"/>
+          <a:stretch>
+            <a:fillRect/>
+          </a:stretch>
+        </p:blipFill>
+        <p:spPr>
+          <a:xfrm>
+            <a:off x="4905638" y="3781967"/>
+            <a:ext cx="3415402" cy="1688621"/>
+          </a:xfrm>
+          <a:prstGeom prst="rect">
+            <a:avLst/>
+          </a:prstGeom>
+        </p:spPr>
+      </p:pic>
     </p:spTree>
     <p:extLst>
       <p:ext uri="{BB962C8B-B14F-4D97-AF65-F5344CB8AC3E}">
@@ -15045,6 +15191,86 @@
             <a:normAutofit/>
           </a:bodyPr>
           <a:lstStyle/>
+          <a:p>
+            <a:r>
+              <a:rPr lang="zh-CN" altLang="en-US" sz="2600" dirty="0">
+                <a:solidFill>
+                  <a:srgbClr val="000000"/>
+                </a:solidFill>
+                <a:latin typeface="-apple-system"/>
+              </a:rPr>
+              <a:t>实现过程中发现原有的</a:t>
+            </a:r>
+            <a:r>
+              <a:rPr lang="en-US" altLang="zh-CN" sz="2600" dirty="0" err="1">
+                <a:solidFill>
+                  <a:srgbClr val="000000"/>
+                </a:solidFill>
+                <a:latin typeface="-apple-system"/>
+              </a:rPr>
+              <a:t>alloc</a:t>
+            </a:r>
+            <a:r>
+              <a:rPr lang="en-US" altLang="zh-CN" sz="2600" dirty="0">
+                <a:solidFill>
+                  <a:srgbClr val="000000"/>
+                </a:solidFill>
+                <a:latin typeface="-apple-system"/>
+              </a:rPr>
+              <a:t> page</a:t>
+            </a:r>
+            <a:r>
+              <a:rPr lang="zh-CN" altLang="en-US" sz="2600" dirty="0">
+                <a:solidFill>
+                  <a:srgbClr val="000000"/>
+                </a:solidFill>
+                <a:latin typeface="-apple-system"/>
+              </a:rPr>
+              <a:t>可能有</a:t>
+            </a:r>
+            <a:r>
+              <a:rPr lang="en-US" altLang="zh-CN" sz="2600" dirty="0">
+                <a:solidFill>
+                  <a:srgbClr val="000000"/>
+                </a:solidFill>
+                <a:latin typeface="-apple-system"/>
+              </a:rPr>
+              <a:t>bug</a:t>
+            </a:r>
+            <a:r>
+              <a:rPr lang="zh-CN" altLang="en-US" sz="2600" dirty="0">
+                <a:solidFill>
+                  <a:srgbClr val="000000"/>
+                </a:solidFill>
+                <a:latin typeface="-apple-system"/>
+              </a:rPr>
+              <a:t>，可能造成分配的虚拟地址不连续</a:t>
+            </a:r>
+            <a:endParaRPr lang="en-US" altLang="zh-CN" sz="2600" dirty="0">
+              <a:solidFill>
+                <a:srgbClr val="000000"/>
+              </a:solidFill>
+              <a:latin typeface="-apple-system"/>
+            </a:endParaRPr>
+          </a:p>
+          <a:p>
+            <a:pPr lvl="1"/>
+            <a:r>
+              <a:rPr lang="zh-CN" altLang="en-US" sz="2400">
+                <a:solidFill>
+                  <a:srgbClr val="000000"/>
+                </a:solidFill>
+                <a:latin typeface="-apple-system"/>
+              </a:rPr>
+              <a:t>需要进一步与助教交流讨论</a:t>
+            </a:r>
+            <a:endParaRPr lang="en-US" altLang="zh-CN" sz="2400">
+              <a:solidFill>
+                <a:srgbClr val="000000"/>
+              </a:solidFill>
+              <a:latin typeface="-apple-system"/>
+            </a:endParaRPr>
+          </a:p>
           <a:p>
             <a:r>
               <a:rPr lang="zh-CN" altLang="en-US" sz="2600" dirty="0">

--- a/slides/week8.pptx
+++ b/slides/week8.pptx
@@ -34,9 +34,10 @@
     <p:sldId id="363" r:id="rId28"/>
     <p:sldId id="364" r:id="rId29"/>
     <p:sldId id="365" r:id="rId30"/>
-    <p:sldId id="357" r:id="rId31"/>
-    <p:sldId id="343" r:id="rId32"/>
-    <p:sldId id="308" r:id="rId33"/>
+    <p:sldId id="366" r:id="rId31"/>
+    <p:sldId id="357" r:id="rId32"/>
+    <p:sldId id="343" r:id="rId33"/>
+    <p:sldId id="308" r:id="rId34"/>
   </p:sldIdLst>
   <p:sldSz cx="12192000" cy="6858000"/>
   <p:notesSz cx="6858000" cy="9144000"/>
@@ -15153,14 +15154,17 @@
           <a:lstStyle/>
           <a:p>
             <a:r>
-              <a:rPr lang="en-US" altLang="zh-CN" dirty="0" err="1"/>
-              <a:t>todo</a:t>
-            </a:r>
-            <a:r>
-              <a:rPr lang="en-US" altLang="zh-CN" dirty="0"/>
-              <a:t> list</a:t>
-            </a:r>
-            <a:endParaRPr lang="zh-CN" altLang="en-US" dirty="0"/>
+              <a:rPr lang="en-US" altLang="zh-CN"/>
+              <a:t>update</a:t>
+            </a:r>
+            <a:r>
+              <a:rPr lang="zh-CN" altLang="en-US"/>
+              <a:t>：</a:t>
+            </a:r>
+            <a:r>
+              <a:rPr lang="zh-CN" altLang="en-US" dirty="0"/>
+              <a:t>构造新测例</a:t>
+            </a:r>
           </a:p>
         </p:txBody>
       </p:sp>
@@ -15182,8 +15186,8 @@
         </p:nvSpPr>
         <p:spPr>
           <a:xfrm>
-            <a:off x="677334" y="1611949"/>
-            <a:ext cx="8933010" cy="4779707"/>
+            <a:off x="677334" y="1486981"/>
+            <a:ext cx="8686122" cy="5051942"/>
           </a:xfrm>
         </p:spPr>
         <p:txBody>
@@ -15193,139 +15197,16 @@
           <a:lstStyle/>
           <a:p>
             <a:r>
-              <a:rPr lang="zh-CN" altLang="en-US" sz="2600" dirty="0">
-                <a:solidFill>
-                  <a:srgbClr val="000000"/>
-                </a:solidFill>
-                <a:latin typeface="-apple-system"/>
-              </a:rPr>
-              <a:t>实现过程中发现原有的</a:t>
-            </a:r>
-            <a:r>
-              <a:rPr lang="en-US" altLang="zh-CN" sz="2600" dirty="0" err="1">
-                <a:solidFill>
-                  <a:srgbClr val="000000"/>
-                </a:solidFill>
-                <a:latin typeface="-apple-system"/>
-              </a:rPr>
-              <a:t>alloc</a:t>
-            </a:r>
-            <a:r>
-              <a:rPr lang="en-US" altLang="zh-CN" sz="2600" dirty="0">
-                <a:solidFill>
-                  <a:srgbClr val="000000"/>
-                </a:solidFill>
-                <a:latin typeface="-apple-system"/>
-              </a:rPr>
-              <a:t> page</a:t>
-            </a:r>
-            <a:r>
-              <a:rPr lang="zh-CN" altLang="en-US" sz="2600" dirty="0">
-                <a:solidFill>
-                  <a:srgbClr val="000000"/>
-                </a:solidFill>
-                <a:latin typeface="-apple-system"/>
-              </a:rPr>
-              <a:t>可能有</a:t>
-            </a:r>
-            <a:r>
-              <a:rPr lang="en-US" altLang="zh-CN" sz="2600" dirty="0">
-                <a:solidFill>
-                  <a:srgbClr val="000000"/>
-                </a:solidFill>
-                <a:latin typeface="-apple-system"/>
-              </a:rPr>
-              <a:t>bug</a:t>
-            </a:r>
-            <a:r>
-              <a:rPr lang="zh-CN" altLang="en-US" sz="2600" dirty="0">
-                <a:solidFill>
-                  <a:srgbClr val="000000"/>
-                </a:solidFill>
-                <a:latin typeface="-apple-system"/>
-              </a:rPr>
-              <a:t>，可能造成分配的虚拟地址不连续</a:t>
-            </a:r>
-            <a:endParaRPr lang="en-US" altLang="zh-CN" sz="2600" dirty="0">
-              <a:solidFill>
-                <a:srgbClr val="000000"/>
-              </a:solidFill>
-              <a:latin typeface="-apple-system"/>
-            </a:endParaRPr>
-          </a:p>
-          <a:p>
-            <a:pPr lvl="1"/>
-            <a:r>
-              <a:rPr lang="zh-CN" altLang="en-US" sz="2400">
-                <a:solidFill>
-                  <a:srgbClr val="000000"/>
-                </a:solidFill>
-                <a:latin typeface="-apple-system"/>
-              </a:rPr>
-              <a:t>需要进一步与助教交流讨论</a:t>
-            </a:r>
-            <a:endParaRPr lang="en-US" altLang="zh-CN" sz="2400">
-              <a:solidFill>
-                <a:srgbClr val="000000"/>
-              </a:solidFill>
-              <a:latin typeface="-apple-system"/>
-            </a:endParaRPr>
-          </a:p>
-          <a:p>
-            <a:r>
-              <a:rPr lang="zh-CN" altLang="en-US" sz="2600" dirty="0">
-                <a:solidFill>
-                  <a:srgbClr val="000000"/>
-                </a:solidFill>
-                <a:latin typeface="-apple-system"/>
-              </a:rPr>
-              <a:t>进一步改进</a:t>
-            </a:r>
-            <a:r>
-              <a:rPr lang="en-US" altLang="zh-CN" sz="2600" dirty="0">
-                <a:solidFill>
-                  <a:srgbClr val="000000"/>
-                </a:solidFill>
-                <a:latin typeface="-apple-system"/>
-              </a:rPr>
-              <a:t>best/worst/first fit</a:t>
-            </a:r>
-            <a:r>
-              <a:rPr lang="zh-CN" altLang="en-US" sz="2600" dirty="0">
-                <a:solidFill>
-                  <a:srgbClr val="000000"/>
-                </a:solidFill>
-                <a:latin typeface="-apple-system"/>
-              </a:rPr>
-              <a:t>的查找策略，使其在</a:t>
-            </a:r>
-            <a:r>
-              <a:rPr lang="en-US" altLang="zh-CN" sz="2600" dirty="0" err="1">
-                <a:solidFill>
-                  <a:srgbClr val="000000"/>
-                </a:solidFill>
-                <a:latin typeface="-apple-system"/>
-              </a:rPr>
-              <a:t>alloc</a:t>
-            </a:r>
-            <a:r>
-              <a:rPr lang="zh-CN" altLang="en-US" sz="2600" dirty="0">
-                <a:solidFill>
-                  <a:srgbClr val="000000"/>
-                </a:solidFill>
-                <a:latin typeface="-apple-system"/>
-              </a:rPr>
-              <a:t>时无需每次遍历整个链表；</a:t>
-            </a:r>
-            <a:endParaRPr lang="en-US" altLang="zh-CN" sz="2600" dirty="0">
-              <a:solidFill>
-                <a:srgbClr val="000000"/>
-              </a:solidFill>
-              <a:latin typeface="-apple-system"/>
-            </a:endParaRPr>
-          </a:p>
-          <a:p>
-            <a:pPr lvl="1"/>
+              <a:rPr lang="en-US" altLang="zh-CN" sz="2400" dirty="0">
+                <a:solidFill>
+                  <a:srgbClr val="000000"/>
+                </a:solidFill>
+                <a:latin typeface="-apple-system"/>
+              </a:rPr>
+              <a:t>test_vec_3()</a:t>
+            </a:r>
+          </a:p>
+          <a:p>
             <a:r>
               <a:rPr lang="zh-CN" altLang="en-US" sz="2400" dirty="0">
                 <a:solidFill>
@@ -15333,25 +15214,7 @@
                 </a:solidFill>
                 <a:latin typeface="-apple-system"/>
               </a:rPr>
-              <a:t>可能的探索方向：实现基于平衡数据结构的</a:t>
-            </a:r>
-            <a:r>
-              <a:rPr lang="en-US" altLang="zh-CN" sz="2400" dirty="0">
-                <a:solidFill>
-                  <a:srgbClr val="000000"/>
-                </a:solidFill>
-                <a:latin typeface="-apple-system"/>
-              </a:rPr>
-              <a:t>best fit</a:t>
-            </a:r>
-            <a:r>
-              <a:rPr lang="zh-CN" altLang="en-US" sz="2400" dirty="0">
-                <a:solidFill>
-                  <a:srgbClr val="000000"/>
-                </a:solidFill>
-                <a:latin typeface="-apple-system"/>
-              </a:rPr>
-              <a:t>策略</a:t>
+              <a:t>精心构造的测例，可以制造大量小内存碎块</a:t>
             </a:r>
             <a:endParaRPr lang="en-US" altLang="zh-CN" sz="2400" dirty="0">
               <a:solidFill>
@@ -15362,33 +15225,15 @@
           </a:p>
           <a:p>
             <a:r>
-              <a:rPr lang="zh-CN" altLang="en-US" sz="2600" dirty="0">
-                <a:solidFill>
-                  <a:srgbClr val="000000"/>
-                </a:solidFill>
-                <a:latin typeface="-apple-system"/>
-              </a:rPr>
-              <a:t>改进现有的</a:t>
-            </a:r>
-            <a:r>
-              <a:rPr lang="en-US" altLang="zh-CN" sz="2600" dirty="0">
-                <a:solidFill>
-                  <a:srgbClr val="000000"/>
-                </a:solidFill>
-                <a:latin typeface="-apple-system"/>
-              </a:rPr>
-              <a:t>buddy</a:t>
-            </a:r>
-            <a:r>
-              <a:rPr lang="zh-CN" altLang="en-US" sz="2600" dirty="0">
-                <a:solidFill>
-                  <a:srgbClr val="000000"/>
-                </a:solidFill>
-                <a:latin typeface="-apple-system"/>
-              </a:rPr>
-              <a:t>算法以提高其效率</a:t>
-            </a:r>
-            <a:endParaRPr lang="en-US" altLang="zh-CN" sz="2600" dirty="0">
+              <a:rPr lang="zh-CN" altLang="en-US" sz="2400" dirty="0">
+                <a:solidFill>
+                  <a:srgbClr val="000000"/>
+                </a:solidFill>
+                <a:latin typeface="-apple-system"/>
+              </a:rPr>
+              <a:t>大内存碎块在队列的尾端，需要遍历整个链表</a:t>
+            </a:r>
+            <a:endParaRPr lang="en-US" altLang="zh-CN" sz="2400" dirty="0">
               <a:solidFill>
                 <a:srgbClr val="000000"/>
               </a:solidFill>
@@ -15396,34 +15241,7 @@
             </a:endParaRPr>
           </a:p>
           <a:p>
-            <a:r>
-              <a:rPr lang="zh-CN" altLang="en-US" sz="2600" dirty="0">
-                <a:solidFill>
-                  <a:srgbClr val="000000"/>
-                </a:solidFill>
-                <a:latin typeface="-apple-system"/>
-              </a:rPr>
-              <a:t>实现</a:t>
-            </a:r>
-            <a:r>
-              <a:rPr lang="en-US" altLang="zh-CN" sz="2600" dirty="0">
-                <a:solidFill>
-                  <a:srgbClr val="000000"/>
-                </a:solidFill>
-                <a:latin typeface="-apple-system"/>
-              </a:rPr>
-              <a:t>linear allocator/TLSF/</a:t>
-            </a:r>
-            <a:r>
-              <a:rPr lang="zh-CN" altLang="en-US" sz="2600" dirty="0">
-                <a:solidFill>
-                  <a:srgbClr val="000000"/>
-                </a:solidFill>
-                <a:latin typeface="-apple-system"/>
-              </a:rPr>
-              <a:t>分离适配算法</a:t>
-            </a:r>
-            <a:endParaRPr lang="en-US" altLang="zh-CN" sz="2600" dirty="0">
+            <a:endParaRPr lang="en-US" altLang="zh-CN" sz="2400" dirty="0">
               <a:solidFill>
                 <a:srgbClr val="000000"/>
               </a:solidFill>
@@ -15431,30 +15249,514 @@
             </a:endParaRPr>
           </a:p>
           <a:p>
-            <a:r>
-              <a:rPr lang="en-US" altLang="zh-CN" sz="2600" b="0" i="0" dirty="0">
-                <a:solidFill>
-                  <a:srgbClr val="000000"/>
-                </a:solidFill>
-                <a:effectLst/>
-                <a:latin typeface="-apple-system"/>
-              </a:rPr>
-              <a:t>……</a:t>
-            </a:r>
-            <a:endParaRPr lang="en-US" altLang="zh-CN" sz="2800" b="0" i="0" dirty="0">
+            <a:endParaRPr lang="en-US" altLang="zh-CN" sz="2400" dirty="0">
               <a:solidFill>
                 <a:srgbClr val="000000"/>
               </a:solidFill>
-              <a:effectLst/>
               <a:latin typeface="-apple-system"/>
             </a:endParaRPr>
           </a:p>
+          <a:p>
+            <a:endParaRPr lang="en-US" altLang="zh-CN" sz="2400" dirty="0">
+              <a:solidFill>
+                <a:srgbClr val="000000"/>
+              </a:solidFill>
+              <a:latin typeface="-apple-system"/>
+            </a:endParaRPr>
+          </a:p>
+          <a:p>
+            <a:endParaRPr lang="en-US" altLang="zh-CN" sz="2400" dirty="0">
+              <a:solidFill>
+                <a:srgbClr val="000000"/>
+              </a:solidFill>
+              <a:latin typeface="-apple-system"/>
+            </a:endParaRPr>
+          </a:p>
         </p:txBody>
       </p:sp>
+      <p:pic>
+        <p:nvPicPr>
+          <p:cNvPr id="8" name="图片 7">
+            <a:extLst>
+              <a:ext uri="{FF2B5EF4-FFF2-40B4-BE49-F238E27FC236}">
+                <a16:creationId xmlns:a16="http://schemas.microsoft.com/office/drawing/2014/main" id="{18D46778-B85E-427C-AF81-C6F47C8951FC}"/>
+              </a:ext>
+            </a:extLst>
+          </p:cNvPr>
+          <p:cNvPicPr>
+            <a:picLocks noChangeAspect="1"/>
+          </p:cNvPicPr>
+          <p:nvPr/>
+        </p:nvPicPr>
+        <p:blipFill>
+          <a:blip r:embed="rId2"/>
+          <a:stretch>
+            <a:fillRect/>
+          </a:stretch>
+        </p:blipFill>
+        <p:spPr>
+          <a:xfrm>
+            <a:off x="7969101" y="482098"/>
+            <a:ext cx="3940451" cy="5128702"/>
+          </a:xfrm>
+          <a:prstGeom prst="rect">
+            <a:avLst/>
+          </a:prstGeom>
+        </p:spPr>
+      </p:pic>
+      <p:graphicFrame>
+        <p:nvGraphicFramePr>
+          <p:cNvPr id="9" name="表格 4">
+            <a:extLst>
+              <a:ext uri="{FF2B5EF4-FFF2-40B4-BE49-F238E27FC236}">
+                <a16:creationId xmlns:a16="http://schemas.microsoft.com/office/drawing/2014/main" id="{518ED7D5-CF17-4EF5-99BD-ACBC33043793}"/>
+              </a:ext>
+            </a:extLst>
+          </p:cNvPr>
+          <p:cNvGraphicFramePr>
+            <a:graphicFrameLocks noGrp="1"/>
+          </p:cNvGraphicFramePr>
+          <p:nvPr>
+            <p:extLst>
+              <p:ext uri="{D42A27DB-BD31-4B8C-83A1-F6EECF244321}">
+                <p14:modId xmlns:p14="http://schemas.microsoft.com/office/powerpoint/2010/main" val="703044182"/>
+              </p:ext>
+            </p:extLst>
+          </p:nvPr>
+        </p:nvGraphicFramePr>
+        <p:xfrm>
+          <a:off x="282448" y="3916681"/>
+          <a:ext cx="7553960" cy="1112520"/>
+        </p:xfrm>
+        <a:graphic>
+          <a:graphicData uri="http://schemas.openxmlformats.org/drawingml/2006/table">
+            <a:tbl>
+              <a:tblPr firstRow="1" bandRow="1">
+                <a:tableStyleId>{5C22544A-7EE6-4342-B048-85BDC9FD1C3A}</a:tableStyleId>
+              </a:tblPr>
+              <a:tblGrid>
+                <a:gridCol w="939800">
+                  <a:extLst>
+                    <a:ext uri="{9D8B030D-6E8A-4147-A177-3AD203B41FA5}">
+                      <a16:colId xmlns:a16="http://schemas.microsoft.com/office/drawing/2014/main" val="386874602"/>
+                    </a:ext>
+                  </a:extLst>
+                </a:gridCol>
+                <a:gridCol w="850392">
+                  <a:extLst>
+                    <a:ext uri="{9D8B030D-6E8A-4147-A177-3AD203B41FA5}">
+                      <a16:colId xmlns:a16="http://schemas.microsoft.com/office/drawing/2014/main" val="77369717"/>
+                    </a:ext>
+                  </a:extLst>
+                </a:gridCol>
+                <a:gridCol w="905256">
+                  <a:extLst>
+                    <a:ext uri="{9D8B030D-6E8A-4147-A177-3AD203B41FA5}">
+                      <a16:colId xmlns:a16="http://schemas.microsoft.com/office/drawing/2014/main" val="219768344"/>
+                    </a:ext>
+                  </a:extLst>
+                </a:gridCol>
+                <a:gridCol w="795528">
+                  <a:extLst>
+                    <a:ext uri="{9D8B030D-6E8A-4147-A177-3AD203B41FA5}">
+                      <a16:colId xmlns:a16="http://schemas.microsoft.com/office/drawing/2014/main" val="217871878"/>
+                    </a:ext>
+                  </a:extLst>
+                </a:gridCol>
+                <a:gridCol w="905256">
+                  <a:extLst>
+                    <a:ext uri="{9D8B030D-6E8A-4147-A177-3AD203B41FA5}">
+                      <a16:colId xmlns:a16="http://schemas.microsoft.com/office/drawing/2014/main" val="3275644345"/>
+                    </a:ext>
+                  </a:extLst>
+                </a:gridCol>
+                <a:gridCol w="999744">
+                  <a:extLst>
+                    <a:ext uri="{9D8B030D-6E8A-4147-A177-3AD203B41FA5}">
+                      <a16:colId xmlns:a16="http://schemas.microsoft.com/office/drawing/2014/main" val="1992142855"/>
+                    </a:ext>
+                  </a:extLst>
+                </a:gridCol>
+                <a:gridCol w="987552">
+                  <a:extLst>
+                    <a:ext uri="{9D8B030D-6E8A-4147-A177-3AD203B41FA5}">
+                      <a16:colId xmlns:a16="http://schemas.microsoft.com/office/drawing/2014/main" val="1988106812"/>
+                    </a:ext>
+                  </a:extLst>
+                </a:gridCol>
+                <a:gridCol w="1170432">
+                  <a:extLst>
+                    <a:ext uri="{9D8B030D-6E8A-4147-A177-3AD203B41FA5}">
+                      <a16:colId xmlns:a16="http://schemas.microsoft.com/office/drawing/2014/main" val="3489129996"/>
+                    </a:ext>
+                  </a:extLst>
+                </a:gridCol>
+              </a:tblGrid>
+              <a:tr h="370840">
+                <a:tc>
+                  <a:txBody>
+                    <a:bodyPr/>
+                    <a:lstStyle/>
+                    <a:p>
+                      <a:r>
+                        <a:rPr lang="en-US" altLang="zh-CN" dirty="0"/>
+                        <a:t>N=</a:t>
+                      </a:r>
+                      <a:endParaRPr lang="zh-CN" altLang="en-US" dirty="0"/>
+                    </a:p>
+                  </a:txBody>
+                  <a:tcPr/>
+                </a:tc>
+                <a:tc>
+                  <a:txBody>
+                    <a:bodyPr/>
+                    <a:lstStyle/>
+                    <a:p>
+                      <a:r>
+                        <a:rPr lang="en-US" altLang="zh-CN" dirty="0"/>
+                        <a:t>k1=</a:t>
+                      </a:r>
+                      <a:endParaRPr lang="zh-CN" altLang="en-US" dirty="0"/>
+                    </a:p>
+                  </a:txBody>
+                  <a:tcPr/>
+                </a:tc>
+                <a:tc>
+                  <a:txBody>
+                    <a:bodyPr/>
+                    <a:lstStyle/>
+                    <a:p>
+                      <a:r>
+                        <a:rPr lang="en-US" altLang="zh-CN" dirty="0"/>
+                        <a:t>k2=</a:t>
+                      </a:r>
+                      <a:endParaRPr lang="zh-CN" altLang="en-US" dirty="0"/>
+                    </a:p>
+                  </a:txBody>
+                  <a:tcPr/>
+                </a:tc>
+                <a:tc>
+                  <a:txBody>
+                    <a:bodyPr/>
+                    <a:lstStyle/>
+                    <a:p>
+                      <a:r>
+                        <a:rPr lang="en-US" altLang="zh-CN" dirty="0"/>
+                        <a:t>buddy</a:t>
+                      </a:r>
+                      <a:endParaRPr lang="zh-CN" altLang="en-US" dirty="0"/>
+                    </a:p>
+                  </a:txBody>
+                  <a:tcPr/>
+                </a:tc>
+                <a:tc>
+                  <a:txBody>
+                    <a:bodyPr/>
+                    <a:lstStyle/>
+                    <a:p>
+                      <a:r>
+                        <a:rPr lang="en-US" altLang="zh-CN" dirty="0"/>
+                        <a:t>slab</a:t>
+                      </a:r>
+                      <a:endParaRPr lang="zh-CN" altLang="en-US" dirty="0"/>
+                    </a:p>
+                  </a:txBody>
+                  <a:tcPr/>
+                </a:tc>
+                <a:tc>
+                  <a:txBody>
+                    <a:bodyPr/>
+                    <a:lstStyle/>
+                    <a:p>
+                      <a:r>
+                        <a:rPr lang="en-US" altLang="zh-CN" dirty="0"/>
+                        <a:t>First fit</a:t>
+                      </a:r>
+                      <a:endParaRPr lang="zh-CN" altLang="en-US" dirty="0"/>
+                    </a:p>
+                  </a:txBody>
+                  <a:tcPr/>
+                </a:tc>
+                <a:tc>
+                  <a:txBody>
+                    <a:bodyPr/>
+                    <a:lstStyle/>
+                    <a:p>
+                      <a:r>
+                        <a:rPr lang="en-US" altLang="zh-CN" dirty="0"/>
+                        <a:t>Best fit</a:t>
+                      </a:r>
+                      <a:endParaRPr lang="zh-CN" altLang="en-US" dirty="0"/>
+                    </a:p>
+                  </a:txBody>
+                  <a:tcPr/>
+                </a:tc>
+                <a:tc>
+                  <a:txBody>
+                    <a:bodyPr/>
+                    <a:lstStyle/>
+                    <a:p>
+                      <a:r>
+                        <a:rPr lang="en-US" altLang="zh-CN" dirty="0"/>
+                        <a:t>Worst fit</a:t>
+                      </a:r>
+                      <a:endParaRPr lang="zh-CN" altLang="en-US" dirty="0"/>
+                    </a:p>
+                  </a:txBody>
+                  <a:tcPr/>
+                </a:tc>
+                <a:extLst>
+                  <a:ext uri="{0D108BD9-81ED-4DB2-BD59-A6C34878D82A}">
+                    <a16:rowId xmlns:a16="http://schemas.microsoft.com/office/drawing/2014/main" val="4254079681"/>
+                  </a:ext>
+                </a:extLst>
+              </a:tr>
+              <a:tr h="370840">
+                <a:tc>
+                  <a:txBody>
+                    <a:bodyPr/>
+                    <a:lstStyle/>
+                    <a:p>
+                      <a:r>
+                        <a:rPr lang="en-US" altLang="zh-CN" dirty="0"/>
+                        <a:t>5000</a:t>
+                      </a:r>
+                      <a:endParaRPr lang="zh-CN" altLang="en-US" dirty="0"/>
+                    </a:p>
+                  </a:txBody>
+                  <a:tcPr/>
+                </a:tc>
+                <a:tc>
+                  <a:txBody>
+                    <a:bodyPr/>
+                    <a:lstStyle/>
+                    <a:p>
+                      <a:r>
+                        <a:rPr lang="en-US" altLang="zh-CN" dirty="0"/>
+                        <a:t>8</a:t>
+                      </a:r>
+                      <a:endParaRPr lang="zh-CN" altLang="en-US" dirty="0"/>
+                    </a:p>
+                  </a:txBody>
+                  <a:tcPr/>
+                </a:tc>
+                <a:tc>
+                  <a:txBody>
+                    <a:bodyPr/>
+                    <a:lstStyle/>
+                    <a:p>
+                      <a:r>
+                        <a:rPr lang="en-US" altLang="zh-CN" dirty="0"/>
+                        <a:t>16</a:t>
+                      </a:r>
+                      <a:endParaRPr lang="zh-CN" altLang="en-US" dirty="0"/>
+                    </a:p>
+                  </a:txBody>
+                  <a:tcPr/>
+                </a:tc>
+                <a:tc>
+                  <a:txBody>
+                    <a:bodyPr/>
+                    <a:lstStyle/>
+                    <a:p>
+                      <a:r>
+                        <a:rPr lang="en-US" altLang="zh-CN" dirty="0"/>
+                        <a:t>0.82s</a:t>
+                      </a:r>
+                      <a:endParaRPr lang="zh-CN" altLang="en-US" dirty="0"/>
+                    </a:p>
+                  </a:txBody>
+                  <a:tcPr/>
+                </a:tc>
+                <a:tc>
+                  <a:txBody>
+                    <a:bodyPr/>
+                    <a:lstStyle/>
+                    <a:p>
+                      <a:r>
+                        <a:rPr lang="en-US" altLang="zh-CN" dirty="0"/>
+                        <a:t>0.08s</a:t>
+                      </a:r>
+                      <a:endParaRPr lang="zh-CN" altLang="en-US" dirty="0"/>
+                    </a:p>
+                  </a:txBody>
+                  <a:tcPr/>
+                </a:tc>
+                <a:tc>
+                  <a:txBody>
+                    <a:bodyPr/>
+                    <a:lstStyle/>
+                    <a:p>
+                      <a:r>
+                        <a:rPr lang="en-US" altLang="zh-CN" dirty="0"/>
+                        <a:t>0.32s</a:t>
+                      </a:r>
+                      <a:endParaRPr lang="zh-CN" altLang="en-US" dirty="0"/>
+                    </a:p>
+                  </a:txBody>
+                  <a:tcPr/>
+                </a:tc>
+                <a:tc>
+                  <a:txBody>
+                    <a:bodyPr/>
+                    <a:lstStyle/>
+                    <a:p>
+                      <a:r>
+                        <a:rPr lang="en-US" altLang="zh-CN" dirty="0"/>
+                        <a:t>0.91s</a:t>
+                      </a:r>
+                      <a:endParaRPr lang="zh-CN" altLang="en-US" dirty="0"/>
+                    </a:p>
+                  </a:txBody>
+                  <a:tcPr/>
+                </a:tc>
+                <a:tc>
+                  <a:txBody>
+                    <a:bodyPr/>
+                    <a:lstStyle/>
+                    <a:p>
+                      <a:r>
+                        <a:rPr lang="en-US" altLang="zh-CN" dirty="0"/>
+                        <a:t>1.09s</a:t>
+                      </a:r>
+                      <a:endParaRPr lang="zh-CN" altLang="en-US" dirty="0"/>
+                    </a:p>
+                  </a:txBody>
+                  <a:tcPr/>
+                </a:tc>
+                <a:extLst>
+                  <a:ext uri="{0D108BD9-81ED-4DB2-BD59-A6C34878D82A}">
+                    <a16:rowId xmlns:a16="http://schemas.microsoft.com/office/drawing/2014/main" val="1451883973"/>
+                  </a:ext>
+                </a:extLst>
+              </a:tr>
+              <a:tr h="370840">
+                <a:tc>
+                  <a:txBody>
+                    <a:bodyPr/>
+                    <a:lstStyle/>
+                    <a:p>
+                      <a:r>
+                        <a:rPr lang="en-US" altLang="zh-CN" dirty="0"/>
+                        <a:t>10000</a:t>
+                      </a:r>
+                      <a:endParaRPr lang="zh-CN" altLang="en-US" dirty="0"/>
+                    </a:p>
+                  </a:txBody>
+                  <a:tcPr/>
+                </a:tc>
+                <a:tc>
+                  <a:txBody>
+                    <a:bodyPr/>
+                    <a:lstStyle/>
+                    <a:p>
+                      <a:r>
+                        <a:rPr lang="en-US" altLang="zh-CN" dirty="0"/>
+                        <a:t>32</a:t>
+                      </a:r>
+                      <a:endParaRPr lang="zh-CN" altLang="en-US" dirty="0"/>
+                    </a:p>
+                  </a:txBody>
+                  <a:tcPr/>
+                </a:tc>
+                <a:tc>
+                  <a:txBody>
+                    <a:bodyPr/>
+                    <a:lstStyle/>
+                    <a:p>
+                      <a:r>
+                        <a:rPr lang="en-US" altLang="zh-CN" dirty="0"/>
+                        <a:t>64</a:t>
+                      </a:r>
+                      <a:endParaRPr lang="zh-CN" altLang="en-US" dirty="0"/>
+                    </a:p>
+                  </a:txBody>
+                  <a:tcPr/>
+                </a:tc>
+                <a:tc>
+                  <a:txBody>
+                    <a:bodyPr/>
+                    <a:lstStyle/>
+                    <a:p>
+                      <a:r>
+                        <a:rPr lang="en-US" altLang="zh-CN" dirty="0"/>
+                        <a:t>18.42s</a:t>
+                      </a:r>
+                      <a:endParaRPr lang="zh-CN" altLang="en-US" dirty="0"/>
+                    </a:p>
+                  </a:txBody>
+                  <a:tcPr/>
+                </a:tc>
+                <a:tc>
+                  <a:txBody>
+                    <a:bodyPr/>
+                    <a:lstStyle/>
+                    <a:p>
+                      <a:r>
+                        <a:rPr lang="en-US" altLang="zh-CN" dirty="0"/>
+                        <a:t>0.13s</a:t>
+                      </a:r>
+                      <a:endParaRPr lang="zh-CN" altLang="en-US" dirty="0"/>
+                    </a:p>
+                  </a:txBody>
+                  <a:tcPr/>
+                </a:tc>
+                <a:tc>
+                  <a:txBody>
+                    <a:bodyPr/>
+                    <a:lstStyle/>
+                    <a:p>
+                      <a:r>
+                        <a:rPr lang="en-US" altLang="zh-CN" dirty="0"/>
+                        <a:t>5.65s</a:t>
+                      </a:r>
+                      <a:endParaRPr lang="zh-CN" altLang="en-US" dirty="0"/>
+                    </a:p>
+                  </a:txBody>
+                  <a:tcPr/>
+                </a:tc>
+                <a:tc>
+                  <a:txBody>
+                    <a:bodyPr/>
+                    <a:lstStyle/>
+                    <a:p>
+                      <a:r>
+                        <a:rPr lang="en-US" altLang="zh-CN" dirty="0"/>
+                        <a:t>11.98s</a:t>
+                      </a:r>
+                      <a:endParaRPr lang="zh-CN" altLang="en-US" dirty="0"/>
+                    </a:p>
+                  </a:txBody>
+                  <a:tcPr/>
+                </a:tc>
+                <a:tc>
+                  <a:txBody>
+                    <a:bodyPr/>
+                    <a:lstStyle/>
+                    <a:p>
+                      <a:r>
+                        <a:rPr lang="en-US" altLang="zh-CN" dirty="0"/>
+                        <a:t>9.60s</a:t>
+                      </a:r>
+                      <a:endParaRPr lang="zh-CN" altLang="en-US" dirty="0"/>
+                    </a:p>
+                  </a:txBody>
+                  <a:tcPr/>
+                </a:tc>
+                <a:extLst>
+                  <a:ext uri="{0D108BD9-81ED-4DB2-BD59-A6C34878D82A}">
+                    <a16:rowId xmlns:a16="http://schemas.microsoft.com/office/drawing/2014/main" val="3338225570"/>
+                  </a:ext>
+                </a:extLst>
+              </a:tr>
+            </a:tbl>
+          </a:graphicData>
+        </a:graphic>
+      </p:graphicFrame>
     </p:spTree>
     <p:extLst>
       <p:ext uri="{BB962C8B-B14F-4D97-AF65-F5344CB8AC3E}">
-        <p14:creationId xmlns:p14="http://schemas.microsoft.com/office/powerpoint/2010/main" val="2548974995"/>
+        <p14:creationId xmlns:p14="http://schemas.microsoft.com/office/powerpoint/2010/main" val="294342364"/>
       </p:ext>
     </p:extLst>
   </p:cSld>
@@ -15503,6 +15805,356 @@
           <a:lstStyle/>
           <a:p>
             <a:r>
+              <a:rPr lang="en-US" altLang="zh-CN" dirty="0" err="1"/>
+              <a:t>todo</a:t>
+            </a:r>
+            <a:r>
+              <a:rPr lang="en-US" altLang="zh-CN" dirty="0"/>
+              <a:t> list</a:t>
+            </a:r>
+            <a:endParaRPr lang="zh-CN" altLang="en-US" dirty="0"/>
+          </a:p>
+        </p:txBody>
+      </p:sp>
+      <p:sp>
+        <p:nvSpPr>
+          <p:cNvPr id="3" name="内容占位符 2">
+            <a:extLst>
+              <a:ext uri="{FF2B5EF4-FFF2-40B4-BE49-F238E27FC236}">
+                <a16:creationId xmlns:a16="http://schemas.microsoft.com/office/drawing/2014/main" id="{52F62A12-D4E0-4C0C-C0A0-B87454FA9007}"/>
+              </a:ext>
+            </a:extLst>
+          </p:cNvPr>
+          <p:cNvSpPr>
+            <a:spLocks noGrp="1"/>
+          </p:cNvSpPr>
+          <p:nvPr>
+            <p:ph idx="1"/>
+          </p:nvPr>
+        </p:nvSpPr>
+        <p:spPr>
+          <a:xfrm>
+            <a:off x="677334" y="1611949"/>
+            <a:ext cx="8933010" cy="4779707"/>
+          </a:xfrm>
+        </p:spPr>
+        <p:txBody>
+          <a:bodyPr>
+            <a:normAutofit/>
+          </a:bodyPr>
+          <a:lstStyle/>
+          <a:p>
+            <a:r>
+              <a:rPr lang="zh-CN" altLang="en-US" sz="2600" dirty="0">
+                <a:solidFill>
+                  <a:srgbClr val="000000"/>
+                </a:solidFill>
+                <a:latin typeface="-apple-system"/>
+              </a:rPr>
+              <a:t>实现过程中发现原有的</a:t>
+            </a:r>
+            <a:r>
+              <a:rPr lang="en-US" altLang="zh-CN" sz="2600" dirty="0" err="1">
+                <a:solidFill>
+                  <a:srgbClr val="000000"/>
+                </a:solidFill>
+                <a:latin typeface="-apple-system"/>
+              </a:rPr>
+              <a:t>alloc</a:t>
+            </a:r>
+            <a:r>
+              <a:rPr lang="en-US" altLang="zh-CN" sz="2600" dirty="0">
+                <a:solidFill>
+                  <a:srgbClr val="000000"/>
+                </a:solidFill>
+                <a:latin typeface="-apple-system"/>
+              </a:rPr>
+              <a:t> page</a:t>
+            </a:r>
+            <a:r>
+              <a:rPr lang="zh-CN" altLang="en-US" sz="2600" dirty="0">
+                <a:solidFill>
+                  <a:srgbClr val="000000"/>
+                </a:solidFill>
+                <a:latin typeface="-apple-system"/>
+              </a:rPr>
+              <a:t>可能有</a:t>
+            </a:r>
+            <a:r>
+              <a:rPr lang="en-US" altLang="zh-CN" sz="2600" dirty="0">
+                <a:solidFill>
+                  <a:srgbClr val="000000"/>
+                </a:solidFill>
+                <a:latin typeface="-apple-system"/>
+              </a:rPr>
+              <a:t>bug</a:t>
+            </a:r>
+            <a:r>
+              <a:rPr lang="zh-CN" altLang="en-US" sz="2600" dirty="0">
+                <a:solidFill>
+                  <a:srgbClr val="000000"/>
+                </a:solidFill>
+                <a:latin typeface="-apple-system"/>
+              </a:rPr>
+              <a:t>，可能造成分配的虚拟地址不连续</a:t>
+            </a:r>
+            <a:endParaRPr lang="en-US" altLang="zh-CN" sz="2600" dirty="0">
+              <a:solidFill>
+                <a:srgbClr val="000000"/>
+              </a:solidFill>
+              <a:latin typeface="-apple-system"/>
+            </a:endParaRPr>
+          </a:p>
+          <a:p>
+            <a:pPr lvl="1"/>
+            <a:r>
+              <a:rPr lang="zh-CN" altLang="en-US" sz="2400">
+                <a:solidFill>
+                  <a:srgbClr val="000000"/>
+                </a:solidFill>
+                <a:latin typeface="-apple-system"/>
+              </a:rPr>
+              <a:t>需要进一步与助教交流讨论</a:t>
+            </a:r>
+            <a:endParaRPr lang="en-US" altLang="zh-CN" sz="2400">
+              <a:solidFill>
+                <a:srgbClr val="000000"/>
+              </a:solidFill>
+              <a:latin typeface="-apple-system"/>
+            </a:endParaRPr>
+          </a:p>
+          <a:p>
+            <a:r>
+              <a:rPr lang="zh-CN" altLang="en-US" sz="2600" dirty="0">
+                <a:solidFill>
+                  <a:srgbClr val="000000"/>
+                </a:solidFill>
+                <a:latin typeface="-apple-system"/>
+              </a:rPr>
+              <a:t>进一步改进</a:t>
+            </a:r>
+            <a:r>
+              <a:rPr lang="en-US" altLang="zh-CN" sz="2600" dirty="0">
+                <a:solidFill>
+                  <a:srgbClr val="000000"/>
+                </a:solidFill>
+                <a:latin typeface="-apple-system"/>
+              </a:rPr>
+              <a:t>best/worst/first fit</a:t>
+            </a:r>
+            <a:r>
+              <a:rPr lang="zh-CN" altLang="en-US" sz="2600" dirty="0">
+                <a:solidFill>
+                  <a:srgbClr val="000000"/>
+                </a:solidFill>
+                <a:latin typeface="-apple-system"/>
+              </a:rPr>
+              <a:t>的查找策略，使其在</a:t>
+            </a:r>
+            <a:r>
+              <a:rPr lang="en-US" altLang="zh-CN" sz="2600" dirty="0" err="1">
+                <a:solidFill>
+                  <a:srgbClr val="000000"/>
+                </a:solidFill>
+                <a:latin typeface="-apple-system"/>
+              </a:rPr>
+              <a:t>alloc</a:t>
+            </a:r>
+            <a:r>
+              <a:rPr lang="zh-CN" altLang="en-US" sz="2600" dirty="0">
+                <a:solidFill>
+                  <a:srgbClr val="000000"/>
+                </a:solidFill>
+                <a:latin typeface="-apple-system"/>
+              </a:rPr>
+              <a:t>时无需每次遍历整个链表；</a:t>
+            </a:r>
+            <a:endParaRPr lang="en-US" altLang="zh-CN" sz="2600" dirty="0">
+              <a:solidFill>
+                <a:srgbClr val="000000"/>
+              </a:solidFill>
+              <a:latin typeface="-apple-system"/>
+            </a:endParaRPr>
+          </a:p>
+          <a:p>
+            <a:pPr lvl="1"/>
+            <a:r>
+              <a:rPr lang="zh-CN" altLang="en-US" sz="2400" dirty="0">
+                <a:solidFill>
+                  <a:srgbClr val="000000"/>
+                </a:solidFill>
+                <a:latin typeface="-apple-system"/>
+              </a:rPr>
+              <a:t>可能的探索方向：实现基于平衡数据结构的</a:t>
+            </a:r>
+            <a:r>
+              <a:rPr lang="en-US" altLang="zh-CN" sz="2400" dirty="0">
+                <a:solidFill>
+                  <a:srgbClr val="000000"/>
+                </a:solidFill>
+                <a:latin typeface="-apple-system"/>
+              </a:rPr>
+              <a:t>best fit</a:t>
+            </a:r>
+            <a:r>
+              <a:rPr lang="zh-CN" altLang="en-US" sz="2400" dirty="0">
+                <a:solidFill>
+                  <a:srgbClr val="000000"/>
+                </a:solidFill>
+                <a:latin typeface="-apple-system"/>
+              </a:rPr>
+              <a:t>策略</a:t>
+            </a:r>
+            <a:endParaRPr lang="en-US" altLang="zh-CN" sz="2400" dirty="0">
+              <a:solidFill>
+                <a:srgbClr val="000000"/>
+              </a:solidFill>
+              <a:latin typeface="-apple-system"/>
+            </a:endParaRPr>
+          </a:p>
+          <a:p>
+            <a:r>
+              <a:rPr lang="zh-CN" altLang="en-US" sz="2600" dirty="0">
+                <a:solidFill>
+                  <a:srgbClr val="000000"/>
+                </a:solidFill>
+                <a:latin typeface="-apple-system"/>
+              </a:rPr>
+              <a:t>改进现有的</a:t>
+            </a:r>
+            <a:r>
+              <a:rPr lang="en-US" altLang="zh-CN" sz="2600" dirty="0">
+                <a:solidFill>
+                  <a:srgbClr val="000000"/>
+                </a:solidFill>
+                <a:latin typeface="-apple-system"/>
+              </a:rPr>
+              <a:t>buddy</a:t>
+            </a:r>
+            <a:r>
+              <a:rPr lang="zh-CN" altLang="en-US" sz="2600" dirty="0">
+                <a:solidFill>
+                  <a:srgbClr val="000000"/>
+                </a:solidFill>
+                <a:latin typeface="-apple-system"/>
+              </a:rPr>
+              <a:t>算法以提高其效率</a:t>
+            </a:r>
+            <a:endParaRPr lang="en-US" altLang="zh-CN" sz="2600" dirty="0">
+              <a:solidFill>
+                <a:srgbClr val="000000"/>
+              </a:solidFill>
+              <a:latin typeface="-apple-system"/>
+            </a:endParaRPr>
+          </a:p>
+          <a:p>
+            <a:r>
+              <a:rPr lang="zh-CN" altLang="en-US" sz="2600" dirty="0">
+                <a:solidFill>
+                  <a:srgbClr val="000000"/>
+                </a:solidFill>
+                <a:latin typeface="-apple-system"/>
+              </a:rPr>
+              <a:t>实现</a:t>
+            </a:r>
+            <a:r>
+              <a:rPr lang="en-US" altLang="zh-CN" sz="2600" dirty="0">
+                <a:solidFill>
+                  <a:srgbClr val="000000"/>
+                </a:solidFill>
+                <a:latin typeface="-apple-system"/>
+              </a:rPr>
+              <a:t>linear allocator/TLSF/</a:t>
+            </a:r>
+            <a:r>
+              <a:rPr lang="zh-CN" altLang="en-US" sz="2600" dirty="0">
+                <a:solidFill>
+                  <a:srgbClr val="000000"/>
+                </a:solidFill>
+                <a:latin typeface="-apple-system"/>
+              </a:rPr>
+              <a:t>分离适配算法</a:t>
+            </a:r>
+            <a:endParaRPr lang="en-US" altLang="zh-CN" sz="2600" dirty="0">
+              <a:solidFill>
+                <a:srgbClr val="000000"/>
+              </a:solidFill>
+              <a:latin typeface="-apple-system"/>
+            </a:endParaRPr>
+          </a:p>
+          <a:p>
+            <a:r>
+              <a:rPr lang="en-US" altLang="zh-CN" sz="2600" b="0" i="0" dirty="0">
+                <a:solidFill>
+                  <a:srgbClr val="000000"/>
+                </a:solidFill>
+                <a:effectLst/>
+                <a:latin typeface="-apple-system"/>
+              </a:rPr>
+              <a:t>……</a:t>
+            </a:r>
+            <a:endParaRPr lang="en-US" altLang="zh-CN" sz="2800" b="0" i="0" dirty="0">
+              <a:solidFill>
+                <a:srgbClr val="000000"/>
+              </a:solidFill>
+              <a:effectLst/>
+              <a:latin typeface="-apple-system"/>
+            </a:endParaRPr>
+          </a:p>
+        </p:txBody>
+      </p:sp>
+    </p:spTree>
+    <p:extLst>
+      <p:ext uri="{BB962C8B-B14F-4D97-AF65-F5344CB8AC3E}">
+        <p14:creationId xmlns:p14="http://schemas.microsoft.com/office/powerpoint/2010/main" val="2548974995"/>
+      </p:ext>
+    </p:extLst>
+  </p:cSld>
+  <p:clrMapOvr>
+    <a:masterClrMapping/>
+  </p:clrMapOvr>
+</p:sld>
+</file>
+
+<file path=ppt/slides/slide32.xml><?xml version="1.0" encoding="utf-8"?>
+<p:sld xmlns:a="http://schemas.openxmlformats.org/drawingml/2006/main" xmlns:r="http://schemas.openxmlformats.org/officeDocument/2006/relationships" xmlns:p="http://schemas.openxmlformats.org/presentationml/2006/main">
+  <p:cSld>
+    <p:spTree>
+      <p:nvGrpSpPr>
+        <p:cNvPr id="1" name=""/>
+        <p:cNvGrpSpPr/>
+        <p:nvPr/>
+      </p:nvGrpSpPr>
+      <p:grpSpPr>
+        <a:xfrm>
+          <a:off x="0" y="0"/>
+          <a:ext cx="0" cy="0"/>
+          <a:chOff x="0" y="0"/>
+          <a:chExt cx="0" cy="0"/>
+        </a:xfrm>
+      </p:grpSpPr>
+      <p:sp>
+        <p:nvSpPr>
+          <p:cNvPr id="2" name="标题 1">
+            <a:extLst>
+              <a:ext uri="{FF2B5EF4-FFF2-40B4-BE49-F238E27FC236}">
+                <a16:creationId xmlns:a16="http://schemas.microsoft.com/office/drawing/2014/main" id="{788FCFBC-8C4F-4007-D87C-673F5E242D75}"/>
+              </a:ext>
+            </a:extLst>
+          </p:cNvPr>
+          <p:cNvSpPr>
+            <a:spLocks noGrp="1"/>
+          </p:cNvSpPr>
+          <p:nvPr>
+            <p:ph type="title"/>
+          </p:nvPr>
+        </p:nvSpPr>
+        <p:spPr/>
+        <p:txBody>
+          <a:bodyPr/>
+          <a:lstStyle/>
+          <a:p>
+            <a:r>
               <a:rPr lang="en-US" altLang="zh-CN" dirty="0"/>
               <a:t>reference</a:t>
             </a:r>
@@ -15646,7 +16298,7 @@
 </p:sld>
 </file>
 
-<file path=ppt/slides/slide32.xml><?xml version="1.0" encoding="utf-8"?>
+<file path=ppt/slides/slide33.xml><?xml version="1.0" encoding="utf-8"?>
 <p:sld xmlns:a="http://schemas.openxmlformats.org/drawingml/2006/main" xmlns:r="http://schemas.openxmlformats.org/officeDocument/2006/relationships" xmlns:p="http://schemas.openxmlformats.org/presentationml/2006/main">
   <p:cSld>
     <p:spTree>
